--- a/工作/内部培训.pptx
+++ b/工作/内部培训.pptx
@@ -13468,6 +13468,12 @@
             <a:endParaRPr lang="zh-CN" altLang="en-US" sz="2000" dirty="0"/>
           </a:p>
           <a:p>
+            <a:pPr marL="0" indent="0">
+              <a:buNone/>
+            </a:pPr>
+            <a:endParaRPr lang="zh-CN" altLang="en-US" sz="2000" dirty="0"/>
+          </a:p>
+          <a:p>
             <a:r>
               <a:rPr lang="zh-CN" altLang="en-US" sz="2000" dirty="0"/>
               <a:t>INDEX普通索引：允许出现相同的索引内容。</a:t>
@@ -13475,10 +13481,22 @@
             <a:endParaRPr lang="zh-CN" altLang="en-US" sz="2000" dirty="0"/>
           </a:p>
           <a:p>
+            <a:pPr marL="0" indent="0">
+              <a:buNone/>
+            </a:pPr>
+            <a:endParaRPr lang="zh-CN" altLang="en-US" sz="2000" dirty="0"/>
+          </a:p>
+          <a:p>
             <a:r>
               <a:rPr lang="zh-CN" altLang="en-US" sz="2000" dirty="0"/>
               <a:t>PRIMARY KEY主键索引：不允许出现相同的值，且不能为NULL值，一个表只能有一个primary_key索引。</a:t>
             </a:r>
+            <a:endParaRPr lang="zh-CN" altLang="en-US" sz="2000" dirty="0"/>
+          </a:p>
+          <a:p>
+            <a:pPr marL="0" indent="0">
+              <a:buNone/>
+            </a:pPr>
             <a:endParaRPr lang="zh-CN" altLang="en-US" sz="2000" dirty="0"/>
           </a:p>
           <a:p>
@@ -13493,6 +13511,9 @@
             <a:endParaRPr lang="zh-CN" altLang="en-US" sz="2000" dirty="0"/>
           </a:p>
           <a:p>
+            <a:pPr marL="0" indent="0">
+              <a:buNone/>
+            </a:pPr>
             <a:endParaRPr lang="zh-CN" altLang="en-US" sz="2000" dirty="0"/>
           </a:p>
           <a:p>
@@ -13520,7 +13541,7 @@
           <a:p>
             <a:r>
               <a:rPr lang="zh-CN" altLang="en-US" dirty="0"/>
-              <a:t>索引的类型</a:t>
+              <a:t>索引的类型和创建</a:t>
             </a:r>
             <a:endParaRPr lang="zh-CN" altLang="en-US" dirty="0"/>
           </a:p>

--- a/工作/内部培训.pptx
+++ b/工作/内部培训.pptx
@@ -6,19 +6,22 @@
     <p:sldMasterId id="2147483660" r:id="rId3"/>
   </p:sldMasterIdLst>
   <p:notesMasterIdLst>
-    <p:notesMasterId r:id="rId8"/>
+    <p:notesMasterId r:id="rId7"/>
   </p:notesMasterIdLst>
   <p:sldIdLst>
     <p:sldId id="258" r:id="rId4"/>
     <p:sldId id="260" r:id="rId5"/>
-    <p:sldId id="257" r:id="rId6"/>
-    <p:sldId id="259" r:id="rId7"/>
-    <p:sldId id="262" r:id="rId9"/>
+    <p:sldId id="259" r:id="rId6"/>
+    <p:sldId id="262" r:id="rId8"/>
+    <p:sldId id="266" r:id="rId9"/>
     <p:sldId id="261" r:id="rId10"/>
     <p:sldId id="256" r:id="rId11"/>
   </p:sldIdLst>
   <p:sldSz cx="12192000" cy="6858000"/>
   <p:notesSz cx="6858000" cy="9144000"/>
+  <p:custDataLst>
+    <p:tags r:id="rId15"/>
+  </p:custDataLst>
   <p:defaultTextStyle>
     <a:defPPr>
       <a:defRPr lang="zh-CN"/>
@@ -583,6 +586,124 @@
 </file>
 
 <file path=ppt/notesSlides/notesSlide2.xml><?xml version="1.0" encoding="utf-8"?>
+<p:notes xmlns:a="http://schemas.openxmlformats.org/drawingml/2006/main" xmlns:r="http://schemas.openxmlformats.org/officeDocument/2006/relationships" xmlns:p="http://schemas.openxmlformats.org/presentationml/2006/main">
+  <p:cSld>
+    <p:spTree>
+      <p:nvGrpSpPr>
+        <p:cNvPr id="1" name=""/>
+        <p:cNvGrpSpPr/>
+        <p:nvPr/>
+      </p:nvGrpSpPr>
+      <p:grpSpPr>
+        <a:xfrm>
+          <a:off x="0" y="0"/>
+          <a:ext cx="0" cy="0"/>
+          <a:chOff x="0" y="0"/>
+          <a:chExt cx="0" cy="0"/>
+        </a:xfrm>
+      </p:grpSpPr>
+      <p:sp>
+        <p:nvSpPr>
+          <p:cNvPr id="2" name="幻灯片图像占位符 1"/>
+          <p:cNvSpPr>
+            <a:spLocks noGrp="1" noRot="1" noChangeAspect="1"/>
+          </p:cNvSpPr>
+          <p:nvPr>
+            <p:ph type="sldImg"/>
+          </p:nvPr>
+        </p:nvSpPr>
+        <p:spPr/>
+      </p:sp>
+      <p:sp>
+        <p:nvSpPr>
+          <p:cNvPr id="3" name="备注占位符 2"/>
+          <p:cNvSpPr>
+            <a:spLocks noGrp="1"/>
+          </p:cNvSpPr>
+          <p:nvPr>
+            <p:ph type="body" idx="1"/>
+          </p:nvPr>
+        </p:nvSpPr>
+        <p:spPr/>
+        <p:txBody>
+          <a:bodyPr/>
+          <a:lstStyle/>
+          <a:p>
+            <a:endParaRPr lang="zh-CN" altLang="en-US"/>
+          </a:p>
+        </p:txBody>
+      </p:sp>
+      <p:sp>
+        <p:nvSpPr>
+          <p:cNvPr id="4" name="灯片编号占位符 3"/>
+          <p:cNvSpPr>
+            <a:spLocks noGrp="1"/>
+          </p:cNvSpPr>
+          <p:nvPr>
+            <p:ph type="sldNum" sz="quarter" idx="10"/>
+          </p:nvPr>
+        </p:nvSpPr>
+        <p:spPr/>
+        <p:txBody>
+          <a:bodyPr/>
+          <a:lstStyle/>
+          <a:p>
+            <a:pPr marL="0" marR="0" lvl="0" indent="0" algn="r" defTabSz="914400" eaLnBrk="0" fontAlgn="base" latinLnBrk="0" hangingPunct="0">
+              <a:lnSpc>
+                <a:spcPct val="100000"/>
+              </a:lnSpc>
+              <a:spcBef>
+                <a:spcPct val="0"/>
+              </a:spcBef>
+              <a:spcAft>
+                <a:spcPct val="0"/>
+              </a:spcAft>
+              <a:buClrTx/>
+              <a:buSzTx/>
+              <a:buFontTx/>
+              <a:buNone/>
+              <a:defRPr/>
+            </a:pPr>
+            <a:fld id="{39AD698A-D66C-4FA1-BBD8-F72AE9E6E751}" type="slidenum">
+              <a:rPr kumimoji="0" lang="zh-CN" altLang="en-US" sz="1200" b="0" i="0" u="none" strike="noStrike" kern="1200" cap="none" spc="0" normalizeH="0" baseline="0" noProof="0" smtClean="0">
+                <a:ln>
+                  <a:noFill/>
+                </a:ln>
+                <a:solidFill>
+                  <a:prstClr val="black"/>
+                </a:solidFill>
+                <a:effectLst/>
+                <a:uLnTx/>
+                <a:uFillTx/>
+                <a:latin typeface="Calibri" panose="020F0502020204030204" charset="0"/>
+                <a:ea typeface="微软雅黑" panose="020B0503020204020204" charset="-122"/>
+              </a:rPr>
+            </a:fld>
+            <a:endParaRPr kumimoji="0" lang="zh-CN" altLang="en-US" sz="1200" b="0" i="0" u="none" strike="noStrike" kern="1200" cap="none" spc="0" normalizeH="0" baseline="0" noProof="0">
+              <a:ln>
+                <a:noFill/>
+              </a:ln>
+              <a:solidFill>
+                <a:prstClr val="black"/>
+              </a:solidFill>
+              <a:effectLst/>
+              <a:uLnTx/>
+              <a:uFillTx/>
+              <a:latin typeface="Calibri" panose="020F0502020204030204" charset="0"/>
+              <a:ea typeface="微软雅黑" panose="020B0503020204020204" charset="-122"/>
+            </a:endParaRPr>
+          </a:p>
+        </p:txBody>
+      </p:sp>
+    </p:spTree>
+  </p:cSld>
+  <p:clrMapOvr>
+    <a:masterClrMapping/>
+  </p:clrMapOvr>
+</p:notes>
+</file>
+
+<file path=ppt/notesSlides/notesSlide3.xml><?xml version="1.0" encoding="utf-8"?>
 <p:notes xmlns:a="http://schemas.openxmlformats.org/drawingml/2006/main" xmlns:r="http://schemas.openxmlformats.org/officeDocument/2006/relationships" xmlns:p="http://schemas.openxmlformats.org/presentationml/2006/main">
   <p:cSld>
     <p:spTree>
@@ -8489,8 +8610,8 @@
         </p:nvSpPr>
         <p:spPr bwMode="auto">
           <a:xfrm>
-            <a:off x="5465445" y="5312145"/>
-            <a:ext cx="5271765" cy="414020"/>
+            <a:off x="5535930" y="5335005"/>
+            <a:ext cx="5271765" cy="460375"/>
           </a:xfrm>
           <a:prstGeom prst="rect">
             <a:avLst/>
@@ -8637,7 +8758,7 @@
               </a:lnSpc>
             </a:pPr>
             <a:r>
-              <a:rPr lang="en-US" altLang="zh-CN" sz="1400" dirty="0">
+              <a:rPr lang="en-US" altLang="zh-CN" sz="1600" dirty="0">
                 <a:solidFill>
                   <a:srgbClr val="FFFFFF"/>
                 </a:solidFill>
@@ -8646,7 +8767,7 @@
               </a:rPr>
               <a:t>2019—03—25</a:t>
             </a:r>
-            <a:endParaRPr lang="en-US" altLang="zh-CN" sz="1400" dirty="0">
+            <a:endParaRPr lang="en-US" altLang="zh-CN" sz="1600" dirty="0">
               <a:solidFill>
                 <a:srgbClr val="FFFFFF"/>
               </a:solidFill>
@@ -8698,7 +8819,7 @@
         </p:nvSpPr>
         <p:spPr bwMode="auto">
           <a:xfrm>
-            <a:off x="2251075" y="2244725"/>
+            <a:off x="1153160" y="827405"/>
             <a:ext cx="1097280" cy="645160"/>
           </a:xfrm>
           <a:prstGeom prst="rect">
@@ -8875,7 +8996,7 @@
         </p:nvSpPr>
         <p:spPr bwMode="auto">
           <a:xfrm>
-            <a:off x="4862513" y="2965450"/>
+            <a:off x="2250123" y="2378075"/>
             <a:ext cx="619125" cy="521970"/>
           </a:xfrm>
           <a:prstGeom prst="rect">
@@ -9052,7 +9173,7 @@
         </p:nvSpPr>
         <p:spPr bwMode="auto">
           <a:xfrm>
-            <a:off x="5481638" y="3067050"/>
+            <a:off x="3454083" y="2439670"/>
             <a:ext cx="3128962" cy="398780"/>
           </a:xfrm>
           <a:prstGeom prst="rect">
@@ -9203,7 +9324,7 @@
                 <a:latin typeface="微软雅黑" panose="020B0503020204020204" charset="-122"/>
                 <a:ea typeface="微软雅黑" panose="020B0503020204020204" charset="-122"/>
               </a:rPr>
-              <a:t>MySQL</a:t>
+              <a:t>MySQL </a:t>
             </a:r>
             <a:r>
               <a:rPr lang="zh-CN" altLang="en-US" sz="2000" b="1">
@@ -9239,7 +9360,7 @@
         </p:nvSpPr>
         <p:spPr bwMode="auto">
           <a:xfrm>
-            <a:off x="5481638" y="3779838"/>
+            <a:off x="3480753" y="3257868"/>
             <a:ext cx="3128962" cy="398780"/>
           </a:xfrm>
           <a:prstGeom prst="rect">
@@ -9383,14 +9504,24 @@
           <a:p>
             <a:pPr eaLnBrk="1" hangingPunct="1"/>
             <a:r>
-              <a:rPr lang="zh-CN" altLang="en-US" sz="2000" b="1">
+              <a:rPr lang="en-US" altLang="zh-CN" sz="2000" b="1">
                 <a:solidFill>
                   <a:srgbClr val="FFFFFF"/>
                 </a:solidFill>
                 <a:latin typeface="微软雅黑" panose="020B0503020204020204" charset="-122"/>
                 <a:ea typeface="微软雅黑" panose="020B0503020204020204" charset="-122"/>
               </a:rPr>
-              <a:t>单击这里添加您要的文本</a:t>
+              <a:t>MySQL </a:t>
+            </a:r>
+            <a:r>
+              <a:rPr lang="zh-CN" altLang="en-US" sz="2000" b="1">
+                <a:solidFill>
+                  <a:srgbClr val="FFFFFF"/>
+                </a:solidFill>
+                <a:latin typeface="微软雅黑" panose="020B0503020204020204" charset="-122"/>
+                <a:ea typeface="微软雅黑" panose="020B0503020204020204" charset="-122"/>
+              </a:rPr>
+              <a:t>事务</a:t>
             </a:r>
             <a:endParaRPr lang="zh-CN" altLang="en-US" sz="2000" b="1">
               <a:solidFill>
@@ -9416,7 +9547,7 @@
         </p:nvSpPr>
         <p:spPr bwMode="auto">
           <a:xfrm>
-            <a:off x="5481638" y="4549775"/>
+            <a:off x="3553778" y="4182110"/>
             <a:ext cx="3128962" cy="398780"/>
           </a:xfrm>
           <a:prstGeom prst="rect">
@@ -9560,14 +9691,24 @@
           <a:p>
             <a:pPr eaLnBrk="1" hangingPunct="1"/>
             <a:r>
-              <a:rPr lang="zh-CN" altLang="en-US" sz="2000" b="1">
+              <a:rPr lang="en-US" altLang="zh-CN" sz="2000" b="1">
                 <a:solidFill>
                   <a:srgbClr val="FFFFFF"/>
                 </a:solidFill>
                 <a:latin typeface="微软雅黑" panose="020B0503020204020204" charset="-122"/>
                 <a:ea typeface="微软雅黑" panose="020B0503020204020204" charset="-122"/>
               </a:rPr>
-              <a:t>单击这里添加您要的文本</a:t>
+              <a:t>MySQL </a:t>
+            </a:r>
+            <a:r>
+              <a:rPr lang="zh-CN" altLang="en-US" sz="2000" b="1">
+                <a:solidFill>
+                  <a:srgbClr val="FFFFFF"/>
+                </a:solidFill>
+                <a:latin typeface="微软雅黑" panose="020B0503020204020204" charset="-122"/>
+                <a:ea typeface="微软雅黑" panose="020B0503020204020204" charset="-122"/>
+              </a:rPr>
+              <a:t>函数</a:t>
             </a:r>
             <a:endParaRPr lang="zh-CN" altLang="en-US" sz="2000" b="1">
               <a:solidFill>
@@ -9593,7 +9734,7 @@
         </p:nvSpPr>
         <p:spPr bwMode="auto">
           <a:xfrm>
-            <a:off x="4862513" y="3709988"/>
+            <a:off x="2250123" y="3257868"/>
             <a:ext cx="619125" cy="521970"/>
           </a:xfrm>
           <a:prstGeom prst="rect">
@@ -9770,7 +9911,7 @@
         </p:nvSpPr>
         <p:spPr bwMode="auto">
           <a:xfrm>
-            <a:off x="4862513" y="4467225"/>
+            <a:off x="2250123" y="4147820"/>
             <a:ext cx="619125" cy="521970"/>
           </a:xfrm>
           <a:prstGeom prst="rect">
@@ -9933,9 +10074,75 @@
           </a:p>
         </p:txBody>
       </p:sp>
+      <p:sp>
+        <p:nvSpPr>
+          <p:cNvPr id="6" name="流程图: 决策 5"/>
+          <p:cNvSpPr/>
+          <p:nvPr>
+            <p:custDataLst>
+              <p:tags r:id="rId8"/>
+            </p:custDataLst>
+          </p:nvPr>
+        </p:nvSpPr>
+        <p:spPr>
+          <a:xfrm>
+            <a:off x="6213158" y="1584325"/>
+            <a:ext cx="5648325" cy="3870325"/>
+          </a:xfrm>
+          <a:prstGeom prst="flowChartDecision">
+            <a:avLst/>
+          </a:prstGeom>
+          <a:blipFill>
+            <a:blip r:embed="rId9">
+              <a:extLst>
+                <a:ext uri="{28A0092B-C50C-407E-A947-70E740481C1C}">
+                  <a14:useLocalDpi xmlns:a14="http://schemas.microsoft.com/office/drawing/2010/main" val="0"/>
+                </a:ext>
+              </a:extLst>
+            </a:blip>
+            <a:stretch>
+              <a:fillRect/>
+            </a:stretch>
+          </a:blipFill>
+          <a:ln>
+            <a:noFill/>
+          </a:ln>
+        </p:spPr>
+        <p:style>
+          <a:lnRef idx="2">
+            <a:schemeClr val="accent1">
+              <a:shade val="50000"/>
+            </a:schemeClr>
+          </a:lnRef>
+          <a:fillRef idx="1">
+            <a:schemeClr val="accent1"/>
+          </a:fillRef>
+          <a:effectRef idx="0">
+            <a:schemeClr val="accent1"/>
+          </a:effectRef>
+          <a:fontRef idx="minor">
+            <a:schemeClr val="lt1"/>
+          </a:fontRef>
+        </p:style>
+        <p:txBody>
+          <a:bodyPr anchor="ctr"/>
+          <a:p>
+            <a:pPr algn="ctr" eaLnBrk="1" fontAlgn="auto" hangingPunct="1">
+              <a:spcBef>
+                <a:spcPts val="0"/>
+              </a:spcBef>
+              <a:spcAft>
+                <a:spcPts val="0"/>
+              </a:spcAft>
+              <a:defRPr/>
+            </a:pPr>
+            <a:endParaRPr lang="zh-CN" altLang="en-US"/>
+          </a:p>
+        </p:txBody>
+      </p:sp>
     </p:spTree>
     <p:custDataLst>
-      <p:tags r:id="rId8"/>
+      <p:tags r:id="rId10"/>
     </p:custDataLst>
   </p:cSld>
   <p:clrMapOvr>
@@ -9953,9 +10160,6 @@
                     <p:cTn id="3" fill="hold">
                       <p:stCondLst>
                         <p:cond delay="indefinite"/>
-                        <p:cond evt="onBegin" delay="0">
-                          <p:tn val="2"/>
-                        </p:cond>
                       </p:stCondLst>
                       <p:childTnLst>
                         <p:par>
@@ -9965,7 +10169,7 @@
                             </p:stCondLst>
                             <p:childTnLst>
                               <p:par>
-                                <p:cTn id="5" presetID="2" presetClass="entr" presetSubtype="4" fill="hold" grpId="0" nodeType="withEffect">
+                                <p:cTn id="5" presetID="2" presetClass="entr" presetSubtype="4" fill="hold" grpId="0" nodeType="clickEffect">
                                   <p:stCondLst>
                                     <p:cond delay="0"/>
                                   </p:stCondLst>
@@ -11384,6 +11588,50 @@
                                         </p:cTn>
                                         <p:tgtEl>
                                           <p:spTgt spid="14"/>
+                                        </p:tgtEl>
+                                      </p:cBhvr>
+                                    </p:animEffect>
+                                  </p:childTnLst>
+                                </p:cTn>
+                              </p:par>
+                            </p:childTnLst>
+                          </p:cTn>
+                        </p:par>
+                        <p:par>
+                          <p:cTn id="70" fill="hold">
+                            <p:stCondLst>
+                              <p:cond delay="1500"/>
+                            </p:stCondLst>
+                            <p:childTnLst>
+                              <p:par>
+                                <p:cTn id="71" presetID="16" presetClass="entr" presetSubtype="42" fill="hold" grpId="0" nodeType="afterEffect">
+                                  <p:stCondLst>
+                                    <p:cond delay="0"/>
+                                  </p:stCondLst>
+                                  <p:childTnLst>
+                                    <p:set>
+                                      <p:cBhvr>
+                                        <p:cTn id="72" dur="1" fill="hold">
+                                          <p:stCondLst>
+                                            <p:cond delay="0"/>
+                                          </p:stCondLst>
+                                        </p:cTn>
+                                        <p:tgtEl>
+                                          <p:spTgt spid="6"/>
+                                        </p:tgtEl>
+                                        <p:attrNameLst>
+                                          <p:attrName>style.visibility</p:attrName>
+                                        </p:attrNameLst>
+                                      </p:cBhvr>
+                                      <p:to>
+                                        <p:strVal val="visible"/>
+                                      </p:to>
+                                    </p:set>
+                                    <p:animEffect transition="in" filter="barn(outHorizontal)">
+                                      <p:cBhvr>
+                                        <p:cTn id="73" dur="1500"/>
+                                        <p:tgtEl>
+                                          <p:spTgt spid="6"/>
                                         </p:tgtEl>
                                       </p:cBhvr>
                                     </p:animEffect>
@@ -11418,13 +11666,15 @@
       </p:par>
     </p:tnLst>
     <p:bldLst>
-      <p:bldP spid="5" grpId="0"/>
       <p:bldP spid="9" grpId="0"/>
       <p:bldP spid="10" grpId="0"/>
       <p:bldP spid="11" grpId="0"/>
       <p:bldP spid="12" grpId="0"/>
       <p:bldP spid="13" grpId="0"/>
       <p:bldP spid="14" grpId="0"/>
+      <p:bldP spid="6" grpId="0" bldLvl="0" animBg="1"/>
+      <p:bldP spid="5" grpId="0"/>
+      <p:bldP spid="5" grpId="1"/>
     </p:bldLst>
   </p:timing>
 </p:sld>
@@ -11449,1308 +11699,95 @@
       </p:grpSpPr>
       <p:sp>
         <p:nvSpPr>
-          <p:cNvPr id="4" name="文本框 3"/>
-          <p:cNvSpPr txBox="1">
-            <a:spLocks noChangeArrowheads="1"/>
+          <p:cNvPr id="3" name="内容占位符 2"/>
+          <p:cNvSpPr>
+            <a:spLocks noGrp="1"/>
           </p:cNvSpPr>
           <p:nvPr>
+            <p:ph idx="1"/>
             <p:custDataLst>
               <p:tags r:id="rId1"/>
             </p:custDataLst>
           </p:nvPr>
         </p:nvSpPr>
-        <p:spPr bwMode="auto">
-          <a:xfrm>
-            <a:off x="890588" y="414338"/>
-            <a:ext cx="2719387" cy="368300"/>
-          </a:xfrm>
-          <a:prstGeom prst="rect">
-            <a:avLst/>
-          </a:prstGeom>
-          <a:noFill/>
-          <a:ln>
-            <a:noFill/>
-          </a:ln>
-          <a:extLst>
-            <a:ext uri="{909E8E84-426E-40DD-AFC4-6F175D3DCCD1}">
-              <a14:hiddenFill xmlns:a14="http://schemas.microsoft.com/office/drawing/2010/main">
-                <a:solidFill>
-                  <a:srgbClr val="FFFFFF"/>
-                </a:solidFill>
-              </a14:hiddenFill>
-            </a:ext>
-            <a:ext uri="{91240B29-F687-4F45-9708-019B960494DF}">
-              <a14:hiddenLine xmlns:a14="http://schemas.microsoft.com/office/drawing/2010/main" w="9525">
-                <a:solidFill>
-                  <a:srgbClr val="000000"/>
-                </a:solidFill>
-                <a:miter lim="800000"/>
-                <a:headEnd/>
-                <a:tailEnd/>
-              </a14:hiddenLine>
-            </a:ext>
-          </a:extLst>
-        </p:spPr>
+        <p:spPr/>
         <p:txBody>
           <a:bodyPr>
-            <a:spAutoFit/>
+            <a:normAutofit/>
           </a:bodyPr>
-          <a:lstStyle>
-            <a:lvl1pPr>
-              <a:defRPr>
-                <a:solidFill>
-                  <a:schemeClr val="tx1"/>
-                </a:solidFill>
-                <a:latin typeface="Calibri" panose="020F0502020204030204" charset="0"/>
-                <a:ea typeface="宋体" panose="02010600030101010101" pitchFamily="2" charset="-122"/>
-              </a:defRPr>
-            </a:lvl1pPr>
-            <a:lvl2pPr marL="742950" indent="-285750">
-              <a:defRPr>
-                <a:solidFill>
-                  <a:schemeClr val="tx1"/>
-                </a:solidFill>
-                <a:latin typeface="Calibri" panose="020F0502020204030204" charset="0"/>
-                <a:ea typeface="宋体" panose="02010600030101010101" pitchFamily="2" charset="-122"/>
-              </a:defRPr>
-            </a:lvl2pPr>
-            <a:lvl3pPr marL="1143000" indent="-228600">
-              <a:defRPr>
-                <a:solidFill>
-                  <a:schemeClr val="tx1"/>
-                </a:solidFill>
-                <a:latin typeface="Calibri" panose="020F0502020204030204" charset="0"/>
-                <a:ea typeface="宋体" panose="02010600030101010101" pitchFamily="2" charset="-122"/>
-              </a:defRPr>
-            </a:lvl3pPr>
-            <a:lvl4pPr marL="1600200" indent="-228600">
-              <a:defRPr>
-                <a:solidFill>
-                  <a:schemeClr val="tx1"/>
-                </a:solidFill>
-                <a:latin typeface="Calibri" panose="020F0502020204030204" charset="0"/>
-                <a:ea typeface="宋体" panose="02010600030101010101" pitchFamily="2" charset="-122"/>
-              </a:defRPr>
-            </a:lvl4pPr>
-            <a:lvl5pPr marL="2057400" indent="-228600">
-              <a:defRPr>
-                <a:solidFill>
-                  <a:schemeClr val="tx1"/>
-                </a:solidFill>
-                <a:latin typeface="Calibri" panose="020F0502020204030204" charset="0"/>
-                <a:ea typeface="宋体" panose="02010600030101010101" pitchFamily="2" charset="-122"/>
-              </a:defRPr>
-            </a:lvl5pPr>
-            <a:lvl6pPr marL="2514600" indent="-228600" fontAlgn="base">
-              <a:spcBef>
-                <a:spcPct val="0"/>
-              </a:spcBef>
-              <a:spcAft>
-                <a:spcPct val="0"/>
-              </a:spcAft>
-              <a:defRPr>
-                <a:solidFill>
-                  <a:schemeClr val="tx1"/>
-                </a:solidFill>
-                <a:latin typeface="Calibri" panose="020F0502020204030204" charset="0"/>
-                <a:ea typeface="宋体" panose="02010600030101010101" pitchFamily="2" charset="-122"/>
-              </a:defRPr>
-            </a:lvl6pPr>
-            <a:lvl7pPr marL="2971800" indent="-228600" fontAlgn="base">
-              <a:spcBef>
-                <a:spcPct val="0"/>
-              </a:spcBef>
-              <a:spcAft>
-                <a:spcPct val="0"/>
-              </a:spcAft>
-              <a:defRPr>
-                <a:solidFill>
-                  <a:schemeClr val="tx1"/>
-                </a:solidFill>
-                <a:latin typeface="Calibri" panose="020F0502020204030204" charset="0"/>
-                <a:ea typeface="宋体" panose="02010600030101010101" pitchFamily="2" charset="-122"/>
-              </a:defRPr>
-            </a:lvl7pPr>
-            <a:lvl8pPr marL="3429000" indent="-228600" fontAlgn="base">
-              <a:spcBef>
-                <a:spcPct val="0"/>
-              </a:spcBef>
-              <a:spcAft>
-                <a:spcPct val="0"/>
-              </a:spcAft>
-              <a:defRPr>
-                <a:solidFill>
-                  <a:schemeClr val="tx1"/>
-                </a:solidFill>
-                <a:latin typeface="Calibri" panose="020F0502020204030204" charset="0"/>
-                <a:ea typeface="宋体" panose="02010600030101010101" pitchFamily="2" charset="-122"/>
-              </a:defRPr>
-            </a:lvl8pPr>
-            <a:lvl9pPr marL="3886200" indent="-228600" fontAlgn="base">
-              <a:spcBef>
-                <a:spcPct val="0"/>
-              </a:spcBef>
-              <a:spcAft>
-                <a:spcPct val="0"/>
-              </a:spcAft>
-              <a:defRPr>
-                <a:solidFill>
-                  <a:schemeClr val="tx1"/>
-                </a:solidFill>
-                <a:latin typeface="Calibri" panose="020F0502020204030204" charset="0"/>
-                <a:ea typeface="宋体" panose="02010600030101010101" pitchFamily="2" charset="-122"/>
-              </a:defRPr>
-            </a:lvl9pPr>
-          </a:lstStyle>
-          <a:p>
-            <a:pPr eaLnBrk="1" hangingPunct="1"/>
+          <a:lstStyle/>
+          <a:p>
             <a:r>
-              <a:rPr lang="zh-CN" altLang="en-US" b="1">
-                <a:solidFill>
-                  <a:srgbClr val="FFFFFF"/>
-                </a:solidFill>
-                <a:latin typeface="微软雅黑" panose="020B0503020204020204" charset="-122"/>
-                <a:ea typeface="微软雅黑" panose="020B0503020204020204" charset="-122"/>
-              </a:rPr>
-              <a:t>请在此处添加你的标题</a:t>
+              <a:rPr lang="zh-CN" altLang="en-US" sz="2000" dirty="0"/>
+              <a:t>EXPLAIN可以帮助开发人员分析SQL问题，explain显示了mysql如何使用索引来处理select语句以及连接表，可以帮助选择更好的索引和写出更优化的查询语句。</a:t>
             </a:r>
-            <a:endParaRPr lang="zh-CN" altLang="en-US" b="1">
-              <a:solidFill>
-                <a:srgbClr val="FFFFFF"/>
-              </a:solidFill>
-              <a:latin typeface="微软雅黑" panose="020B0503020204020204" charset="-122"/>
-              <a:ea typeface="微软雅黑" panose="020B0503020204020204" charset="-122"/>
-            </a:endParaRPr>
+            <a:endParaRPr lang="zh-CN" altLang="en-US" sz="2000" dirty="0"/>
+          </a:p>
+          <a:p>
+            <a:endParaRPr lang="zh-CN" altLang="en-US" sz="2000" dirty="0"/>
+          </a:p>
+          <a:p>
+            <a:r>
+              <a:rPr lang="zh-CN" altLang="en-US" sz="2000" dirty="0"/>
+              <a:t>mysql在执行一条查询之前，会对发出的每条SQL进行分析，决定是否使用索引或全表扫描如果发送一条select * from </a:t>
+            </a:r>
+            <a:r>
+              <a:rPr lang="en-US" altLang="zh-CN" sz="2000" dirty="0"/>
+              <a:t>t_base_code </a:t>
+            </a:r>
+            <a:r>
+              <a:rPr lang="zh-CN" altLang="en-US" sz="2000" dirty="0"/>
+              <a:t>where false，Mysql是不会执行查询操作的，因为经过SQL分析器的分析后MySQL已经清楚不会有任何语句符合操作。</a:t>
+            </a:r>
+            <a:endParaRPr lang="zh-CN" altLang="en-US" sz="2000" dirty="0"/>
+          </a:p>
+          <a:p>
+            <a:endParaRPr lang="zh-CN" altLang="en-US" sz="2000" dirty="0"/>
+          </a:p>
+          <a:p>
+            <a:r>
+              <a:rPr lang="zh-CN" altLang="en-US" sz="2000" dirty="0"/>
+              <a:t>possible_keys：如果是空的，没有相关的索引。这时要提高性能，可通过检验WHERE子句，看是否引用某些字段，或者检查字段不是适合索引。  </a:t>
+            </a:r>
+            <a:endParaRPr lang="zh-CN" altLang="en-US" sz="2000" dirty="0"/>
+          </a:p>
+          <a:p>
+            <a:pPr marL="0" indent="0">
+              <a:buNone/>
+            </a:pPr>
+            <a:endParaRPr lang="zh-CN" altLang="en-US" sz="2000" dirty="0"/>
           </a:p>
         </p:txBody>
       </p:sp>
       <p:sp>
         <p:nvSpPr>
-          <p:cNvPr id="6" name="流程图: 决策 5"/>
-          <p:cNvSpPr/>
+          <p:cNvPr id="5" name="标题 4"/>
+          <p:cNvSpPr>
+            <a:spLocks noGrp="1"/>
+          </p:cNvSpPr>
           <p:nvPr>
+            <p:ph type="title"/>
             <p:custDataLst>
               <p:tags r:id="rId2"/>
             </p:custDataLst>
           </p:nvPr>
         </p:nvSpPr>
-        <p:spPr>
-          <a:xfrm>
-            <a:off x="4948238" y="1651000"/>
-            <a:ext cx="5648325" cy="3870325"/>
-          </a:xfrm>
-          <a:prstGeom prst="flowChartDecision">
-            <a:avLst/>
-          </a:prstGeom>
-          <a:blipFill>
-            <a:blip r:embed="rId3">
-              <a:extLst>
-                <a:ext uri="{28A0092B-C50C-407E-A947-70E740481C1C}">
-                  <a14:useLocalDpi xmlns:a14="http://schemas.microsoft.com/office/drawing/2010/main" val="0"/>
-                </a:ext>
-              </a:extLst>
-            </a:blip>
-            <a:stretch>
-              <a:fillRect/>
-            </a:stretch>
-          </a:blipFill>
-          <a:ln>
-            <a:noFill/>
-          </a:ln>
-        </p:spPr>
-        <p:style>
-          <a:lnRef idx="2">
-            <a:schemeClr val="accent1">
-              <a:shade val="50000"/>
-            </a:schemeClr>
-          </a:lnRef>
-          <a:fillRef idx="1">
-            <a:schemeClr val="accent1"/>
-          </a:fillRef>
-          <a:effectRef idx="0">
-            <a:schemeClr val="accent1"/>
-          </a:effectRef>
-          <a:fontRef idx="minor">
-            <a:schemeClr val="lt1"/>
-          </a:fontRef>
-        </p:style>
+        <p:spPr/>
         <p:txBody>
-          <a:bodyPr anchor="ctr"/>
+          <a:bodyPr/>
           <a:lstStyle/>
           <a:p>
-            <a:pPr algn="ctr" eaLnBrk="1" fontAlgn="auto" hangingPunct="1">
-              <a:spcBef>
-                <a:spcPts val="0"/>
-              </a:spcBef>
-              <a:spcAft>
-                <a:spcPts val="0"/>
-              </a:spcAft>
-              <a:defRPr/>
-            </a:pPr>
-            <a:endParaRPr lang="zh-CN" altLang="en-US"/>
-          </a:p>
-        </p:txBody>
-      </p:sp>
-      <p:sp>
-        <p:nvSpPr>
-          <p:cNvPr id="7" name="流程图: 决策 6"/>
-          <p:cNvSpPr/>
-          <p:nvPr>
-            <p:custDataLst>
-              <p:tags r:id="rId4"/>
-            </p:custDataLst>
-          </p:nvPr>
-        </p:nvSpPr>
-        <p:spPr>
-          <a:xfrm>
-            <a:off x="3440113" y="1757363"/>
-            <a:ext cx="2495550" cy="1671637"/>
-          </a:xfrm>
-          <a:prstGeom prst="flowChartDecision">
-            <a:avLst/>
-          </a:prstGeom>
-          <a:solidFill>
-            <a:schemeClr val="bg1">
-              <a:alpha val="50000"/>
-            </a:schemeClr>
-          </a:solidFill>
-          <a:ln>
-            <a:noFill/>
-          </a:ln>
-        </p:spPr>
-        <p:style>
-          <a:lnRef idx="2">
-            <a:schemeClr val="accent1">
-              <a:shade val="50000"/>
-            </a:schemeClr>
-          </a:lnRef>
-          <a:fillRef idx="1">
-            <a:schemeClr val="accent1"/>
-          </a:fillRef>
-          <a:effectRef idx="0">
-            <a:schemeClr val="accent1"/>
-          </a:effectRef>
-          <a:fontRef idx="minor">
-            <a:schemeClr val="lt1"/>
-          </a:fontRef>
-        </p:style>
-        <p:txBody>
-          <a:bodyPr anchor="ctr"/>
-          <a:lstStyle/>
-          <a:p>
-            <a:pPr algn="ctr" eaLnBrk="1" fontAlgn="auto" hangingPunct="1">
-              <a:spcBef>
-                <a:spcPts val="0"/>
-              </a:spcBef>
-              <a:spcAft>
-                <a:spcPts val="0"/>
-              </a:spcAft>
-              <a:defRPr/>
-            </a:pPr>
-            <a:endParaRPr lang="zh-CN" altLang="en-US"/>
-          </a:p>
-        </p:txBody>
-      </p:sp>
-      <p:sp>
-        <p:nvSpPr>
-          <p:cNvPr id="8" name="流程图: 决策 7"/>
-          <p:cNvSpPr/>
-          <p:nvPr>
-            <p:custDataLst>
-              <p:tags r:id="rId5"/>
-            </p:custDataLst>
-          </p:nvPr>
-        </p:nvSpPr>
-        <p:spPr>
-          <a:xfrm>
-            <a:off x="3440113" y="3830638"/>
-            <a:ext cx="2495550" cy="1671637"/>
-          </a:xfrm>
-          <a:prstGeom prst="flowChartDecision">
-            <a:avLst/>
-          </a:prstGeom>
-          <a:solidFill>
-            <a:schemeClr val="bg1">
-              <a:alpha val="50000"/>
-            </a:schemeClr>
-          </a:solidFill>
-          <a:ln>
-            <a:noFill/>
-          </a:ln>
-        </p:spPr>
-        <p:style>
-          <a:lnRef idx="2">
-            <a:schemeClr val="accent1">
-              <a:shade val="50000"/>
-            </a:schemeClr>
-          </a:lnRef>
-          <a:fillRef idx="1">
-            <a:schemeClr val="accent1"/>
-          </a:fillRef>
-          <a:effectRef idx="0">
-            <a:schemeClr val="accent1"/>
-          </a:effectRef>
-          <a:fontRef idx="minor">
-            <a:schemeClr val="lt1"/>
-          </a:fontRef>
-        </p:style>
-        <p:txBody>
-          <a:bodyPr anchor="ctr"/>
-          <a:lstStyle/>
-          <a:p>
-            <a:pPr algn="ctr" eaLnBrk="1" fontAlgn="auto" hangingPunct="1">
-              <a:spcBef>
-                <a:spcPts val="0"/>
-              </a:spcBef>
-              <a:spcAft>
-                <a:spcPts val="0"/>
-              </a:spcAft>
-              <a:defRPr/>
-            </a:pPr>
-            <a:endParaRPr lang="zh-CN" altLang="en-US"/>
-          </a:p>
-        </p:txBody>
-      </p:sp>
-      <p:sp>
-        <p:nvSpPr>
-          <p:cNvPr id="9" name="流程图: 决策 8"/>
-          <p:cNvSpPr/>
-          <p:nvPr>
-            <p:custDataLst>
-              <p:tags r:id="rId6"/>
-            </p:custDataLst>
-          </p:nvPr>
-        </p:nvSpPr>
-        <p:spPr>
-          <a:xfrm>
-            <a:off x="1871663" y="2857500"/>
-            <a:ext cx="2495550" cy="1671638"/>
-          </a:xfrm>
-          <a:prstGeom prst="flowChartDecision">
-            <a:avLst/>
-          </a:prstGeom>
-          <a:solidFill>
-            <a:schemeClr val="bg1">
-              <a:alpha val="50000"/>
-            </a:schemeClr>
-          </a:solidFill>
-          <a:ln>
-            <a:noFill/>
-          </a:ln>
-        </p:spPr>
-        <p:style>
-          <a:lnRef idx="2">
-            <a:schemeClr val="accent1">
-              <a:shade val="50000"/>
-            </a:schemeClr>
-          </a:lnRef>
-          <a:fillRef idx="1">
-            <a:schemeClr val="accent1"/>
-          </a:fillRef>
-          <a:effectRef idx="0">
-            <a:schemeClr val="accent1"/>
-          </a:effectRef>
-          <a:fontRef idx="minor">
-            <a:schemeClr val="lt1"/>
-          </a:fontRef>
-        </p:style>
-        <p:txBody>
-          <a:bodyPr anchor="ctr"/>
-          <a:lstStyle/>
-          <a:p>
-            <a:pPr algn="ctr" eaLnBrk="1" fontAlgn="auto" hangingPunct="1">
-              <a:spcBef>
-                <a:spcPts val="0"/>
-              </a:spcBef>
-              <a:spcAft>
-                <a:spcPts val="0"/>
-              </a:spcAft>
-              <a:defRPr/>
-            </a:pPr>
-            <a:endParaRPr lang="zh-CN" altLang="en-US"/>
-          </a:p>
-        </p:txBody>
-      </p:sp>
-      <p:sp>
-        <p:nvSpPr>
-          <p:cNvPr id="10" name="等腰三角形 5"/>
-          <p:cNvSpPr/>
-          <p:nvPr>
-            <p:custDataLst>
-              <p:tags r:id="rId7"/>
-            </p:custDataLst>
-          </p:nvPr>
-        </p:nvSpPr>
-        <p:spPr>
-          <a:xfrm>
-            <a:off x="2068513" y="3457575"/>
-            <a:ext cx="333375" cy="471488"/>
-          </a:xfrm>
-          <a:custGeom>
-            <a:avLst/>
-            <a:gdLst>
-              <a:gd name="connsiteX0" fmla="*/ 0 w 1091821"/>
-              <a:gd name="connsiteY0" fmla="*/ 477672 h 477672"/>
-              <a:gd name="connsiteX1" fmla="*/ 655093 w 1091821"/>
-              <a:gd name="connsiteY1" fmla="*/ 0 h 477672"/>
-              <a:gd name="connsiteX2" fmla="*/ 1091821 w 1091821"/>
-              <a:gd name="connsiteY2" fmla="*/ 477672 h 477672"/>
-              <a:gd name="connsiteX3" fmla="*/ 0 w 1091821"/>
-              <a:gd name="connsiteY3" fmla="*/ 477672 h 477672"/>
-              <a:gd name="connsiteX0-1" fmla="*/ 0 w 655093"/>
-              <a:gd name="connsiteY0-2" fmla="*/ 477672 h 914400"/>
-              <a:gd name="connsiteX1-3" fmla="*/ 655093 w 655093"/>
-              <a:gd name="connsiteY1-4" fmla="*/ 0 h 914400"/>
-              <a:gd name="connsiteX2-5" fmla="*/ 655093 w 655093"/>
-              <a:gd name="connsiteY2-6" fmla="*/ 914400 h 914400"/>
-              <a:gd name="connsiteX3-7" fmla="*/ 0 w 655093"/>
-              <a:gd name="connsiteY3-8" fmla="*/ 477672 h 914400"/>
-            </a:gdLst>
-            <a:ahLst/>
-            <a:cxnLst>
-              <a:cxn ang="0">
-                <a:pos x="connsiteX0-1" y="connsiteY0-2"/>
-              </a:cxn>
-              <a:cxn ang="0">
-                <a:pos x="connsiteX1-3" y="connsiteY1-4"/>
-              </a:cxn>
-              <a:cxn ang="0">
-                <a:pos x="connsiteX2-5" y="connsiteY2-6"/>
-              </a:cxn>
-              <a:cxn ang="0">
-                <a:pos x="connsiteX3-7" y="connsiteY3-8"/>
-              </a:cxn>
-            </a:cxnLst>
-            <a:rect l="l" t="t" r="r" b="b"/>
-            <a:pathLst>
-              <a:path w="655093" h="914400">
-                <a:moveTo>
-                  <a:pt x="0" y="477672"/>
-                </a:moveTo>
-                <a:lnTo>
-                  <a:pt x="655093" y="0"/>
-                </a:lnTo>
-                <a:lnTo>
-                  <a:pt x="655093" y="914400"/>
-                </a:lnTo>
-                <a:lnTo>
-                  <a:pt x="0" y="477672"/>
-                </a:lnTo>
-                <a:close/>
-              </a:path>
-            </a:pathLst>
-          </a:custGeom>
-          <a:solidFill>
-            <a:schemeClr val="bg1"/>
-          </a:solidFill>
-          <a:ln>
-            <a:noFill/>
-          </a:ln>
-        </p:spPr>
-        <p:style>
-          <a:lnRef idx="2">
-            <a:schemeClr val="accent1">
-              <a:shade val="50000"/>
-            </a:schemeClr>
-          </a:lnRef>
-          <a:fillRef idx="1">
-            <a:schemeClr val="accent1"/>
-          </a:fillRef>
-          <a:effectRef idx="0">
-            <a:schemeClr val="accent1"/>
-          </a:effectRef>
-          <a:fontRef idx="minor">
-            <a:schemeClr val="lt1"/>
-          </a:fontRef>
-        </p:style>
-        <p:txBody>
-          <a:bodyPr anchor="ctr"/>
-          <a:lstStyle/>
-          <a:p>
-            <a:pPr algn="ctr" eaLnBrk="1" fontAlgn="auto" hangingPunct="1">
-              <a:spcBef>
-                <a:spcPts val="0"/>
-              </a:spcBef>
-              <a:spcAft>
-                <a:spcPts val="0"/>
-              </a:spcAft>
-              <a:defRPr/>
-            </a:pPr>
-            <a:endParaRPr lang="zh-CN" altLang="en-US"/>
-          </a:p>
-        </p:txBody>
-      </p:sp>
-      <p:sp>
-        <p:nvSpPr>
-          <p:cNvPr id="11" name="文本框 10"/>
-          <p:cNvSpPr txBox="1">
-            <a:spLocks noChangeArrowheads="1"/>
-          </p:cNvSpPr>
-          <p:nvPr>
-            <p:custDataLst>
-              <p:tags r:id="rId8"/>
-            </p:custDataLst>
-          </p:nvPr>
-        </p:nvSpPr>
-        <p:spPr bwMode="auto">
-          <a:xfrm>
-            <a:off x="3935413" y="2392363"/>
-            <a:ext cx="1504950" cy="398780"/>
-          </a:xfrm>
-          <a:prstGeom prst="rect">
-            <a:avLst/>
-          </a:prstGeom>
-          <a:noFill/>
-          <a:ln>
-            <a:noFill/>
-          </a:ln>
-          <a:extLst>
-            <a:ext uri="{909E8E84-426E-40DD-AFC4-6F175D3DCCD1}">
-              <a14:hiddenFill xmlns:a14="http://schemas.microsoft.com/office/drawing/2010/main">
-                <a:solidFill>
-                  <a:srgbClr val="FFFFFF"/>
-                </a:solidFill>
-              </a14:hiddenFill>
-            </a:ext>
-            <a:ext uri="{91240B29-F687-4F45-9708-019B960494DF}">
-              <a14:hiddenLine xmlns:a14="http://schemas.microsoft.com/office/drawing/2010/main" w="9525">
-                <a:solidFill>
-                  <a:srgbClr val="000000"/>
-                </a:solidFill>
-                <a:miter lim="800000"/>
-                <a:headEnd/>
-                <a:tailEnd/>
-              </a14:hiddenLine>
-            </a:ext>
-          </a:extLst>
-        </p:spPr>
-        <p:txBody>
-          <a:bodyPr>
-            <a:spAutoFit/>
-          </a:bodyPr>
-          <a:lstStyle>
-            <a:lvl1pPr>
-              <a:defRPr>
-                <a:solidFill>
-                  <a:schemeClr val="tx1"/>
-                </a:solidFill>
-                <a:latin typeface="Calibri" panose="020F0502020204030204" charset="0"/>
-                <a:ea typeface="宋体" panose="02010600030101010101" pitchFamily="2" charset="-122"/>
-              </a:defRPr>
-            </a:lvl1pPr>
-            <a:lvl2pPr marL="742950" indent="-285750">
-              <a:defRPr>
-                <a:solidFill>
-                  <a:schemeClr val="tx1"/>
-                </a:solidFill>
-                <a:latin typeface="Calibri" panose="020F0502020204030204" charset="0"/>
-                <a:ea typeface="宋体" panose="02010600030101010101" pitchFamily="2" charset="-122"/>
-              </a:defRPr>
-            </a:lvl2pPr>
-            <a:lvl3pPr marL="1143000" indent="-228600">
-              <a:defRPr>
-                <a:solidFill>
-                  <a:schemeClr val="tx1"/>
-                </a:solidFill>
-                <a:latin typeface="Calibri" panose="020F0502020204030204" charset="0"/>
-                <a:ea typeface="宋体" panose="02010600030101010101" pitchFamily="2" charset="-122"/>
-              </a:defRPr>
-            </a:lvl3pPr>
-            <a:lvl4pPr marL="1600200" indent="-228600">
-              <a:defRPr>
-                <a:solidFill>
-                  <a:schemeClr val="tx1"/>
-                </a:solidFill>
-                <a:latin typeface="Calibri" panose="020F0502020204030204" charset="0"/>
-                <a:ea typeface="宋体" panose="02010600030101010101" pitchFamily="2" charset="-122"/>
-              </a:defRPr>
-            </a:lvl4pPr>
-            <a:lvl5pPr marL="2057400" indent="-228600">
-              <a:defRPr>
-                <a:solidFill>
-                  <a:schemeClr val="tx1"/>
-                </a:solidFill>
-                <a:latin typeface="Calibri" panose="020F0502020204030204" charset="0"/>
-                <a:ea typeface="宋体" panose="02010600030101010101" pitchFamily="2" charset="-122"/>
-              </a:defRPr>
-            </a:lvl5pPr>
-            <a:lvl6pPr marL="2514600" indent="-228600" fontAlgn="base">
-              <a:spcBef>
-                <a:spcPct val="0"/>
-              </a:spcBef>
-              <a:spcAft>
-                <a:spcPct val="0"/>
-              </a:spcAft>
-              <a:defRPr>
-                <a:solidFill>
-                  <a:schemeClr val="tx1"/>
-                </a:solidFill>
-                <a:latin typeface="Calibri" panose="020F0502020204030204" charset="0"/>
-                <a:ea typeface="宋体" panose="02010600030101010101" pitchFamily="2" charset="-122"/>
-              </a:defRPr>
-            </a:lvl6pPr>
-            <a:lvl7pPr marL="2971800" indent="-228600" fontAlgn="base">
-              <a:spcBef>
-                <a:spcPct val="0"/>
-              </a:spcBef>
-              <a:spcAft>
-                <a:spcPct val="0"/>
-              </a:spcAft>
-              <a:defRPr>
-                <a:solidFill>
-                  <a:schemeClr val="tx1"/>
-                </a:solidFill>
-                <a:latin typeface="Calibri" panose="020F0502020204030204" charset="0"/>
-                <a:ea typeface="宋体" panose="02010600030101010101" pitchFamily="2" charset="-122"/>
-              </a:defRPr>
-            </a:lvl7pPr>
-            <a:lvl8pPr marL="3429000" indent="-228600" fontAlgn="base">
-              <a:spcBef>
-                <a:spcPct val="0"/>
-              </a:spcBef>
-              <a:spcAft>
-                <a:spcPct val="0"/>
-              </a:spcAft>
-              <a:defRPr>
-                <a:solidFill>
-                  <a:schemeClr val="tx1"/>
-                </a:solidFill>
-                <a:latin typeface="Calibri" panose="020F0502020204030204" charset="0"/>
-                <a:ea typeface="宋体" panose="02010600030101010101" pitchFamily="2" charset="-122"/>
-              </a:defRPr>
-            </a:lvl8pPr>
-            <a:lvl9pPr marL="3886200" indent="-228600" fontAlgn="base">
-              <a:spcBef>
-                <a:spcPct val="0"/>
-              </a:spcBef>
-              <a:spcAft>
-                <a:spcPct val="0"/>
-              </a:spcAft>
-              <a:defRPr>
-                <a:solidFill>
-                  <a:schemeClr val="tx1"/>
-                </a:solidFill>
-                <a:latin typeface="Calibri" panose="020F0502020204030204" charset="0"/>
-                <a:ea typeface="宋体" panose="02010600030101010101" pitchFamily="2" charset="-122"/>
-              </a:defRPr>
-            </a:lvl9pPr>
-          </a:lstStyle>
-          <a:p>
-            <a:pPr eaLnBrk="1" hangingPunct="1"/>
             <a:r>
-              <a:rPr lang="en-US" altLang="zh-CN" sz="2000" b="1">
-                <a:solidFill>
-                  <a:schemeClr val="bg1"/>
-                </a:solidFill>
-                <a:latin typeface="微软雅黑" panose="020B0503020204020204" charset="-122"/>
-                <a:ea typeface="微软雅黑" panose="020B0503020204020204" charset="-122"/>
-              </a:rPr>
-              <a:t>1.</a:t>
+              <a:rPr lang="zh-CN" altLang="en-US" dirty="0"/>
+              <a:t>Explain优化查询检测</a:t>
             </a:r>
-            <a:r>
-              <a:rPr lang="zh-CN" altLang="en-US" sz="2000" b="1">
-                <a:solidFill>
-                  <a:schemeClr val="bg1"/>
-                </a:solidFill>
-                <a:latin typeface="微软雅黑" panose="020B0503020204020204" charset="-122"/>
-                <a:ea typeface="微软雅黑" panose="020B0503020204020204" charset="-122"/>
-              </a:rPr>
-              <a:t>添加标题</a:t>
-            </a:r>
-            <a:endParaRPr lang="zh-CN" altLang="en-US" sz="2000" b="1">
-              <a:solidFill>
-                <a:schemeClr val="bg1"/>
-              </a:solidFill>
-              <a:latin typeface="微软雅黑" panose="020B0503020204020204" charset="-122"/>
-              <a:ea typeface="微软雅黑" panose="020B0503020204020204" charset="-122"/>
-            </a:endParaRPr>
-          </a:p>
-        </p:txBody>
-      </p:sp>
-      <p:sp>
-        <p:nvSpPr>
-          <p:cNvPr id="12" name="文本框 11"/>
-          <p:cNvSpPr txBox="1">
-            <a:spLocks noChangeArrowheads="1"/>
-          </p:cNvSpPr>
-          <p:nvPr>
-            <p:custDataLst>
-              <p:tags r:id="rId9"/>
-            </p:custDataLst>
-          </p:nvPr>
-        </p:nvSpPr>
-        <p:spPr bwMode="auto">
-          <a:xfrm>
-            <a:off x="3935413" y="4467225"/>
-            <a:ext cx="1531937" cy="398780"/>
-          </a:xfrm>
-          <a:prstGeom prst="rect">
-            <a:avLst/>
-          </a:prstGeom>
-          <a:noFill/>
-          <a:ln>
-            <a:noFill/>
-          </a:ln>
-          <a:extLst>
-            <a:ext uri="{909E8E84-426E-40DD-AFC4-6F175D3DCCD1}">
-              <a14:hiddenFill xmlns:a14="http://schemas.microsoft.com/office/drawing/2010/main">
-                <a:solidFill>
-                  <a:srgbClr val="FFFFFF"/>
-                </a:solidFill>
-              </a14:hiddenFill>
-            </a:ext>
-            <a:ext uri="{91240B29-F687-4F45-9708-019B960494DF}">
-              <a14:hiddenLine xmlns:a14="http://schemas.microsoft.com/office/drawing/2010/main" w="9525">
-                <a:solidFill>
-                  <a:srgbClr val="000000"/>
-                </a:solidFill>
-                <a:miter lim="800000"/>
-                <a:headEnd/>
-                <a:tailEnd/>
-              </a14:hiddenLine>
-            </a:ext>
-          </a:extLst>
-        </p:spPr>
-        <p:txBody>
-          <a:bodyPr>
-            <a:spAutoFit/>
-          </a:bodyPr>
-          <a:lstStyle>
-            <a:lvl1pPr>
-              <a:defRPr>
-                <a:solidFill>
-                  <a:schemeClr val="tx1"/>
-                </a:solidFill>
-                <a:latin typeface="Calibri" panose="020F0502020204030204" charset="0"/>
-                <a:ea typeface="宋体" panose="02010600030101010101" pitchFamily="2" charset="-122"/>
-              </a:defRPr>
-            </a:lvl1pPr>
-            <a:lvl2pPr marL="742950" indent="-285750">
-              <a:defRPr>
-                <a:solidFill>
-                  <a:schemeClr val="tx1"/>
-                </a:solidFill>
-                <a:latin typeface="Calibri" panose="020F0502020204030204" charset="0"/>
-                <a:ea typeface="宋体" panose="02010600030101010101" pitchFamily="2" charset="-122"/>
-              </a:defRPr>
-            </a:lvl2pPr>
-            <a:lvl3pPr marL="1143000" indent="-228600">
-              <a:defRPr>
-                <a:solidFill>
-                  <a:schemeClr val="tx1"/>
-                </a:solidFill>
-                <a:latin typeface="Calibri" panose="020F0502020204030204" charset="0"/>
-                <a:ea typeface="宋体" panose="02010600030101010101" pitchFamily="2" charset="-122"/>
-              </a:defRPr>
-            </a:lvl3pPr>
-            <a:lvl4pPr marL="1600200" indent="-228600">
-              <a:defRPr>
-                <a:solidFill>
-                  <a:schemeClr val="tx1"/>
-                </a:solidFill>
-                <a:latin typeface="Calibri" panose="020F0502020204030204" charset="0"/>
-                <a:ea typeface="宋体" panose="02010600030101010101" pitchFamily="2" charset="-122"/>
-              </a:defRPr>
-            </a:lvl4pPr>
-            <a:lvl5pPr marL="2057400" indent="-228600">
-              <a:defRPr>
-                <a:solidFill>
-                  <a:schemeClr val="tx1"/>
-                </a:solidFill>
-                <a:latin typeface="Calibri" panose="020F0502020204030204" charset="0"/>
-                <a:ea typeface="宋体" panose="02010600030101010101" pitchFamily="2" charset="-122"/>
-              </a:defRPr>
-            </a:lvl5pPr>
-            <a:lvl6pPr marL="2514600" indent="-228600" fontAlgn="base">
-              <a:spcBef>
-                <a:spcPct val="0"/>
-              </a:spcBef>
-              <a:spcAft>
-                <a:spcPct val="0"/>
-              </a:spcAft>
-              <a:defRPr>
-                <a:solidFill>
-                  <a:schemeClr val="tx1"/>
-                </a:solidFill>
-                <a:latin typeface="Calibri" panose="020F0502020204030204" charset="0"/>
-                <a:ea typeface="宋体" panose="02010600030101010101" pitchFamily="2" charset="-122"/>
-              </a:defRPr>
-            </a:lvl6pPr>
-            <a:lvl7pPr marL="2971800" indent="-228600" fontAlgn="base">
-              <a:spcBef>
-                <a:spcPct val="0"/>
-              </a:spcBef>
-              <a:spcAft>
-                <a:spcPct val="0"/>
-              </a:spcAft>
-              <a:defRPr>
-                <a:solidFill>
-                  <a:schemeClr val="tx1"/>
-                </a:solidFill>
-                <a:latin typeface="Calibri" panose="020F0502020204030204" charset="0"/>
-                <a:ea typeface="宋体" panose="02010600030101010101" pitchFamily="2" charset="-122"/>
-              </a:defRPr>
-            </a:lvl7pPr>
-            <a:lvl8pPr marL="3429000" indent="-228600" fontAlgn="base">
-              <a:spcBef>
-                <a:spcPct val="0"/>
-              </a:spcBef>
-              <a:spcAft>
-                <a:spcPct val="0"/>
-              </a:spcAft>
-              <a:defRPr>
-                <a:solidFill>
-                  <a:schemeClr val="tx1"/>
-                </a:solidFill>
-                <a:latin typeface="Calibri" panose="020F0502020204030204" charset="0"/>
-                <a:ea typeface="宋体" panose="02010600030101010101" pitchFamily="2" charset="-122"/>
-              </a:defRPr>
-            </a:lvl8pPr>
-            <a:lvl9pPr marL="3886200" indent="-228600" fontAlgn="base">
-              <a:spcBef>
-                <a:spcPct val="0"/>
-              </a:spcBef>
-              <a:spcAft>
-                <a:spcPct val="0"/>
-              </a:spcAft>
-              <a:defRPr>
-                <a:solidFill>
-                  <a:schemeClr val="tx1"/>
-                </a:solidFill>
-                <a:latin typeface="Calibri" panose="020F0502020204030204" charset="0"/>
-                <a:ea typeface="宋体" panose="02010600030101010101" pitchFamily="2" charset="-122"/>
-              </a:defRPr>
-            </a:lvl9pPr>
-          </a:lstStyle>
-          <a:p>
-            <a:pPr eaLnBrk="1" hangingPunct="1"/>
-            <a:r>
-              <a:rPr lang="en-US" altLang="zh-CN" sz="2000" b="1">
-                <a:solidFill>
-                  <a:schemeClr val="bg1"/>
-                </a:solidFill>
-                <a:latin typeface="微软雅黑" panose="020B0503020204020204" charset="-122"/>
-                <a:ea typeface="微软雅黑" panose="020B0503020204020204" charset="-122"/>
-              </a:rPr>
-              <a:t>2.</a:t>
-            </a:r>
-            <a:r>
-              <a:rPr lang="zh-CN" altLang="en-US" sz="2000" b="1">
-                <a:solidFill>
-                  <a:schemeClr val="bg1"/>
-                </a:solidFill>
-                <a:latin typeface="微软雅黑" panose="020B0503020204020204" charset="-122"/>
-                <a:ea typeface="微软雅黑" panose="020B0503020204020204" charset="-122"/>
-              </a:rPr>
-              <a:t>添加标题</a:t>
-            </a:r>
-            <a:endParaRPr lang="zh-CN" altLang="en-US" sz="2000" b="1">
-              <a:solidFill>
-                <a:schemeClr val="bg1"/>
-              </a:solidFill>
-              <a:latin typeface="微软雅黑" panose="020B0503020204020204" charset="-122"/>
-              <a:ea typeface="微软雅黑" panose="020B0503020204020204" charset="-122"/>
-            </a:endParaRPr>
-          </a:p>
-        </p:txBody>
-      </p:sp>
-      <p:sp>
-        <p:nvSpPr>
-          <p:cNvPr id="13" name="矩形 12"/>
-          <p:cNvSpPr>
-            <a:spLocks noChangeArrowheads="1"/>
-          </p:cNvSpPr>
-          <p:nvPr>
-            <p:custDataLst>
-              <p:tags r:id="rId10"/>
-            </p:custDataLst>
-          </p:nvPr>
-        </p:nvSpPr>
-        <p:spPr bwMode="auto">
-          <a:xfrm>
-            <a:off x="1835150" y="4799013"/>
-            <a:ext cx="1808163" cy="829945"/>
-          </a:xfrm>
-          <a:prstGeom prst="rect">
-            <a:avLst/>
-          </a:prstGeom>
-          <a:noFill/>
-          <a:ln>
-            <a:noFill/>
-          </a:ln>
-          <a:extLst>
-            <a:ext uri="{909E8E84-426E-40DD-AFC4-6F175D3DCCD1}">
-              <a14:hiddenFill xmlns:a14="http://schemas.microsoft.com/office/drawing/2010/main">
-                <a:solidFill>
-                  <a:srgbClr val="FFFFFF"/>
-                </a:solidFill>
-              </a14:hiddenFill>
-            </a:ext>
-            <a:ext uri="{91240B29-F687-4F45-9708-019B960494DF}">
-              <a14:hiddenLine xmlns:a14="http://schemas.microsoft.com/office/drawing/2010/main" w="9525">
-                <a:solidFill>
-                  <a:srgbClr val="000000"/>
-                </a:solidFill>
-                <a:miter lim="800000"/>
-                <a:headEnd/>
-                <a:tailEnd/>
-              </a14:hiddenLine>
-            </a:ext>
-          </a:extLst>
-        </p:spPr>
-        <p:txBody>
-          <a:bodyPr>
-            <a:spAutoFit/>
-          </a:bodyPr>
-          <a:lstStyle>
-            <a:lvl1pPr>
-              <a:defRPr>
-                <a:solidFill>
-                  <a:schemeClr val="tx1"/>
-                </a:solidFill>
-                <a:latin typeface="Calibri" panose="020F0502020204030204" charset="0"/>
-                <a:ea typeface="宋体" panose="02010600030101010101" pitchFamily="2" charset="-122"/>
-              </a:defRPr>
-            </a:lvl1pPr>
-            <a:lvl2pPr marL="742950" indent="-285750">
-              <a:defRPr>
-                <a:solidFill>
-                  <a:schemeClr val="tx1"/>
-                </a:solidFill>
-                <a:latin typeface="Calibri" panose="020F0502020204030204" charset="0"/>
-                <a:ea typeface="宋体" panose="02010600030101010101" pitchFamily="2" charset="-122"/>
-              </a:defRPr>
-            </a:lvl2pPr>
-            <a:lvl3pPr marL="1143000" indent="-228600">
-              <a:defRPr>
-                <a:solidFill>
-                  <a:schemeClr val="tx1"/>
-                </a:solidFill>
-                <a:latin typeface="Calibri" panose="020F0502020204030204" charset="0"/>
-                <a:ea typeface="宋体" panose="02010600030101010101" pitchFamily="2" charset="-122"/>
-              </a:defRPr>
-            </a:lvl3pPr>
-            <a:lvl4pPr marL="1600200" indent="-228600">
-              <a:defRPr>
-                <a:solidFill>
-                  <a:schemeClr val="tx1"/>
-                </a:solidFill>
-                <a:latin typeface="Calibri" panose="020F0502020204030204" charset="0"/>
-                <a:ea typeface="宋体" panose="02010600030101010101" pitchFamily="2" charset="-122"/>
-              </a:defRPr>
-            </a:lvl4pPr>
-            <a:lvl5pPr marL="2057400" indent="-228600">
-              <a:defRPr>
-                <a:solidFill>
-                  <a:schemeClr val="tx1"/>
-                </a:solidFill>
-                <a:latin typeface="Calibri" panose="020F0502020204030204" charset="0"/>
-                <a:ea typeface="宋体" panose="02010600030101010101" pitchFamily="2" charset="-122"/>
-              </a:defRPr>
-            </a:lvl5pPr>
-            <a:lvl6pPr marL="2514600" indent="-228600" fontAlgn="base">
-              <a:spcBef>
-                <a:spcPct val="0"/>
-              </a:spcBef>
-              <a:spcAft>
-                <a:spcPct val="0"/>
-              </a:spcAft>
-              <a:defRPr>
-                <a:solidFill>
-                  <a:schemeClr val="tx1"/>
-                </a:solidFill>
-                <a:latin typeface="Calibri" panose="020F0502020204030204" charset="0"/>
-                <a:ea typeface="宋体" panose="02010600030101010101" pitchFamily="2" charset="-122"/>
-              </a:defRPr>
-            </a:lvl6pPr>
-            <a:lvl7pPr marL="2971800" indent="-228600" fontAlgn="base">
-              <a:spcBef>
-                <a:spcPct val="0"/>
-              </a:spcBef>
-              <a:spcAft>
-                <a:spcPct val="0"/>
-              </a:spcAft>
-              <a:defRPr>
-                <a:solidFill>
-                  <a:schemeClr val="tx1"/>
-                </a:solidFill>
-                <a:latin typeface="Calibri" panose="020F0502020204030204" charset="0"/>
-                <a:ea typeface="宋体" panose="02010600030101010101" pitchFamily="2" charset="-122"/>
-              </a:defRPr>
-            </a:lvl7pPr>
-            <a:lvl8pPr marL="3429000" indent="-228600" fontAlgn="base">
-              <a:spcBef>
-                <a:spcPct val="0"/>
-              </a:spcBef>
-              <a:spcAft>
-                <a:spcPct val="0"/>
-              </a:spcAft>
-              <a:defRPr>
-                <a:solidFill>
-                  <a:schemeClr val="tx1"/>
-                </a:solidFill>
-                <a:latin typeface="Calibri" panose="020F0502020204030204" charset="0"/>
-                <a:ea typeface="宋体" panose="02010600030101010101" pitchFamily="2" charset="-122"/>
-              </a:defRPr>
-            </a:lvl8pPr>
-            <a:lvl9pPr marL="3886200" indent="-228600" fontAlgn="base">
-              <a:spcBef>
-                <a:spcPct val="0"/>
-              </a:spcBef>
-              <a:spcAft>
-                <a:spcPct val="0"/>
-              </a:spcAft>
-              <a:defRPr>
-                <a:solidFill>
-                  <a:schemeClr val="tx1"/>
-                </a:solidFill>
-                <a:latin typeface="Calibri" panose="020F0502020204030204" charset="0"/>
-                <a:ea typeface="宋体" panose="02010600030101010101" pitchFamily="2" charset="-122"/>
-              </a:defRPr>
-            </a:lvl9pPr>
-          </a:lstStyle>
-          <a:p>
-            <a:pPr algn="just" eaLnBrk="1" hangingPunct="1"/>
-            <a:r>
-              <a:rPr lang="zh-CN" altLang="en-US" sz="1200">
-                <a:solidFill>
-                  <a:schemeClr val="bg1"/>
-                </a:solidFill>
-                <a:latin typeface="微软雅黑" panose="020B0503020204020204" charset="-122"/>
-                <a:ea typeface="微软雅黑" panose="020B0503020204020204" charset="-122"/>
-              </a:rPr>
-              <a:t>梭拓</a:t>
-            </a:r>
-            <a:r>
-              <a:rPr lang="en-US" altLang="zh-CN" sz="1200">
-                <a:solidFill>
-                  <a:schemeClr val="bg1"/>
-                </a:solidFill>
-                <a:latin typeface="微软雅黑" panose="020B0503020204020204" charset="-122"/>
-                <a:ea typeface="微软雅黑" panose="020B0503020204020204" charset="-122"/>
-              </a:rPr>
-              <a:t>PPT</a:t>
-            </a:r>
-            <a:r>
-              <a:rPr lang="zh-CN" altLang="en-US" sz="1200">
-                <a:solidFill>
-                  <a:schemeClr val="bg1"/>
-                </a:solidFill>
-                <a:latin typeface="微软雅黑" panose="020B0503020204020204" charset="-122"/>
-                <a:ea typeface="微软雅黑" panose="020B0503020204020204" charset="-122"/>
-              </a:rPr>
-              <a:t>工作室更专业的模板。梭拓，不止创新。请在此处填入你需要的内容。</a:t>
-            </a:r>
-            <a:endParaRPr lang="en-US" altLang="zh-CN" sz="1200">
-              <a:solidFill>
-                <a:schemeClr val="bg1"/>
-              </a:solidFill>
-              <a:latin typeface="微软雅黑" panose="020B0503020204020204" charset="-122"/>
-              <a:ea typeface="微软雅黑" panose="020B0503020204020204" charset="-122"/>
-            </a:endParaRPr>
-          </a:p>
-        </p:txBody>
-      </p:sp>
-      <p:sp>
-        <p:nvSpPr>
-          <p:cNvPr id="14" name="矩形 13"/>
-          <p:cNvSpPr>
-            <a:spLocks noChangeArrowheads="1"/>
-          </p:cNvSpPr>
-          <p:nvPr>
-            <p:custDataLst>
-              <p:tags r:id="rId11"/>
-            </p:custDataLst>
-          </p:nvPr>
-        </p:nvSpPr>
-        <p:spPr bwMode="auto">
-          <a:xfrm>
-            <a:off x="1816100" y="1738313"/>
-            <a:ext cx="1808163" cy="829945"/>
-          </a:xfrm>
-          <a:prstGeom prst="rect">
-            <a:avLst/>
-          </a:prstGeom>
-          <a:noFill/>
-          <a:ln>
-            <a:noFill/>
-          </a:ln>
-          <a:extLst>
-            <a:ext uri="{909E8E84-426E-40DD-AFC4-6F175D3DCCD1}">
-              <a14:hiddenFill xmlns:a14="http://schemas.microsoft.com/office/drawing/2010/main">
-                <a:solidFill>
-                  <a:srgbClr val="FFFFFF"/>
-                </a:solidFill>
-              </a14:hiddenFill>
-            </a:ext>
-            <a:ext uri="{91240B29-F687-4F45-9708-019B960494DF}">
-              <a14:hiddenLine xmlns:a14="http://schemas.microsoft.com/office/drawing/2010/main" w="9525">
-                <a:solidFill>
-                  <a:srgbClr val="000000"/>
-                </a:solidFill>
-                <a:miter lim="800000"/>
-                <a:headEnd/>
-                <a:tailEnd/>
-              </a14:hiddenLine>
-            </a:ext>
-          </a:extLst>
-        </p:spPr>
-        <p:txBody>
-          <a:bodyPr>
-            <a:spAutoFit/>
-          </a:bodyPr>
-          <a:lstStyle>
-            <a:lvl1pPr>
-              <a:defRPr>
-                <a:solidFill>
-                  <a:schemeClr val="tx1"/>
-                </a:solidFill>
-                <a:latin typeface="Calibri" panose="020F0502020204030204" charset="0"/>
-                <a:ea typeface="宋体" panose="02010600030101010101" pitchFamily="2" charset="-122"/>
-              </a:defRPr>
-            </a:lvl1pPr>
-            <a:lvl2pPr marL="742950" indent="-285750">
-              <a:defRPr>
-                <a:solidFill>
-                  <a:schemeClr val="tx1"/>
-                </a:solidFill>
-                <a:latin typeface="Calibri" panose="020F0502020204030204" charset="0"/>
-                <a:ea typeface="宋体" panose="02010600030101010101" pitchFamily="2" charset="-122"/>
-              </a:defRPr>
-            </a:lvl2pPr>
-            <a:lvl3pPr marL="1143000" indent="-228600">
-              <a:defRPr>
-                <a:solidFill>
-                  <a:schemeClr val="tx1"/>
-                </a:solidFill>
-                <a:latin typeface="Calibri" panose="020F0502020204030204" charset="0"/>
-                <a:ea typeface="宋体" panose="02010600030101010101" pitchFamily="2" charset="-122"/>
-              </a:defRPr>
-            </a:lvl3pPr>
-            <a:lvl4pPr marL="1600200" indent="-228600">
-              <a:defRPr>
-                <a:solidFill>
-                  <a:schemeClr val="tx1"/>
-                </a:solidFill>
-                <a:latin typeface="Calibri" panose="020F0502020204030204" charset="0"/>
-                <a:ea typeface="宋体" panose="02010600030101010101" pitchFamily="2" charset="-122"/>
-              </a:defRPr>
-            </a:lvl4pPr>
-            <a:lvl5pPr marL="2057400" indent="-228600">
-              <a:defRPr>
-                <a:solidFill>
-                  <a:schemeClr val="tx1"/>
-                </a:solidFill>
-                <a:latin typeface="Calibri" panose="020F0502020204030204" charset="0"/>
-                <a:ea typeface="宋体" panose="02010600030101010101" pitchFamily="2" charset="-122"/>
-              </a:defRPr>
-            </a:lvl5pPr>
-            <a:lvl6pPr marL="2514600" indent="-228600" fontAlgn="base">
-              <a:spcBef>
-                <a:spcPct val="0"/>
-              </a:spcBef>
-              <a:spcAft>
-                <a:spcPct val="0"/>
-              </a:spcAft>
-              <a:defRPr>
-                <a:solidFill>
-                  <a:schemeClr val="tx1"/>
-                </a:solidFill>
-                <a:latin typeface="Calibri" panose="020F0502020204030204" charset="0"/>
-                <a:ea typeface="宋体" panose="02010600030101010101" pitchFamily="2" charset="-122"/>
-              </a:defRPr>
-            </a:lvl6pPr>
-            <a:lvl7pPr marL="2971800" indent="-228600" fontAlgn="base">
-              <a:spcBef>
-                <a:spcPct val="0"/>
-              </a:spcBef>
-              <a:spcAft>
-                <a:spcPct val="0"/>
-              </a:spcAft>
-              <a:defRPr>
-                <a:solidFill>
-                  <a:schemeClr val="tx1"/>
-                </a:solidFill>
-                <a:latin typeface="Calibri" panose="020F0502020204030204" charset="0"/>
-                <a:ea typeface="宋体" panose="02010600030101010101" pitchFamily="2" charset="-122"/>
-              </a:defRPr>
-            </a:lvl7pPr>
-            <a:lvl8pPr marL="3429000" indent="-228600" fontAlgn="base">
-              <a:spcBef>
-                <a:spcPct val="0"/>
-              </a:spcBef>
-              <a:spcAft>
-                <a:spcPct val="0"/>
-              </a:spcAft>
-              <a:defRPr>
-                <a:solidFill>
-                  <a:schemeClr val="tx1"/>
-                </a:solidFill>
-                <a:latin typeface="Calibri" panose="020F0502020204030204" charset="0"/>
-                <a:ea typeface="宋体" panose="02010600030101010101" pitchFamily="2" charset="-122"/>
-              </a:defRPr>
-            </a:lvl8pPr>
-            <a:lvl9pPr marL="3886200" indent="-228600" fontAlgn="base">
-              <a:spcBef>
-                <a:spcPct val="0"/>
-              </a:spcBef>
-              <a:spcAft>
-                <a:spcPct val="0"/>
-              </a:spcAft>
-              <a:defRPr>
-                <a:solidFill>
-                  <a:schemeClr val="tx1"/>
-                </a:solidFill>
-                <a:latin typeface="Calibri" panose="020F0502020204030204" charset="0"/>
-                <a:ea typeface="宋体" panose="02010600030101010101" pitchFamily="2" charset="-122"/>
-              </a:defRPr>
-            </a:lvl9pPr>
-          </a:lstStyle>
-          <a:p>
-            <a:pPr algn="just" eaLnBrk="1" hangingPunct="1"/>
-            <a:r>
-              <a:rPr lang="zh-CN" altLang="en-US" sz="1200">
-                <a:solidFill>
-                  <a:schemeClr val="bg1"/>
-                </a:solidFill>
-                <a:latin typeface="微软雅黑" panose="020B0503020204020204" charset="-122"/>
-                <a:ea typeface="微软雅黑" panose="020B0503020204020204" charset="-122"/>
-              </a:rPr>
-              <a:t>梭拓</a:t>
-            </a:r>
-            <a:r>
-              <a:rPr lang="en-US" altLang="zh-CN" sz="1200">
-                <a:solidFill>
-                  <a:schemeClr val="bg1"/>
-                </a:solidFill>
-                <a:latin typeface="微软雅黑" panose="020B0503020204020204" charset="-122"/>
-                <a:ea typeface="微软雅黑" panose="020B0503020204020204" charset="-122"/>
-              </a:rPr>
-              <a:t>PPT</a:t>
-            </a:r>
-            <a:r>
-              <a:rPr lang="zh-CN" altLang="en-US" sz="1200">
-                <a:solidFill>
-                  <a:schemeClr val="bg1"/>
-                </a:solidFill>
-                <a:latin typeface="微软雅黑" panose="020B0503020204020204" charset="-122"/>
-                <a:ea typeface="微软雅黑" panose="020B0503020204020204" charset="-122"/>
-              </a:rPr>
-              <a:t>工作室更专业的模板。梭拓，不止创新。请在此处填入你需要的内容。</a:t>
-            </a:r>
-            <a:endParaRPr lang="en-US" altLang="zh-CN" sz="1200">
-              <a:solidFill>
-                <a:schemeClr val="bg1"/>
-              </a:solidFill>
-              <a:latin typeface="微软雅黑" panose="020B0503020204020204" charset="-122"/>
-              <a:ea typeface="微软雅黑" panose="020B0503020204020204" charset="-122"/>
-            </a:endParaRPr>
+            <a:endParaRPr lang="zh-CN" altLang="en-US" dirty="0"/>
           </a:p>
         </p:txBody>
       </p:sp>
     </p:spTree>
     <p:custDataLst>
-      <p:tags r:id="rId12"/>
+      <p:tags r:id="rId3"/>
     </p:custDataLst>
   </p:cSld>
   <p:clrMapOvr>
@@ -12768,9 +11805,6 @@
                     <p:cTn id="3" fill="hold">
                       <p:stCondLst>
                         <p:cond delay="indefinite"/>
-                        <p:cond evt="onBegin" delay="0">
-                          <p:tn val="2"/>
-                        </p:cond>
                       </p:stCondLst>
                       <p:childTnLst>
                         <p:par>
@@ -12780,7 +11814,7 @@
                             </p:stCondLst>
                             <p:childTnLst>
                               <p:par>
-                                <p:cTn id="5" presetID="22" presetClass="entr" presetSubtype="4" fill="hold" grpId="0" nodeType="afterEffect">
+                                <p:cTn id="5" presetID="2" presetClass="entr" presetSubtype="4" fill="hold" grpId="10" nodeType="clickEffect">
                                   <p:stCondLst>
                                     <p:cond delay="0"/>
                                   </p:stCondLst>
@@ -12793,7 +11827,7 @@
                                           </p:stCondLst>
                                         </p:cTn>
                                         <p:tgtEl>
-                                          <p:spTgt spid="4"/>
+                                          <p:spTgt spid="5"/>
                                         </p:tgtEl>
                                         <p:attrNameLst>
                                           <p:attrName>style.visibility</p:attrName>
@@ -12803,41 +11837,92 @@
                                         <p:strVal val="visible"/>
                                       </p:to>
                                     </p:set>
-                                    <p:animEffect transition="in" filter="wipe(down)">
-                                      <p:cBhvr>
-                                        <p:cTn id="7" dur="500"/>
-                                        <p:tgtEl>
-                                          <p:spTgt spid="4"/>
-                                        </p:tgtEl>
-                                      </p:cBhvr>
-                                    </p:animEffect>
+                                    <p:anim calcmode="lin" valueType="num">
+                                      <p:cBhvr additive="base">
+                                        <p:cTn id="7" dur="500" fill="hold"/>
+                                        <p:tgtEl>
+                                          <p:spTgt spid="5"/>
+                                        </p:tgtEl>
+                                        <p:attrNameLst>
+                                          <p:attrName>ppt_x</p:attrName>
+                                        </p:attrNameLst>
+                                      </p:cBhvr>
+                                      <p:tavLst>
+                                        <p:tav tm="0">
+                                          <p:val>
+                                            <p:strVal val="#ppt_x"/>
+                                          </p:val>
+                                        </p:tav>
+                                        <p:tav tm="100000">
+                                          <p:val>
+                                            <p:strVal val="#ppt_x"/>
+                                          </p:val>
+                                        </p:tav>
+                                      </p:tavLst>
+                                    </p:anim>
+                                    <p:anim calcmode="lin" valueType="num">
+                                      <p:cBhvr additive="base">
+                                        <p:cTn id="8" dur="500" fill="hold"/>
+                                        <p:tgtEl>
+                                          <p:spTgt spid="5"/>
+                                        </p:tgtEl>
+                                        <p:attrNameLst>
+                                          <p:attrName>ppt_y</p:attrName>
+                                        </p:attrNameLst>
+                                      </p:cBhvr>
+                                      <p:tavLst>
+                                        <p:tav tm="0">
+                                          <p:val>
+                                            <p:strVal val="1+#ppt_h/2"/>
+                                          </p:val>
+                                        </p:tav>
+                                        <p:tav tm="100000">
+                                          <p:val>
+                                            <p:strVal val="#ppt_y"/>
+                                          </p:val>
+                                        </p:tav>
+                                      </p:tavLst>
+                                    </p:anim>
                                   </p:childTnLst>
                                 </p:cTn>
                               </p:par>
                             </p:childTnLst>
                           </p:cTn>
                         </p:par>
+                      </p:childTnLst>
+                    </p:cTn>
+                  </p:par>
+                  <p:par>
+                    <p:cTn id="9" fill="hold">
+                      <p:stCondLst>
+                        <p:cond delay="indefinite"/>
+                      </p:stCondLst>
+                      <p:childTnLst>
                         <p:par>
-                          <p:cTn id="8" fill="hold">
+                          <p:cTn id="10" fill="hold">
                             <p:stCondLst>
-                              <p:cond delay="500"/>
+                              <p:cond delay="0"/>
                             </p:stCondLst>
                             <p:childTnLst>
                               <p:par>
-                                <p:cTn id="9" presetID="22" presetClass="entr" presetSubtype="8" fill="hold" grpId="0" nodeType="afterEffect">
+                                <p:cTn id="11" presetID="25" presetClass="entr" presetSubtype="0" fill="hold" nodeType="clickEffect">
                                   <p:stCondLst>
                                     <p:cond delay="0"/>
                                   </p:stCondLst>
                                   <p:childTnLst>
                                     <p:set>
                                       <p:cBhvr>
-                                        <p:cTn id="10" dur="1" fill="hold">
+                                        <p:cTn id="12" dur="1" fill="hold">
                                           <p:stCondLst>
                                             <p:cond delay="0"/>
                                           </p:stCondLst>
                                         </p:cTn>
                                         <p:tgtEl>
-                                          <p:spTgt spid="9"/>
+                                          <p:spTgt spid="3">
+                                            <p:txEl>
+                                              <p:pRg st="0" end="0"/>
+                                            </p:txEl>
+                                          </p:spTgt>
                                         </p:tgtEl>
                                         <p:attrNameLst>
                                           <p:attrName>style.visibility</p:attrName>
@@ -12847,11 +11932,232 @@
                                         <p:strVal val="visible"/>
                                       </p:to>
                                     </p:set>
-                                    <p:animEffect transition="in" filter="wipe(left)">
+                                    <p:anim calcmode="lin" valueType="num">
                                       <p:cBhvr>
-                                        <p:cTn id="11" dur="500"/>
-                                        <p:tgtEl>
-                                          <p:spTgt spid="9"/>
+                                        <p:cTn id="13" dur="500" decel="50000" fill="hold">
+                                          <p:stCondLst>
+                                            <p:cond delay="0"/>
+                                          </p:stCondLst>
+                                        </p:cTn>
+                                        <p:tgtEl>
+                                          <p:spTgt spid="3">
+                                            <p:txEl>
+                                              <p:pRg st="0" end="0"/>
+                                            </p:txEl>
+                                          </p:spTgt>
+                                        </p:tgtEl>
+                                        <p:attrNameLst>
+                                          <p:attrName>style.rotation</p:attrName>
+                                        </p:attrNameLst>
+                                      </p:cBhvr>
+                                      <p:tavLst>
+                                        <p:tav tm="0">
+                                          <p:val>
+                                            <p:fltVal val="-90"/>
+                                          </p:val>
+                                        </p:tav>
+                                        <p:tav tm="100000">
+                                          <p:val>
+                                            <p:fltVal val="0"/>
+                                          </p:val>
+                                        </p:tav>
+                                      </p:tavLst>
+                                    </p:anim>
+                                    <p:anim calcmode="lin" valueType="num">
+                                      <p:cBhvr>
+                                        <p:cTn id="14" dur="500" decel="50000" fill="hold">
+                                          <p:stCondLst>
+                                            <p:cond delay="0"/>
+                                          </p:stCondLst>
+                                        </p:cTn>
+                                        <p:tgtEl>
+                                          <p:spTgt spid="3">
+                                            <p:txEl>
+                                              <p:pRg st="0" end="0"/>
+                                            </p:txEl>
+                                          </p:spTgt>
+                                        </p:tgtEl>
+                                        <p:attrNameLst>
+                                          <p:attrName>ppt_w</p:attrName>
+                                        </p:attrNameLst>
+                                      </p:cBhvr>
+                                      <p:tavLst>
+                                        <p:tav tm="0">
+                                          <p:val>
+                                            <p:strVal val="#ppt_w"/>
+                                          </p:val>
+                                        </p:tav>
+                                        <p:tav tm="100000">
+                                          <p:val>
+                                            <p:strVal val="#ppt_w*.05"/>
+                                          </p:val>
+                                        </p:tav>
+                                      </p:tavLst>
+                                    </p:anim>
+                                    <p:anim calcmode="lin" valueType="num">
+                                      <p:cBhvr>
+                                        <p:cTn id="15" dur="500" accel="50000" fill="hold">
+                                          <p:stCondLst>
+                                            <p:cond delay="500"/>
+                                          </p:stCondLst>
+                                        </p:cTn>
+                                        <p:tgtEl>
+                                          <p:spTgt spid="3">
+                                            <p:txEl>
+                                              <p:pRg st="0" end="0"/>
+                                            </p:txEl>
+                                          </p:spTgt>
+                                        </p:tgtEl>
+                                        <p:attrNameLst>
+                                          <p:attrName>ppt_w</p:attrName>
+                                        </p:attrNameLst>
+                                      </p:cBhvr>
+                                      <p:tavLst>
+                                        <p:tav tm="0">
+                                          <p:val>
+                                            <p:strVal val="#ppt_w*.05"/>
+                                          </p:val>
+                                        </p:tav>
+                                        <p:tav tm="100000">
+                                          <p:val>
+                                            <p:strVal val="#ppt_w"/>
+                                          </p:val>
+                                        </p:tav>
+                                      </p:tavLst>
+                                    </p:anim>
+                                    <p:anim calcmode="lin" valueType="num">
+                                      <p:cBhvr>
+                                        <p:cTn id="16" dur="1000" fill="hold"/>
+                                        <p:tgtEl>
+                                          <p:spTgt spid="3">
+                                            <p:txEl>
+                                              <p:pRg st="0" end="0"/>
+                                            </p:txEl>
+                                          </p:spTgt>
+                                        </p:tgtEl>
+                                        <p:attrNameLst>
+                                          <p:attrName>ppt_h</p:attrName>
+                                        </p:attrNameLst>
+                                      </p:cBhvr>
+                                      <p:tavLst>
+                                        <p:tav tm="0">
+                                          <p:val>
+                                            <p:strVal val="#ppt_h"/>
+                                          </p:val>
+                                        </p:tav>
+                                        <p:tav tm="100000">
+                                          <p:val>
+                                            <p:strVal val="#ppt_h"/>
+                                          </p:val>
+                                        </p:tav>
+                                      </p:tavLst>
+                                    </p:anim>
+                                    <p:anim calcmode="lin" valueType="num">
+                                      <p:cBhvr>
+                                        <p:cTn id="17" dur="500" decel="50000" fill="hold">
+                                          <p:stCondLst>
+                                            <p:cond delay="0"/>
+                                          </p:stCondLst>
+                                        </p:cTn>
+                                        <p:tgtEl>
+                                          <p:spTgt spid="3">
+                                            <p:txEl>
+                                              <p:pRg st="0" end="0"/>
+                                            </p:txEl>
+                                          </p:spTgt>
+                                        </p:tgtEl>
+                                        <p:attrNameLst>
+                                          <p:attrName>ppt_x</p:attrName>
+                                        </p:attrNameLst>
+                                      </p:cBhvr>
+                                      <p:tavLst>
+                                        <p:tav tm="0">
+                                          <p:val>
+                                            <p:strVal val="#ppt_x+.4"/>
+                                          </p:val>
+                                        </p:tav>
+                                        <p:tav tm="100000">
+                                          <p:val>
+                                            <p:strVal val="#ppt_x"/>
+                                          </p:val>
+                                        </p:tav>
+                                      </p:tavLst>
+                                    </p:anim>
+                                    <p:anim calcmode="lin" valueType="num">
+                                      <p:cBhvr>
+                                        <p:cTn id="18" dur="500" decel="50000" fill="hold">
+                                          <p:stCondLst>
+                                            <p:cond delay="0"/>
+                                          </p:stCondLst>
+                                        </p:cTn>
+                                        <p:tgtEl>
+                                          <p:spTgt spid="3">
+                                            <p:txEl>
+                                              <p:pRg st="0" end="0"/>
+                                            </p:txEl>
+                                          </p:spTgt>
+                                        </p:tgtEl>
+                                        <p:attrNameLst>
+                                          <p:attrName>ppt_y</p:attrName>
+                                        </p:attrNameLst>
+                                      </p:cBhvr>
+                                      <p:tavLst>
+                                        <p:tav tm="0">
+                                          <p:val>
+                                            <p:strVal val="#ppt_y-.2"/>
+                                          </p:val>
+                                        </p:tav>
+                                        <p:tav tm="100000">
+                                          <p:val>
+                                            <p:strVal val="#ppt_y+.1"/>
+                                          </p:val>
+                                        </p:tav>
+                                      </p:tavLst>
+                                    </p:anim>
+                                    <p:anim calcmode="lin" valueType="num">
+                                      <p:cBhvr>
+                                        <p:cTn id="19" dur="500" accel="50000" fill="hold">
+                                          <p:stCondLst>
+                                            <p:cond delay="500"/>
+                                          </p:stCondLst>
+                                        </p:cTn>
+                                        <p:tgtEl>
+                                          <p:spTgt spid="3">
+                                            <p:txEl>
+                                              <p:pRg st="0" end="0"/>
+                                            </p:txEl>
+                                          </p:spTgt>
+                                        </p:tgtEl>
+                                        <p:attrNameLst>
+                                          <p:attrName>ppt_y</p:attrName>
+                                        </p:attrNameLst>
+                                      </p:cBhvr>
+                                      <p:tavLst>
+                                        <p:tav tm="0">
+                                          <p:val>
+                                            <p:strVal val="#ppt_y+.1"/>
+                                          </p:val>
+                                        </p:tav>
+                                        <p:tav tm="100000">
+                                          <p:val>
+                                            <p:strVal val="#ppt_y"/>
+                                          </p:val>
+                                        </p:tav>
+                                      </p:tavLst>
+                                    </p:anim>
+                                    <p:animEffect transition="in" filter="fade">
+                                      <p:cBhvr>
+                                        <p:cTn id="20" dur="1000" decel="50000">
+                                          <p:stCondLst>
+                                            <p:cond delay="0"/>
+                                          </p:stCondLst>
+                                        </p:cTn>
+                                        <p:tgtEl>
+                                          <p:spTgt spid="3">
+                                            <p:txEl>
+                                              <p:pRg st="0" end="0"/>
+                                            </p:txEl>
+                                          </p:spTgt>
                                         </p:tgtEl>
                                       </p:cBhvr>
                                     </p:animEffect>
@@ -12859,20 +12165,24 @@
                                 </p:cTn>
                               </p:par>
                               <p:par>
-                                <p:cTn id="12" presetID="22" presetClass="entr" presetSubtype="8" fill="hold" nodeType="withEffect">
+                                <p:cTn id="21" presetID="25" presetClass="entr" presetSubtype="0" fill="hold" nodeType="withEffect">
                                   <p:stCondLst>
                                     <p:cond delay="0"/>
                                   </p:stCondLst>
                                   <p:childTnLst>
                                     <p:set>
                                       <p:cBhvr>
-                                        <p:cTn id="13" dur="1" fill="hold">
+                                        <p:cTn id="22" dur="1" fill="hold">
                                           <p:stCondLst>
                                             <p:cond delay="0"/>
                                           </p:stCondLst>
                                         </p:cTn>
                                         <p:tgtEl>
-                                          <p:spTgt spid="10"/>
+                                          <p:spTgt spid="3">
+                                            <p:txEl>
+                                              <p:pRg st="2" end="2"/>
+                                            </p:txEl>
+                                          </p:spTgt>
                                         </p:tgtEl>
                                         <p:attrNameLst>
                                           <p:attrName>style.visibility</p:attrName>
@@ -12882,190 +12192,257 @@
                                         <p:strVal val="visible"/>
                                       </p:to>
                                     </p:set>
-                                    <p:animEffect transition="in" filter="wipe(left)">
+                                    <p:anim calcmode="lin" valueType="num">
                                       <p:cBhvr>
-                                        <p:cTn id="14" dur="500"/>
-                                        <p:tgtEl>
-                                          <p:spTgt spid="10"/>
+                                        <p:cTn id="23" dur="500" decel="50000" fill="hold">
+                                          <p:stCondLst>
+                                            <p:cond delay="0"/>
+                                          </p:stCondLst>
+                                        </p:cTn>
+                                        <p:tgtEl>
+                                          <p:spTgt spid="3">
+                                            <p:txEl>
+                                              <p:pRg st="2" end="2"/>
+                                            </p:txEl>
+                                          </p:spTgt>
+                                        </p:tgtEl>
+                                        <p:attrNameLst>
+                                          <p:attrName>style.rotation</p:attrName>
+                                        </p:attrNameLst>
+                                      </p:cBhvr>
+                                      <p:tavLst>
+                                        <p:tav tm="0">
+                                          <p:val>
+                                            <p:fltVal val="-90"/>
+                                          </p:val>
+                                        </p:tav>
+                                        <p:tav tm="100000">
+                                          <p:val>
+                                            <p:fltVal val="0"/>
+                                          </p:val>
+                                        </p:tav>
+                                      </p:tavLst>
+                                    </p:anim>
+                                    <p:anim calcmode="lin" valueType="num">
+                                      <p:cBhvr>
+                                        <p:cTn id="24" dur="500" decel="50000" fill="hold">
+                                          <p:stCondLst>
+                                            <p:cond delay="0"/>
+                                          </p:stCondLst>
+                                        </p:cTn>
+                                        <p:tgtEl>
+                                          <p:spTgt spid="3">
+                                            <p:txEl>
+                                              <p:pRg st="2" end="2"/>
+                                            </p:txEl>
+                                          </p:spTgt>
+                                        </p:tgtEl>
+                                        <p:attrNameLst>
+                                          <p:attrName>ppt_w</p:attrName>
+                                        </p:attrNameLst>
+                                      </p:cBhvr>
+                                      <p:tavLst>
+                                        <p:tav tm="0">
+                                          <p:val>
+                                            <p:strVal val="#ppt_w"/>
+                                          </p:val>
+                                        </p:tav>
+                                        <p:tav tm="100000">
+                                          <p:val>
+                                            <p:strVal val="#ppt_w*.05"/>
+                                          </p:val>
+                                        </p:tav>
+                                      </p:tavLst>
+                                    </p:anim>
+                                    <p:anim calcmode="lin" valueType="num">
+                                      <p:cBhvr>
+                                        <p:cTn id="25" dur="500" accel="50000" fill="hold">
+                                          <p:stCondLst>
+                                            <p:cond delay="500"/>
+                                          </p:stCondLst>
+                                        </p:cTn>
+                                        <p:tgtEl>
+                                          <p:spTgt spid="3">
+                                            <p:txEl>
+                                              <p:pRg st="2" end="2"/>
+                                            </p:txEl>
+                                          </p:spTgt>
+                                        </p:tgtEl>
+                                        <p:attrNameLst>
+                                          <p:attrName>ppt_w</p:attrName>
+                                        </p:attrNameLst>
+                                      </p:cBhvr>
+                                      <p:tavLst>
+                                        <p:tav tm="0">
+                                          <p:val>
+                                            <p:strVal val="#ppt_w*.05"/>
+                                          </p:val>
+                                        </p:tav>
+                                        <p:tav tm="100000">
+                                          <p:val>
+                                            <p:strVal val="#ppt_w"/>
+                                          </p:val>
+                                        </p:tav>
+                                      </p:tavLst>
+                                    </p:anim>
+                                    <p:anim calcmode="lin" valueType="num">
+                                      <p:cBhvr>
+                                        <p:cTn id="26" dur="1000" fill="hold"/>
+                                        <p:tgtEl>
+                                          <p:spTgt spid="3">
+                                            <p:txEl>
+                                              <p:pRg st="2" end="2"/>
+                                            </p:txEl>
+                                          </p:spTgt>
+                                        </p:tgtEl>
+                                        <p:attrNameLst>
+                                          <p:attrName>ppt_h</p:attrName>
+                                        </p:attrNameLst>
+                                      </p:cBhvr>
+                                      <p:tavLst>
+                                        <p:tav tm="0">
+                                          <p:val>
+                                            <p:strVal val="#ppt_h"/>
+                                          </p:val>
+                                        </p:tav>
+                                        <p:tav tm="100000">
+                                          <p:val>
+                                            <p:strVal val="#ppt_h"/>
+                                          </p:val>
+                                        </p:tav>
+                                      </p:tavLst>
+                                    </p:anim>
+                                    <p:anim calcmode="lin" valueType="num">
+                                      <p:cBhvr>
+                                        <p:cTn id="27" dur="500" decel="50000" fill="hold">
+                                          <p:stCondLst>
+                                            <p:cond delay="0"/>
+                                          </p:stCondLst>
+                                        </p:cTn>
+                                        <p:tgtEl>
+                                          <p:spTgt spid="3">
+                                            <p:txEl>
+                                              <p:pRg st="2" end="2"/>
+                                            </p:txEl>
+                                          </p:spTgt>
+                                        </p:tgtEl>
+                                        <p:attrNameLst>
+                                          <p:attrName>ppt_x</p:attrName>
+                                        </p:attrNameLst>
+                                      </p:cBhvr>
+                                      <p:tavLst>
+                                        <p:tav tm="0">
+                                          <p:val>
+                                            <p:strVal val="#ppt_x+.4"/>
+                                          </p:val>
+                                        </p:tav>
+                                        <p:tav tm="100000">
+                                          <p:val>
+                                            <p:strVal val="#ppt_x"/>
+                                          </p:val>
+                                        </p:tav>
+                                      </p:tavLst>
+                                    </p:anim>
+                                    <p:anim calcmode="lin" valueType="num">
+                                      <p:cBhvr>
+                                        <p:cTn id="28" dur="500" decel="50000" fill="hold">
+                                          <p:stCondLst>
+                                            <p:cond delay="0"/>
+                                          </p:stCondLst>
+                                        </p:cTn>
+                                        <p:tgtEl>
+                                          <p:spTgt spid="3">
+                                            <p:txEl>
+                                              <p:pRg st="2" end="2"/>
+                                            </p:txEl>
+                                          </p:spTgt>
+                                        </p:tgtEl>
+                                        <p:attrNameLst>
+                                          <p:attrName>ppt_y</p:attrName>
+                                        </p:attrNameLst>
+                                      </p:cBhvr>
+                                      <p:tavLst>
+                                        <p:tav tm="0">
+                                          <p:val>
+                                            <p:strVal val="#ppt_y-.2"/>
+                                          </p:val>
+                                        </p:tav>
+                                        <p:tav tm="100000">
+                                          <p:val>
+                                            <p:strVal val="#ppt_y+.1"/>
+                                          </p:val>
+                                        </p:tav>
+                                      </p:tavLst>
+                                    </p:anim>
+                                    <p:anim calcmode="lin" valueType="num">
+                                      <p:cBhvr>
+                                        <p:cTn id="29" dur="500" accel="50000" fill="hold">
+                                          <p:stCondLst>
+                                            <p:cond delay="500"/>
+                                          </p:stCondLst>
+                                        </p:cTn>
+                                        <p:tgtEl>
+                                          <p:spTgt spid="3">
+                                            <p:txEl>
+                                              <p:pRg st="2" end="2"/>
+                                            </p:txEl>
+                                          </p:spTgt>
+                                        </p:tgtEl>
+                                        <p:attrNameLst>
+                                          <p:attrName>ppt_y</p:attrName>
+                                        </p:attrNameLst>
+                                      </p:cBhvr>
+                                      <p:tavLst>
+                                        <p:tav tm="0">
+                                          <p:val>
+                                            <p:strVal val="#ppt_y+.1"/>
+                                          </p:val>
+                                        </p:tav>
+                                        <p:tav tm="100000">
+                                          <p:val>
+                                            <p:strVal val="#ppt_y"/>
+                                          </p:val>
+                                        </p:tav>
+                                      </p:tavLst>
+                                    </p:anim>
+                                    <p:animEffect transition="in" filter="fade">
+                                      <p:cBhvr>
+                                        <p:cTn id="30" dur="1000" decel="50000">
+                                          <p:stCondLst>
+                                            <p:cond delay="0"/>
+                                          </p:stCondLst>
+                                        </p:cTn>
+                                        <p:tgtEl>
+                                          <p:spTgt spid="3">
+                                            <p:txEl>
+                                              <p:pRg st="2" end="2"/>
+                                            </p:txEl>
+                                          </p:spTgt>
                                         </p:tgtEl>
                                       </p:cBhvr>
                                     </p:animEffect>
                                   </p:childTnLst>
                                 </p:cTn>
                               </p:par>
-                            </p:childTnLst>
-                          </p:cTn>
-                        </p:par>
-                        <p:par>
-                          <p:cTn id="15" fill="hold">
-                            <p:stCondLst>
-                              <p:cond delay="1000"/>
-                            </p:stCondLst>
-                            <p:childTnLst>
                               <p:par>
-                                <p:cTn id="16" presetID="22" presetClass="entr" presetSubtype="1" fill="hold" grpId="0" nodeType="afterEffect">
+                                <p:cTn id="31" presetID="25" presetClass="entr" presetSubtype="0" fill="hold" nodeType="withEffect">
                                   <p:stCondLst>
                                     <p:cond delay="0"/>
                                   </p:stCondLst>
                                   <p:childTnLst>
                                     <p:set>
                                       <p:cBhvr>
-                                        <p:cTn id="17" dur="1" fill="hold">
+                                        <p:cTn id="32" dur="1" fill="hold">
                                           <p:stCondLst>
                                             <p:cond delay="0"/>
                                           </p:stCondLst>
                                         </p:cTn>
                                         <p:tgtEl>
-                                          <p:spTgt spid="7"/>
-                                        </p:tgtEl>
-                                        <p:attrNameLst>
-                                          <p:attrName>style.visibility</p:attrName>
-                                        </p:attrNameLst>
-                                      </p:cBhvr>
-                                      <p:to>
-                                        <p:strVal val="visible"/>
-                                      </p:to>
-                                    </p:set>
-                                    <p:animEffect transition="in" filter="wipe(up)">
-                                      <p:cBhvr>
-                                        <p:cTn id="18" dur="1000"/>
-                                        <p:tgtEl>
-                                          <p:spTgt spid="7"/>
-                                        </p:tgtEl>
-                                      </p:cBhvr>
-                                    </p:animEffect>
-                                  </p:childTnLst>
-                                </p:cTn>
-                              </p:par>
-                              <p:par>
-                                <p:cTn id="19" presetID="22" presetClass="entr" presetSubtype="4" fill="hold" grpId="0" nodeType="withEffect">
-                                  <p:stCondLst>
-                                    <p:cond delay="0"/>
-                                  </p:stCondLst>
-                                  <p:childTnLst>
-                                    <p:set>
-                                      <p:cBhvr>
-                                        <p:cTn id="20" dur="1" fill="hold">
-                                          <p:stCondLst>
-                                            <p:cond delay="0"/>
-                                          </p:stCondLst>
-                                        </p:cTn>
-                                        <p:tgtEl>
-                                          <p:spTgt spid="8"/>
-                                        </p:tgtEl>
-                                        <p:attrNameLst>
-                                          <p:attrName>style.visibility</p:attrName>
-                                        </p:attrNameLst>
-                                      </p:cBhvr>
-                                      <p:to>
-                                        <p:strVal val="visible"/>
-                                      </p:to>
-                                    </p:set>
-                                    <p:animEffect transition="in" filter="wipe(down)">
-                                      <p:cBhvr>
-                                        <p:cTn id="21" dur="1000"/>
-                                        <p:tgtEl>
-                                          <p:spTgt spid="8"/>
-                                        </p:tgtEl>
-                                      </p:cBhvr>
-                                    </p:animEffect>
-                                  </p:childTnLst>
-                                </p:cTn>
-                              </p:par>
-                              <p:par>
-                                <p:cTn id="22" presetID="22" presetClass="entr" presetSubtype="1" fill="hold" grpId="0" nodeType="withEffect">
-                                  <p:stCondLst>
-                                    <p:cond delay="0"/>
-                                  </p:stCondLst>
-                                  <p:childTnLst>
-                                    <p:set>
-                                      <p:cBhvr>
-                                        <p:cTn id="23" dur="1" fill="hold">
-                                          <p:stCondLst>
-                                            <p:cond delay="0"/>
-                                          </p:stCondLst>
-                                        </p:cTn>
-                                        <p:tgtEl>
-                                          <p:spTgt spid="11"/>
-                                        </p:tgtEl>
-                                        <p:attrNameLst>
-                                          <p:attrName>style.visibility</p:attrName>
-                                        </p:attrNameLst>
-                                      </p:cBhvr>
-                                      <p:to>
-                                        <p:strVal val="visible"/>
-                                      </p:to>
-                                    </p:set>
-                                    <p:animEffect transition="in" filter="wipe(up)">
-                                      <p:cBhvr>
-                                        <p:cTn id="24" dur="500"/>
-                                        <p:tgtEl>
-                                          <p:spTgt spid="11"/>
-                                        </p:tgtEl>
-                                      </p:cBhvr>
-                                    </p:animEffect>
-                                  </p:childTnLst>
-                                </p:cTn>
-                              </p:par>
-                              <p:par>
-                                <p:cTn id="25" presetID="22" presetClass="entr" presetSubtype="4" fill="hold" grpId="0" nodeType="withEffect">
-                                  <p:stCondLst>
-                                    <p:cond delay="0"/>
-                                  </p:stCondLst>
-                                  <p:childTnLst>
-                                    <p:set>
-                                      <p:cBhvr>
-                                        <p:cTn id="26" dur="1" fill="hold">
-                                          <p:stCondLst>
-                                            <p:cond delay="0"/>
-                                          </p:stCondLst>
-                                        </p:cTn>
-                                        <p:tgtEl>
-                                          <p:spTgt spid="12"/>
-                                        </p:tgtEl>
-                                        <p:attrNameLst>
-                                          <p:attrName>style.visibility</p:attrName>
-                                        </p:attrNameLst>
-                                      </p:cBhvr>
-                                      <p:to>
-                                        <p:strVal val="visible"/>
-                                      </p:to>
-                                    </p:set>
-                                    <p:animEffect transition="in" filter="wipe(down)">
-                                      <p:cBhvr>
-                                        <p:cTn id="27" dur="500"/>
-                                        <p:tgtEl>
-                                          <p:spTgt spid="12"/>
-                                        </p:tgtEl>
-                                      </p:cBhvr>
-                                    </p:animEffect>
-                                  </p:childTnLst>
-                                </p:cTn>
-                              </p:par>
-                            </p:childTnLst>
-                          </p:cTn>
-                        </p:par>
-                        <p:par>
-                          <p:cTn id="28" fill="hold">
-                            <p:stCondLst>
-                              <p:cond delay="2000"/>
-                            </p:stCondLst>
-                            <p:childTnLst>
-                              <p:par>
-                                <p:cTn id="29" presetID="53" presetClass="entr" presetSubtype="16" fill="hold" grpId="0" nodeType="afterEffect">
-                                  <p:stCondLst>
-                                    <p:cond delay="0"/>
-                                  </p:stCondLst>
-                                  <p:childTnLst>
-                                    <p:set>
-                                      <p:cBhvr>
-                                        <p:cTn id="30" dur="1" fill="hold">
-                                          <p:stCondLst>
-                                            <p:cond delay="0"/>
-                                          </p:stCondLst>
-                                        </p:cTn>
-                                        <p:tgtEl>
-                                          <p:spTgt spid="14"/>
+                                          <p:spTgt spid="3">
+                                            <p:txEl>
+                                              <p:pRg st="4" end="4"/>
+                                            </p:txEl>
+                                          </p:spTgt>
                                         </p:tgtEl>
                                         <p:attrNameLst>
                                           <p:attrName>style.visibility</p:attrName>
@@ -13077,32 +12454,106 @@
                                     </p:set>
                                     <p:anim calcmode="lin" valueType="num">
                                       <p:cBhvr>
-                                        <p:cTn id="31" dur="1000" fill="hold"/>
-                                        <p:tgtEl>
-                                          <p:spTgt spid="14"/>
+                                        <p:cTn id="33" dur="500" decel="50000" fill="hold">
+                                          <p:stCondLst>
+                                            <p:cond delay="0"/>
+                                          </p:stCondLst>
+                                        </p:cTn>
+                                        <p:tgtEl>
+                                          <p:spTgt spid="3">
+                                            <p:txEl>
+                                              <p:pRg st="4" end="4"/>
+                                            </p:txEl>
+                                          </p:spTgt>
                                         </p:tgtEl>
                                         <p:attrNameLst>
-                                          <p:attrName>ppt_w</p:attrName>
+                                          <p:attrName>style.rotation</p:attrName>
                                         </p:attrNameLst>
                                       </p:cBhvr>
                                       <p:tavLst>
                                         <p:tav tm="0">
                                           <p:val>
+                                            <p:fltVal val="-90"/>
+                                          </p:val>
+                                        </p:tav>
+                                        <p:tav tm="100000">
+                                          <p:val>
                                             <p:fltVal val="0"/>
-                                          </p:val>
-                                        </p:tav>
-                                        <p:tav tm="100000">
-                                          <p:val>
-                                            <p:strVal val="#ppt_w"/>
                                           </p:val>
                                         </p:tav>
                                       </p:tavLst>
                                     </p:anim>
                                     <p:anim calcmode="lin" valueType="num">
                                       <p:cBhvr>
-                                        <p:cTn id="32" dur="1000" fill="hold"/>
-                                        <p:tgtEl>
-                                          <p:spTgt spid="14"/>
+                                        <p:cTn id="34" dur="500" decel="50000" fill="hold">
+                                          <p:stCondLst>
+                                            <p:cond delay="0"/>
+                                          </p:stCondLst>
+                                        </p:cTn>
+                                        <p:tgtEl>
+                                          <p:spTgt spid="3">
+                                            <p:txEl>
+                                              <p:pRg st="4" end="4"/>
+                                            </p:txEl>
+                                          </p:spTgt>
+                                        </p:tgtEl>
+                                        <p:attrNameLst>
+                                          <p:attrName>ppt_w</p:attrName>
+                                        </p:attrNameLst>
+                                      </p:cBhvr>
+                                      <p:tavLst>
+                                        <p:tav tm="0">
+                                          <p:val>
+                                            <p:strVal val="#ppt_w"/>
+                                          </p:val>
+                                        </p:tav>
+                                        <p:tav tm="100000">
+                                          <p:val>
+                                            <p:strVal val="#ppt_w*.05"/>
+                                          </p:val>
+                                        </p:tav>
+                                      </p:tavLst>
+                                    </p:anim>
+                                    <p:anim calcmode="lin" valueType="num">
+                                      <p:cBhvr>
+                                        <p:cTn id="35" dur="500" accel="50000" fill="hold">
+                                          <p:stCondLst>
+                                            <p:cond delay="500"/>
+                                          </p:stCondLst>
+                                        </p:cTn>
+                                        <p:tgtEl>
+                                          <p:spTgt spid="3">
+                                            <p:txEl>
+                                              <p:pRg st="4" end="4"/>
+                                            </p:txEl>
+                                          </p:spTgt>
+                                        </p:tgtEl>
+                                        <p:attrNameLst>
+                                          <p:attrName>ppt_w</p:attrName>
+                                        </p:attrNameLst>
+                                      </p:cBhvr>
+                                      <p:tavLst>
+                                        <p:tav tm="0">
+                                          <p:val>
+                                            <p:strVal val="#ppt_w*.05"/>
+                                          </p:val>
+                                        </p:tav>
+                                        <p:tav tm="100000">
+                                          <p:val>
+                                            <p:strVal val="#ppt_w"/>
+                                          </p:val>
+                                        </p:tav>
+                                      </p:tavLst>
+                                    </p:anim>
+                                    <p:anim calcmode="lin" valueType="num">
+                                      <p:cBhvr>
+                                        <p:cTn id="36" dur="1000" fill="hold"/>
+                                        <p:tgtEl>
+                                          <p:spTgt spid="3">
+                                            <p:txEl>
+                                              <p:pRg st="4" end="4"/>
+                                            </p:txEl>
+                                          </p:spTgt>
                                         </p:tgtEl>
                                         <p:attrNameLst>
                                           <p:attrName>ppt_h</p:attrName>
@@ -13111,155 +12562,122 @@
                                       <p:tavLst>
                                         <p:tav tm="0">
                                           <p:val>
-                                            <p:fltVal val="0"/>
+                                            <p:strVal val="#ppt_h"/>
                                           </p:val>
                                         </p:tav>
                                         <p:tav tm="100000">
                                           <p:val>
                                             <p:strVal val="#ppt_h"/>
+                                          </p:val>
+                                        </p:tav>
+                                      </p:tavLst>
+                                    </p:anim>
+                                    <p:anim calcmode="lin" valueType="num">
+                                      <p:cBhvr>
+                                        <p:cTn id="37" dur="500" decel="50000" fill="hold">
+                                          <p:stCondLst>
+                                            <p:cond delay="0"/>
+                                          </p:stCondLst>
+                                        </p:cTn>
+                                        <p:tgtEl>
+                                          <p:spTgt spid="3">
+                                            <p:txEl>
+                                              <p:pRg st="4" end="4"/>
+                                            </p:txEl>
+                                          </p:spTgt>
+                                        </p:tgtEl>
+                                        <p:attrNameLst>
+                                          <p:attrName>ppt_x</p:attrName>
+                                        </p:attrNameLst>
+                                      </p:cBhvr>
+                                      <p:tavLst>
+                                        <p:tav tm="0">
+                                          <p:val>
+                                            <p:strVal val="#ppt_x+.4"/>
+                                          </p:val>
+                                        </p:tav>
+                                        <p:tav tm="100000">
+                                          <p:val>
+                                            <p:strVal val="#ppt_x"/>
+                                          </p:val>
+                                        </p:tav>
+                                      </p:tavLst>
+                                    </p:anim>
+                                    <p:anim calcmode="lin" valueType="num">
+                                      <p:cBhvr>
+                                        <p:cTn id="38" dur="500" decel="50000" fill="hold">
+                                          <p:stCondLst>
+                                            <p:cond delay="0"/>
+                                          </p:stCondLst>
+                                        </p:cTn>
+                                        <p:tgtEl>
+                                          <p:spTgt spid="3">
+                                            <p:txEl>
+                                              <p:pRg st="4" end="4"/>
+                                            </p:txEl>
+                                          </p:spTgt>
+                                        </p:tgtEl>
+                                        <p:attrNameLst>
+                                          <p:attrName>ppt_y</p:attrName>
+                                        </p:attrNameLst>
+                                      </p:cBhvr>
+                                      <p:tavLst>
+                                        <p:tav tm="0">
+                                          <p:val>
+                                            <p:strVal val="#ppt_y-.2"/>
+                                          </p:val>
+                                        </p:tav>
+                                        <p:tav tm="100000">
+                                          <p:val>
+                                            <p:strVal val="#ppt_y+.1"/>
+                                          </p:val>
+                                        </p:tav>
+                                      </p:tavLst>
+                                    </p:anim>
+                                    <p:anim calcmode="lin" valueType="num">
+                                      <p:cBhvr>
+                                        <p:cTn id="39" dur="500" accel="50000" fill="hold">
+                                          <p:stCondLst>
+                                            <p:cond delay="500"/>
+                                          </p:stCondLst>
+                                        </p:cTn>
+                                        <p:tgtEl>
+                                          <p:spTgt spid="3">
+                                            <p:txEl>
+                                              <p:pRg st="4" end="4"/>
+                                            </p:txEl>
+                                          </p:spTgt>
+                                        </p:tgtEl>
+                                        <p:attrNameLst>
+                                          <p:attrName>ppt_y</p:attrName>
+                                        </p:attrNameLst>
+                                      </p:cBhvr>
+                                      <p:tavLst>
+                                        <p:tav tm="0">
+                                          <p:val>
+                                            <p:strVal val="#ppt_y+.1"/>
+                                          </p:val>
+                                        </p:tav>
+                                        <p:tav tm="100000">
+                                          <p:val>
+                                            <p:strVal val="#ppt_y"/>
                                           </p:val>
                                         </p:tav>
                                       </p:tavLst>
                                     </p:anim>
                                     <p:animEffect transition="in" filter="fade">
                                       <p:cBhvr>
-                                        <p:cTn id="33" dur="1000"/>
-                                        <p:tgtEl>
-                                          <p:spTgt spid="14"/>
-                                        </p:tgtEl>
-                                      </p:cBhvr>
-                                    </p:animEffect>
-                                  </p:childTnLst>
-                                </p:cTn>
-                              </p:par>
-                            </p:childTnLst>
-                          </p:cTn>
-                        </p:par>
-                        <p:par>
-                          <p:cTn id="34" fill="hold">
-                            <p:stCondLst>
-                              <p:cond delay="3000"/>
-                            </p:stCondLst>
-                            <p:childTnLst>
-                              <p:par>
-                                <p:cTn id="35" presetID="53" presetClass="entr" presetSubtype="16" fill="hold" grpId="0" nodeType="afterEffect">
-                                  <p:stCondLst>
-                                    <p:cond delay="0"/>
-                                  </p:stCondLst>
-                                  <p:childTnLst>
-                                    <p:set>
-                                      <p:cBhvr>
-                                        <p:cTn id="36" dur="1" fill="hold">
+                                        <p:cTn id="40" dur="1000" decel="50000">
                                           <p:stCondLst>
                                             <p:cond delay="0"/>
                                           </p:stCondLst>
                                         </p:cTn>
                                         <p:tgtEl>
-                                          <p:spTgt spid="13"/>
-                                        </p:tgtEl>
-                                        <p:attrNameLst>
-                                          <p:attrName>style.visibility</p:attrName>
-                                        </p:attrNameLst>
-                                      </p:cBhvr>
-                                      <p:to>
-                                        <p:strVal val="visible"/>
-                                      </p:to>
-                                    </p:set>
-                                    <p:anim calcmode="lin" valueType="num">
-                                      <p:cBhvr>
-                                        <p:cTn id="37" dur="1000" fill="hold"/>
-                                        <p:tgtEl>
-                                          <p:spTgt spid="13"/>
-                                        </p:tgtEl>
-                                        <p:attrNameLst>
-                                          <p:attrName>ppt_w</p:attrName>
-                                        </p:attrNameLst>
-                                      </p:cBhvr>
-                                      <p:tavLst>
-                                        <p:tav tm="0">
-                                          <p:val>
-                                            <p:fltVal val="0"/>
-                                          </p:val>
-                                        </p:tav>
-                                        <p:tav tm="100000">
-                                          <p:val>
-                                            <p:strVal val="#ppt_w"/>
-                                          </p:val>
-                                        </p:tav>
-                                      </p:tavLst>
-                                    </p:anim>
-                                    <p:anim calcmode="lin" valueType="num">
-                                      <p:cBhvr>
-                                        <p:cTn id="38" dur="1000" fill="hold"/>
-                                        <p:tgtEl>
-                                          <p:spTgt spid="13"/>
-                                        </p:tgtEl>
-                                        <p:attrNameLst>
-                                          <p:attrName>ppt_h</p:attrName>
-                                        </p:attrNameLst>
-                                      </p:cBhvr>
-                                      <p:tavLst>
-                                        <p:tav tm="0">
-                                          <p:val>
-                                            <p:fltVal val="0"/>
-                                          </p:val>
-                                        </p:tav>
-                                        <p:tav tm="100000">
-                                          <p:val>
-                                            <p:strVal val="#ppt_h"/>
-                                          </p:val>
-                                        </p:tav>
-                                      </p:tavLst>
-                                    </p:anim>
-                                    <p:animEffect transition="in" filter="fade">
-                                      <p:cBhvr>
-                                        <p:cTn id="39" dur="1000"/>
-                                        <p:tgtEl>
-                                          <p:spTgt spid="13"/>
-                                        </p:tgtEl>
-                                      </p:cBhvr>
-                                    </p:animEffect>
-                                  </p:childTnLst>
-                                </p:cTn>
-                              </p:par>
-                            </p:childTnLst>
-                          </p:cTn>
-                        </p:par>
-                        <p:par>
-                          <p:cTn id="40" fill="hold">
-                            <p:stCondLst>
-                              <p:cond delay="4000"/>
-                            </p:stCondLst>
-                            <p:childTnLst>
-                              <p:par>
-                                <p:cTn id="41" presetID="16" presetClass="entr" presetSubtype="42" fill="hold" grpId="0" nodeType="afterEffect">
-                                  <p:stCondLst>
-                                    <p:cond delay="0"/>
-                                  </p:stCondLst>
-                                  <p:childTnLst>
-                                    <p:set>
-                                      <p:cBhvr>
-                                        <p:cTn id="42" dur="1" fill="hold">
-                                          <p:stCondLst>
-                                            <p:cond delay="0"/>
-                                          </p:stCondLst>
-                                        </p:cTn>
-                                        <p:tgtEl>
-                                          <p:spTgt spid="6"/>
-                                        </p:tgtEl>
-                                        <p:attrNameLst>
-                                          <p:attrName>style.visibility</p:attrName>
-                                        </p:attrNameLst>
-                                      </p:cBhvr>
-                                      <p:to>
-                                        <p:strVal val="visible"/>
-                                      </p:to>
-                                    </p:set>
-                                    <p:animEffect transition="in" filter="barn(outHorizontal)">
-                                      <p:cBhvr>
-                                        <p:cTn id="43" dur="1500"/>
-                                        <p:tgtEl>
-                                          <p:spTgt spid="6"/>
+                                          <p:spTgt spid="3">
+                                            <p:txEl>
+                                              <p:pRg st="4" end="4"/>
+                                            </p:txEl>
+                                          </p:spTgt>
                                         </p:tgtEl>
                                       </p:cBhvr>
                                     </p:animEffect>
@@ -13294,15 +12712,12 @@
       </p:par>
     </p:tnLst>
     <p:bldLst>
-      <p:bldP spid="4" grpId="0"/>
-      <p:bldP spid="6" grpId="0" bldLvl="0" animBg="1"/>
-      <p:bldP spid="7" grpId="0" bldLvl="0" animBg="1"/>
-      <p:bldP spid="8" grpId="0" bldLvl="0" animBg="1"/>
-      <p:bldP spid="9" grpId="0" bldLvl="0" animBg="1"/>
-      <p:bldP spid="11" grpId="0"/>
-      <p:bldP spid="12" grpId="0"/>
-      <p:bldP spid="13" grpId="0"/>
-      <p:bldP spid="14" grpId="0"/>
+      <p:bldP spid="5" grpId="1"/>
+      <p:bldP spid="5" grpId="3"/>
+      <p:bldP spid="5" grpId="5"/>
+      <p:bldP spid="5" grpId="7"/>
+      <p:bldP spid="5" grpId="9"/>
+      <p:bldP spid="5" grpId="10"/>
     </p:bldLst>
   </p:timing>
 </p:sld>
@@ -13347,7 +12762,7 @@
           <a:p>
             <a:r>
               <a:rPr lang="zh-CN" altLang="en-US" sz="2000" dirty="0"/>
-              <a:t>EXPLAIN可以帮助开发人员分析SQL问题，explain显示了mysql如何使用索引来处理select语句以及连接表，可以帮助选择更好的索引和写出更优化的查询语句。</a:t>
+              <a:t> mysql 组合索引 “最左前缀” 的使用，简单的理解就是只从最左面的开始组合。并不是只要包含这三列的查询都会用到该组合索引。</a:t>
             </a:r>
             <a:endParaRPr lang="zh-CN" altLang="en-US" sz="2000" dirty="0"/>
           </a:p>
@@ -13357,32 +12772,21 @@
           <a:p>
             <a:r>
               <a:rPr lang="zh-CN" altLang="en-US" sz="2000" dirty="0"/>
-              <a:t>mysql在执行一条查询之前，会对发出的每条SQL进行分析，决定是否使用索引或全表扫描如果发送一条select * from </a:t>
+              <a:t>不要盲目的创建索引，只为查询操作频繁的列创建索引，创建索引会使查询操作变得更加快速，但是会降低增加、删除、更新操作的速度，因为执行这些操作的同时会对索引文件进行重新排序或更新。</a:t>
             </a:r>
-            <a:r>
-              <a:rPr lang="en-US" altLang="zh-CN" sz="2000" dirty="0"/>
-              <a:t>admin</a:t>
-            </a:r>
+            <a:endParaRPr lang="zh-CN" altLang="en-US" sz="2000" dirty="0"/>
+          </a:p>
+          <a:p>
+            <a:endParaRPr lang="zh-CN" altLang="en-US" sz="2000" dirty="0"/>
+          </a:p>
+          <a:p>
             <a:r>
               <a:rPr lang="zh-CN" altLang="en-US" sz="2000" dirty="0"/>
-              <a:t> where false，Mysql是不会执行查询操作的，因为经过SQL分析器的分析后MySQL已经清楚不会有任何语句符合操作。</a:t>
+              <a:t>但是，在互联网应用中，查询的语句远远大于DML的语句，甚至可以占到80%~90%，所以也不要太在意，只是在大数据导入时，可以先删除索引，再批量插入数据，最后再添加索引。</a:t>
             </a:r>
             <a:endParaRPr lang="zh-CN" altLang="en-US" sz="2000" dirty="0"/>
           </a:p>
           <a:p>
-            <a:endParaRPr lang="zh-CN" altLang="en-US" sz="2000" dirty="0"/>
-          </a:p>
-          <a:p>
-            <a:r>
-              <a:rPr lang="zh-CN" altLang="en-US" sz="2000" dirty="0"/>
-              <a:t>possible_keys：如果是空的，没有相关的索引。这时要提高性能，可通过检验WHERE子句，看是否引用某些字段，或者检查字段不是适合索引。  </a:t>
-            </a:r>
-            <a:endParaRPr lang="zh-CN" altLang="en-US" sz="2000" dirty="0"/>
-          </a:p>
-          <a:p>
-            <a:pPr marL="0" indent="0">
-              <a:buNone/>
-            </a:pPr>
             <a:endParaRPr lang="zh-CN" altLang="en-US" sz="2000" dirty="0"/>
           </a:p>
         </p:txBody>
@@ -13407,7 +12811,7 @@
           <a:p>
             <a:r>
               <a:rPr lang="zh-CN" altLang="en-US" dirty="0"/>
-              <a:t>Explain优化查询检测</a:t>
+              <a:t>索引的使用</a:t>
             </a:r>
             <a:endParaRPr lang="zh-CN" altLang="en-US" dirty="0"/>
           </a:p>
@@ -13421,6 +12825,930 @@
   <p:clrMapOvr>
     <a:masterClrMapping/>
   </p:clrMapOvr>
+  <p:timing>
+    <p:tnLst>
+      <p:par>
+        <p:cTn id="1" dur="indefinite" restart="never" nodeType="tmRoot">
+          <p:childTnLst>
+            <p:seq concurrent="1" nextAc="seek">
+              <p:cTn id="2" dur="indefinite" nodeType="mainSeq">
+                <p:childTnLst>
+                  <p:par>
+                    <p:cTn id="3" fill="hold">
+                      <p:stCondLst>
+                        <p:cond delay="indefinite"/>
+                      </p:stCondLst>
+                      <p:childTnLst>
+                        <p:par>
+                          <p:cTn id="4" fill="hold">
+                            <p:stCondLst>
+                              <p:cond delay="0"/>
+                            </p:stCondLst>
+                            <p:childTnLst>
+                              <p:par>
+                                <p:cTn id="5" presetID="2" presetClass="entr" presetSubtype="4" fill="hold" grpId="2" nodeType="clickEffect">
+                                  <p:stCondLst>
+                                    <p:cond delay="0"/>
+                                  </p:stCondLst>
+                                  <p:childTnLst>
+                                    <p:set>
+                                      <p:cBhvr>
+                                        <p:cTn id="6" dur="1" fill="hold">
+                                          <p:stCondLst>
+                                            <p:cond delay="0"/>
+                                          </p:stCondLst>
+                                        </p:cTn>
+                                        <p:tgtEl>
+                                          <p:spTgt spid="5"/>
+                                        </p:tgtEl>
+                                        <p:attrNameLst>
+                                          <p:attrName>style.visibility</p:attrName>
+                                        </p:attrNameLst>
+                                      </p:cBhvr>
+                                      <p:to>
+                                        <p:strVal val="visible"/>
+                                      </p:to>
+                                    </p:set>
+                                    <p:anim calcmode="lin" valueType="num">
+                                      <p:cBhvr additive="base">
+                                        <p:cTn id="7" dur="500" fill="hold"/>
+                                        <p:tgtEl>
+                                          <p:spTgt spid="5"/>
+                                        </p:tgtEl>
+                                        <p:attrNameLst>
+                                          <p:attrName>ppt_x</p:attrName>
+                                        </p:attrNameLst>
+                                      </p:cBhvr>
+                                      <p:tavLst>
+                                        <p:tav tm="0">
+                                          <p:val>
+                                            <p:strVal val="#ppt_x"/>
+                                          </p:val>
+                                        </p:tav>
+                                        <p:tav tm="100000">
+                                          <p:val>
+                                            <p:strVal val="#ppt_x"/>
+                                          </p:val>
+                                        </p:tav>
+                                      </p:tavLst>
+                                    </p:anim>
+                                    <p:anim calcmode="lin" valueType="num">
+                                      <p:cBhvr additive="base">
+                                        <p:cTn id="8" dur="500" fill="hold"/>
+                                        <p:tgtEl>
+                                          <p:spTgt spid="5"/>
+                                        </p:tgtEl>
+                                        <p:attrNameLst>
+                                          <p:attrName>ppt_y</p:attrName>
+                                        </p:attrNameLst>
+                                      </p:cBhvr>
+                                      <p:tavLst>
+                                        <p:tav tm="0">
+                                          <p:val>
+                                            <p:strVal val="1+#ppt_h/2"/>
+                                          </p:val>
+                                        </p:tav>
+                                        <p:tav tm="100000">
+                                          <p:val>
+                                            <p:strVal val="#ppt_y"/>
+                                          </p:val>
+                                        </p:tav>
+                                      </p:tavLst>
+                                    </p:anim>
+                                  </p:childTnLst>
+                                </p:cTn>
+                              </p:par>
+                            </p:childTnLst>
+                          </p:cTn>
+                        </p:par>
+                      </p:childTnLst>
+                    </p:cTn>
+                  </p:par>
+                  <p:par>
+                    <p:cTn id="9" fill="hold">
+                      <p:stCondLst>
+                        <p:cond delay="indefinite"/>
+                      </p:stCondLst>
+                      <p:childTnLst>
+                        <p:par>
+                          <p:cTn id="10" fill="hold">
+                            <p:stCondLst>
+                              <p:cond delay="0"/>
+                            </p:stCondLst>
+                            <p:childTnLst>
+                              <p:par>
+                                <p:cTn id="11" presetID="25" presetClass="entr" presetSubtype="0" fill="hold" nodeType="clickEffect">
+                                  <p:stCondLst>
+                                    <p:cond delay="0"/>
+                                  </p:stCondLst>
+                                  <p:childTnLst>
+                                    <p:set>
+                                      <p:cBhvr>
+                                        <p:cTn id="12" dur="1" fill="hold">
+                                          <p:stCondLst>
+                                            <p:cond delay="0"/>
+                                          </p:stCondLst>
+                                        </p:cTn>
+                                        <p:tgtEl>
+                                          <p:spTgt spid="3">
+                                            <p:txEl>
+                                              <p:pRg st="0" end="0"/>
+                                            </p:txEl>
+                                          </p:spTgt>
+                                        </p:tgtEl>
+                                        <p:attrNameLst>
+                                          <p:attrName>style.visibility</p:attrName>
+                                        </p:attrNameLst>
+                                      </p:cBhvr>
+                                      <p:to>
+                                        <p:strVal val="visible"/>
+                                      </p:to>
+                                    </p:set>
+                                    <p:anim calcmode="lin" valueType="num">
+                                      <p:cBhvr>
+                                        <p:cTn id="13" dur="500" decel="50000" fill="hold">
+                                          <p:stCondLst>
+                                            <p:cond delay="0"/>
+                                          </p:stCondLst>
+                                        </p:cTn>
+                                        <p:tgtEl>
+                                          <p:spTgt spid="3">
+                                            <p:txEl>
+                                              <p:pRg st="0" end="0"/>
+                                            </p:txEl>
+                                          </p:spTgt>
+                                        </p:tgtEl>
+                                        <p:attrNameLst>
+                                          <p:attrName>style.rotation</p:attrName>
+                                        </p:attrNameLst>
+                                      </p:cBhvr>
+                                      <p:tavLst>
+                                        <p:tav tm="0">
+                                          <p:val>
+                                            <p:fltVal val="-90"/>
+                                          </p:val>
+                                        </p:tav>
+                                        <p:tav tm="100000">
+                                          <p:val>
+                                            <p:fltVal val="0"/>
+                                          </p:val>
+                                        </p:tav>
+                                      </p:tavLst>
+                                    </p:anim>
+                                    <p:anim calcmode="lin" valueType="num">
+                                      <p:cBhvr>
+                                        <p:cTn id="14" dur="500" decel="50000" fill="hold">
+                                          <p:stCondLst>
+                                            <p:cond delay="0"/>
+                                          </p:stCondLst>
+                                        </p:cTn>
+                                        <p:tgtEl>
+                                          <p:spTgt spid="3">
+                                            <p:txEl>
+                                              <p:pRg st="0" end="0"/>
+                                            </p:txEl>
+                                          </p:spTgt>
+                                        </p:tgtEl>
+                                        <p:attrNameLst>
+                                          <p:attrName>ppt_w</p:attrName>
+                                        </p:attrNameLst>
+                                      </p:cBhvr>
+                                      <p:tavLst>
+                                        <p:tav tm="0">
+                                          <p:val>
+                                            <p:strVal val="#ppt_w"/>
+                                          </p:val>
+                                        </p:tav>
+                                        <p:tav tm="100000">
+                                          <p:val>
+                                            <p:strVal val="#ppt_w*.05"/>
+                                          </p:val>
+                                        </p:tav>
+                                      </p:tavLst>
+                                    </p:anim>
+                                    <p:anim calcmode="lin" valueType="num">
+                                      <p:cBhvr>
+                                        <p:cTn id="15" dur="500" accel="50000" fill="hold">
+                                          <p:stCondLst>
+                                            <p:cond delay="500"/>
+                                          </p:stCondLst>
+                                        </p:cTn>
+                                        <p:tgtEl>
+                                          <p:spTgt spid="3">
+                                            <p:txEl>
+                                              <p:pRg st="0" end="0"/>
+                                            </p:txEl>
+                                          </p:spTgt>
+                                        </p:tgtEl>
+                                        <p:attrNameLst>
+                                          <p:attrName>ppt_w</p:attrName>
+                                        </p:attrNameLst>
+                                      </p:cBhvr>
+                                      <p:tavLst>
+                                        <p:tav tm="0">
+                                          <p:val>
+                                            <p:strVal val="#ppt_w*.05"/>
+                                          </p:val>
+                                        </p:tav>
+                                        <p:tav tm="100000">
+                                          <p:val>
+                                            <p:strVal val="#ppt_w"/>
+                                          </p:val>
+                                        </p:tav>
+                                      </p:tavLst>
+                                    </p:anim>
+                                    <p:anim calcmode="lin" valueType="num">
+                                      <p:cBhvr>
+                                        <p:cTn id="16" dur="1000" fill="hold"/>
+                                        <p:tgtEl>
+                                          <p:spTgt spid="3">
+                                            <p:txEl>
+                                              <p:pRg st="0" end="0"/>
+                                            </p:txEl>
+                                          </p:spTgt>
+                                        </p:tgtEl>
+                                        <p:attrNameLst>
+                                          <p:attrName>ppt_h</p:attrName>
+                                        </p:attrNameLst>
+                                      </p:cBhvr>
+                                      <p:tavLst>
+                                        <p:tav tm="0">
+                                          <p:val>
+                                            <p:strVal val="#ppt_h"/>
+                                          </p:val>
+                                        </p:tav>
+                                        <p:tav tm="100000">
+                                          <p:val>
+                                            <p:strVal val="#ppt_h"/>
+                                          </p:val>
+                                        </p:tav>
+                                      </p:tavLst>
+                                    </p:anim>
+                                    <p:anim calcmode="lin" valueType="num">
+                                      <p:cBhvr>
+                                        <p:cTn id="17" dur="500" decel="50000" fill="hold">
+                                          <p:stCondLst>
+                                            <p:cond delay="0"/>
+                                          </p:stCondLst>
+                                        </p:cTn>
+                                        <p:tgtEl>
+                                          <p:spTgt spid="3">
+                                            <p:txEl>
+                                              <p:pRg st="0" end="0"/>
+                                            </p:txEl>
+                                          </p:spTgt>
+                                        </p:tgtEl>
+                                        <p:attrNameLst>
+                                          <p:attrName>ppt_x</p:attrName>
+                                        </p:attrNameLst>
+                                      </p:cBhvr>
+                                      <p:tavLst>
+                                        <p:tav tm="0">
+                                          <p:val>
+                                            <p:strVal val="#ppt_x+.4"/>
+                                          </p:val>
+                                        </p:tav>
+                                        <p:tav tm="100000">
+                                          <p:val>
+                                            <p:strVal val="#ppt_x"/>
+                                          </p:val>
+                                        </p:tav>
+                                      </p:tavLst>
+                                    </p:anim>
+                                    <p:anim calcmode="lin" valueType="num">
+                                      <p:cBhvr>
+                                        <p:cTn id="18" dur="500" decel="50000" fill="hold">
+                                          <p:stCondLst>
+                                            <p:cond delay="0"/>
+                                          </p:stCondLst>
+                                        </p:cTn>
+                                        <p:tgtEl>
+                                          <p:spTgt spid="3">
+                                            <p:txEl>
+                                              <p:pRg st="0" end="0"/>
+                                            </p:txEl>
+                                          </p:spTgt>
+                                        </p:tgtEl>
+                                        <p:attrNameLst>
+                                          <p:attrName>ppt_y</p:attrName>
+                                        </p:attrNameLst>
+                                      </p:cBhvr>
+                                      <p:tavLst>
+                                        <p:tav tm="0">
+                                          <p:val>
+                                            <p:strVal val="#ppt_y-.2"/>
+                                          </p:val>
+                                        </p:tav>
+                                        <p:tav tm="100000">
+                                          <p:val>
+                                            <p:strVal val="#ppt_y+.1"/>
+                                          </p:val>
+                                        </p:tav>
+                                      </p:tavLst>
+                                    </p:anim>
+                                    <p:anim calcmode="lin" valueType="num">
+                                      <p:cBhvr>
+                                        <p:cTn id="19" dur="500" accel="50000" fill="hold">
+                                          <p:stCondLst>
+                                            <p:cond delay="500"/>
+                                          </p:stCondLst>
+                                        </p:cTn>
+                                        <p:tgtEl>
+                                          <p:spTgt spid="3">
+                                            <p:txEl>
+                                              <p:pRg st="0" end="0"/>
+                                            </p:txEl>
+                                          </p:spTgt>
+                                        </p:tgtEl>
+                                        <p:attrNameLst>
+                                          <p:attrName>ppt_y</p:attrName>
+                                        </p:attrNameLst>
+                                      </p:cBhvr>
+                                      <p:tavLst>
+                                        <p:tav tm="0">
+                                          <p:val>
+                                            <p:strVal val="#ppt_y+.1"/>
+                                          </p:val>
+                                        </p:tav>
+                                        <p:tav tm="100000">
+                                          <p:val>
+                                            <p:strVal val="#ppt_y"/>
+                                          </p:val>
+                                        </p:tav>
+                                      </p:tavLst>
+                                    </p:anim>
+                                    <p:animEffect transition="in" filter="fade">
+                                      <p:cBhvr>
+                                        <p:cTn id="20" dur="1000" decel="50000">
+                                          <p:stCondLst>
+                                            <p:cond delay="0"/>
+                                          </p:stCondLst>
+                                        </p:cTn>
+                                        <p:tgtEl>
+                                          <p:spTgt spid="3">
+                                            <p:txEl>
+                                              <p:pRg st="0" end="0"/>
+                                            </p:txEl>
+                                          </p:spTgt>
+                                        </p:tgtEl>
+                                      </p:cBhvr>
+                                    </p:animEffect>
+                                  </p:childTnLst>
+                                </p:cTn>
+                              </p:par>
+                              <p:par>
+                                <p:cTn id="21" presetID="25" presetClass="entr" presetSubtype="0" fill="hold" nodeType="withEffect">
+                                  <p:stCondLst>
+                                    <p:cond delay="0"/>
+                                  </p:stCondLst>
+                                  <p:childTnLst>
+                                    <p:set>
+                                      <p:cBhvr>
+                                        <p:cTn id="22" dur="1" fill="hold">
+                                          <p:stCondLst>
+                                            <p:cond delay="0"/>
+                                          </p:stCondLst>
+                                        </p:cTn>
+                                        <p:tgtEl>
+                                          <p:spTgt spid="3">
+                                            <p:txEl>
+                                              <p:pRg st="2" end="2"/>
+                                            </p:txEl>
+                                          </p:spTgt>
+                                        </p:tgtEl>
+                                        <p:attrNameLst>
+                                          <p:attrName>style.visibility</p:attrName>
+                                        </p:attrNameLst>
+                                      </p:cBhvr>
+                                      <p:to>
+                                        <p:strVal val="visible"/>
+                                      </p:to>
+                                    </p:set>
+                                    <p:anim calcmode="lin" valueType="num">
+                                      <p:cBhvr>
+                                        <p:cTn id="23" dur="500" decel="50000" fill="hold">
+                                          <p:stCondLst>
+                                            <p:cond delay="0"/>
+                                          </p:stCondLst>
+                                        </p:cTn>
+                                        <p:tgtEl>
+                                          <p:spTgt spid="3">
+                                            <p:txEl>
+                                              <p:pRg st="2" end="2"/>
+                                            </p:txEl>
+                                          </p:spTgt>
+                                        </p:tgtEl>
+                                        <p:attrNameLst>
+                                          <p:attrName>style.rotation</p:attrName>
+                                        </p:attrNameLst>
+                                      </p:cBhvr>
+                                      <p:tavLst>
+                                        <p:tav tm="0">
+                                          <p:val>
+                                            <p:fltVal val="-90"/>
+                                          </p:val>
+                                        </p:tav>
+                                        <p:tav tm="100000">
+                                          <p:val>
+                                            <p:fltVal val="0"/>
+                                          </p:val>
+                                        </p:tav>
+                                      </p:tavLst>
+                                    </p:anim>
+                                    <p:anim calcmode="lin" valueType="num">
+                                      <p:cBhvr>
+                                        <p:cTn id="24" dur="500" decel="50000" fill="hold">
+                                          <p:stCondLst>
+                                            <p:cond delay="0"/>
+                                          </p:stCondLst>
+                                        </p:cTn>
+                                        <p:tgtEl>
+                                          <p:spTgt spid="3">
+                                            <p:txEl>
+                                              <p:pRg st="2" end="2"/>
+                                            </p:txEl>
+                                          </p:spTgt>
+                                        </p:tgtEl>
+                                        <p:attrNameLst>
+                                          <p:attrName>ppt_w</p:attrName>
+                                        </p:attrNameLst>
+                                      </p:cBhvr>
+                                      <p:tavLst>
+                                        <p:tav tm="0">
+                                          <p:val>
+                                            <p:strVal val="#ppt_w"/>
+                                          </p:val>
+                                        </p:tav>
+                                        <p:tav tm="100000">
+                                          <p:val>
+                                            <p:strVal val="#ppt_w*.05"/>
+                                          </p:val>
+                                        </p:tav>
+                                      </p:tavLst>
+                                    </p:anim>
+                                    <p:anim calcmode="lin" valueType="num">
+                                      <p:cBhvr>
+                                        <p:cTn id="25" dur="500" accel="50000" fill="hold">
+                                          <p:stCondLst>
+                                            <p:cond delay="500"/>
+                                          </p:stCondLst>
+                                        </p:cTn>
+                                        <p:tgtEl>
+                                          <p:spTgt spid="3">
+                                            <p:txEl>
+                                              <p:pRg st="2" end="2"/>
+                                            </p:txEl>
+                                          </p:spTgt>
+                                        </p:tgtEl>
+                                        <p:attrNameLst>
+                                          <p:attrName>ppt_w</p:attrName>
+                                        </p:attrNameLst>
+                                      </p:cBhvr>
+                                      <p:tavLst>
+                                        <p:tav tm="0">
+                                          <p:val>
+                                            <p:strVal val="#ppt_w*.05"/>
+                                          </p:val>
+                                        </p:tav>
+                                        <p:tav tm="100000">
+                                          <p:val>
+                                            <p:strVal val="#ppt_w"/>
+                                          </p:val>
+                                        </p:tav>
+                                      </p:tavLst>
+                                    </p:anim>
+                                    <p:anim calcmode="lin" valueType="num">
+                                      <p:cBhvr>
+                                        <p:cTn id="26" dur="1000" fill="hold"/>
+                                        <p:tgtEl>
+                                          <p:spTgt spid="3">
+                                            <p:txEl>
+                                              <p:pRg st="2" end="2"/>
+                                            </p:txEl>
+                                          </p:spTgt>
+                                        </p:tgtEl>
+                                        <p:attrNameLst>
+                                          <p:attrName>ppt_h</p:attrName>
+                                        </p:attrNameLst>
+                                      </p:cBhvr>
+                                      <p:tavLst>
+                                        <p:tav tm="0">
+                                          <p:val>
+                                            <p:strVal val="#ppt_h"/>
+                                          </p:val>
+                                        </p:tav>
+                                        <p:tav tm="100000">
+                                          <p:val>
+                                            <p:strVal val="#ppt_h"/>
+                                          </p:val>
+                                        </p:tav>
+                                      </p:tavLst>
+                                    </p:anim>
+                                    <p:anim calcmode="lin" valueType="num">
+                                      <p:cBhvr>
+                                        <p:cTn id="27" dur="500" decel="50000" fill="hold">
+                                          <p:stCondLst>
+                                            <p:cond delay="0"/>
+                                          </p:stCondLst>
+                                        </p:cTn>
+                                        <p:tgtEl>
+                                          <p:spTgt spid="3">
+                                            <p:txEl>
+                                              <p:pRg st="2" end="2"/>
+                                            </p:txEl>
+                                          </p:spTgt>
+                                        </p:tgtEl>
+                                        <p:attrNameLst>
+                                          <p:attrName>ppt_x</p:attrName>
+                                        </p:attrNameLst>
+                                      </p:cBhvr>
+                                      <p:tavLst>
+                                        <p:tav tm="0">
+                                          <p:val>
+                                            <p:strVal val="#ppt_x+.4"/>
+                                          </p:val>
+                                        </p:tav>
+                                        <p:tav tm="100000">
+                                          <p:val>
+                                            <p:strVal val="#ppt_x"/>
+                                          </p:val>
+                                        </p:tav>
+                                      </p:tavLst>
+                                    </p:anim>
+                                    <p:anim calcmode="lin" valueType="num">
+                                      <p:cBhvr>
+                                        <p:cTn id="28" dur="500" decel="50000" fill="hold">
+                                          <p:stCondLst>
+                                            <p:cond delay="0"/>
+                                          </p:stCondLst>
+                                        </p:cTn>
+                                        <p:tgtEl>
+                                          <p:spTgt spid="3">
+                                            <p:txEl>
+                                              <p:pRg st="2" end="2"/>
+                                            </p:txEl>
+                                          </p:spTgt>
+                                        </p:tgtEl>
+                                        <p:attrNameLst>
+                                          <p:attrName>ppt_y</p:attrName>
+                                        </p:attrNameLst>
+                                      </p:cBhvr>
+                                      <p:tavLst>
+                                        <p:tav tm="0">
+                                          <p:val>
+                                            <p:strVal val="#ppt_y-.2"/>
+                                          </p:val>
+                                        </p:tav>
+                                        <p:tav tm="100000">
+                                          <p:val>
+                                            <p:strVal val="#ppt_y+.1"/>
+                                          </p:val>
+                                        </p:tav>
+                                      </p:tavLst>
+                                    </p:anim>
+                                    <p:anim calcmode="lin" valueType="num">
+                                      <p:cBhvr>
+                                        <p:cTn id="29" dur="500" accel="50000" fill="hold">
+                                          <p:stCondLst>
+                                            <p:cond delay="500"/>
+                                          </p:stCondLst>
+                                        </p:cTn>
+                                        <p:tgtEl>
+                                          <p:spTgt spid="3">
+                                            <p:txEl>
+                                              <p:pRg st="2" end="2"/>
+                                            </p:txEl>
+                                          </p:spTgt>
+                                        </p:tgtEl>
+                                        <p:attrNameLst>
+                                          <p:attrName>ppt_y</p:attrName>
+                                        </p:attrNameLst>
+                                      </p:cBhvr>
+                                      <p:tavLst>
+                                        <p:tav tm="0">
+                                          <p:val>
+                                            <p:strVal val="#ppt_y+.1"/>
+                                          </p:val>
+                                        </p:tav>
+                                        <p:tav tm="100000">
+                                          <p:val>
+                                            <p:strVal val="#ppt_y"/>
+                                          </p:val>
+                                        </p:tav>
+                                      </p:tavLst>
+                                    </p:anim>
+                                    <p:animEffect transition="in" filter="fade">
+                                      <p:cBhvr>
+                                        <p:cTn id="30" dur="1000" decel="50000">
+                                          <p:stCondLst>
+                                            <p:cond delay="0"/>
+                                          </p:stCondLst>
+                                        </p:cTn>
+                                        <p:tgtEl>
+                                          <p:spTgt spid="3">
+                                            <p:txEl>
+                                              <p:pRg st="2" end="2"/>
+                                            </p:txEl>
+                                          </p:spTgt>
+                                        </p:tgtEl>
+                                      </p:cBhvr>
+                                    </p:animEffect>
+                                  </p:childTnLst>
+                                </p:cTn>
+                              </p:par>
+                              <p:par>
+                                <p:cTn id="31" presetID="25" presetClass="entr" presetSubtype="0" fill="hold" nodeType="withEffect">
+                                  <p:stCondLst>
+                                    <p:cond delay="0"/>
+                                  </p:stCondLst>
+                                  <p:childTnLst>
+                                    <p:set>
+                                      <p:cBhvr>
+                                        <p:cTn id="32" dur="1" fill="hold">
+                                          <p:stCondLst>
+                                            <p:cond delay="0"/>
+                                          </p:stCondLst>
+                                        </p:cTn>
+                                        <p:tgtEl>
+                                          <p:spTgt spid="3">
+                                            <p:txEl>
+                                              <p:pRg st="4" end="4"/>
+                                            </p:txEl>
+                                          </p:spTgt>
+                                        </p:tgtEl>
+                                        <p:attrNameLst>
+                                          <p:attrName>style.visibility</p:attrName>
+                                        </p:attrNameLst>
+                                      </p:cBhvr>
+                                      <p:to>
+                                        <p:strVal val="visible"/>
+                                      </p:to>
+                                    </p:set>
+                                    <p:anim calcmode="lin" valueType="num">
+                                      <p:cBhvr>
+                                        <p:cTn id="33" dur="500" decel="50000" fill="hold">
+                                          <p:stCondLst>
+                                            <p:cond delay="0"/>
+                                          </p:stCondLst>
+                                        </p:cTn>
+                                        <p:tgtEl>
+                                          <p:spTgt spid="3">
+                                            <p:txEl>
+                                              <p:pRg st="4" end="4"/>
+                                            </p:txEl>
+                                          </p:spTgt>
+                                        </p:tgtEl>
+                                        <p:attrNameLst>
+                                          <p:attrName>style.rotation</p:attrName>
+                                        </p:attrNameLst>
+                                      </p:cBhvr>
+                                      <p:tavLst>
+                                        <p:tav tm="0">
+                                          <p:val>
+                                            <p:fltVal val="-90"/>
+                                          </p:val>
+                                        </p:tav>
+                                        <p:tav tm="100000">
+                                          <p:val>
+                                            <p:fltVal val="0"/>
+                                          </p:val>
+                                        </p:tav>
+                                      </p:tavLst>
+                                    </p:anim>
+                                    <p:anim calcmode="lin" valueType="num">
+                                      <p:cBhvr>
+                                        <p:cTn id="34" dur="500" decel="50000" fill="hold">
+                                          <p:stCondLst>
+                                            <p:cond delay="0"/>
+                                          </p:stCondLst>
+                                        </p:cTn>
+                                        <p:tgtEl>
+                                          <p:spTgt spid="3">
+                                            <p:txEl>
+                                              <p:pRg st="4" end="4"/>
+                                            </p:txEl>
+                                          </p:spTgt>
+                                        </p:tgtEl>
+                                        <p:attrNameLst>
+                                          <p:attrName>ppt_w</p:attrName>
+                                        </p:attrNameLst>
+                                      </p:cBhvr>
+                                      <p:tavLst>
+                                        <p:tav tm="0">
+                                          <p:val>
+                                            <p:strVal val="#ppt_w"/>
+                                          </p:val>
+                                        </p:tav>
+                                        <p:tav tm="100000">
+                                          <p:val>
+                                            <p:strVal val="#ppt_w*.05"/>
+                                          </p:val>
+                                        </p:tav>
+                                      </p:tavLst>
+                                    </p:anim>
+                                    <p:anim calcmode="lin" valueType="num">
+                                      <p:cBhvr>
+                                        <p:cTn id="35" dur="500" accel="50000" fill="hold">
+                                          <p:stCondLst>
+                                            <p:cond delay="500"/>
+                                          </p:stCondLst>
+                                        </p:cTn>
+                                        <p:tgtEl>
+                                          <p:spTgt spid="3">
+                                            <p:txEl>
+                                              <p:pRg st="4" end="4"/>
+                                            </p:txEl>
+                                          </p:spTgt>
+                                        </p:tgtEl>
+                                        <p:attrNameLst>
+                                          <p:attrName>ppt_w</p:attrName>
+                                        </p:attrNameLst>
+                                      </p:cBhvr>
+                                      <p:tavLst>
+                                        <p:tav tm="0">
+                                          <p:val>
+                                            <p:strVal val="#ppt_w*.05"/>
+                                          </p:val>
+                                        </p:tav>
+                                        <p:tav tm="100000">
+                                          <p:val>
+                                            <p:strVal val="#ppt_w"/>
+                                          </p:val>
+                                        </p:tav>
+                                      </p:tavLst>
+                                    </p:anim>
+                                    <p:anim calcmode="lin" valueType="num">
+                                      <p:cBhvr>
+                                        <p:cTn id="36" dur="1000" fill="hold"/>
+                                        <p:tgtEl>
+                                          <p:spTgt spid="3">
+                                            <p:txEl>
+                                              <p:pRg st="4" end="4"/>
+                                            </p:txEl>
+                                          </p:spTgt>
+                                        </p:tgtEl>
+                                        <p:attrNameLst>
+                                          <p:attrName>ppt_h</p:attrName>
+                                        </p:attrNameLst>
+                                      </p:cBhvr>
+                                      <p:tavLst>
+                                        <p:tav tm="0">
+                                          <p:val>
+                                            <p:strVal val="#ppt_h"/>
+                                          </p:val>
+                                        </p:tav>
+                                        <p:tav tm="100000">
+                                          <p:val>
+                                            <p:strVal val="#ppt_h"/>
+                                          </p:val>
+                                        </p:tav>
+                                      </p:tavLst>
+                                    </p:anim>
+                                    <p:anim calcmode="lin" valueType="num">
+                                      <p:cBhvr>
+                                        <p:cTn id="37" dur="500" decel="50000" fill="hold">
+                                          <p:stCondLst>
+                                            <p:cond delay="0"/>
+                                          </p:stCondLst>
+                                        </p:cTn>
+                                        <p:tgtEl>
+                                          <p:spTgt spid="3">
+                                            <p:txEl>
+                                              <p:pRg st="4" end="4"/>
+                                            </p:txEl>
+                                          </p:spTgt>
+                                        </p:tgtEl>
+                                        <p:attrNameLst>
+                                          <p:attrName>ppt_x</p:attrName>
+                                        </p:attrNameLst>
+                                      </p:cBhvr>
+                                      <p:tavLst>
+                                        <p:tav tm="0">
+                                          <p:val>
+                                            <p:strVal val="#ppt_x+.4"/>
+                                          </p:val>
+                                        </p:tav>
+                                        <p:tav tm="100000">
+                                          <p:val>
+                                            <p:strVal val="#ppt_x"/>
+                                          </p:val>
+                                        </p:tav>
+                                      </p:tavLst>
+                                    </p:anim>
+                                    <p:anim calcmode="lin" valueType="num">
+                                      <p:cBhvr>
+                                        <p:cTn id="38" dur="500" decel="50000" fill="hold">
+                                          <p:stCondLst>
+                                            <p:cond delay="0"/>
+                                          </p:stCondLst>
+                                        </p:cTn>
+                                        <p:tgtEl>
+                                          <p:spTgt spid="3">
+                                            <p:txEl>
+                                              <p:pRg st="4" end="4"/>
+                                            </p:txEl>
+                                          </p:spTgt>
+                                        </p:tgtEl>
+                                        <p:attrNameLst>
+                                          <p:attrName>ppt_y</p:attrName>
+                                        </p:attrNameLst>
+                                      </p:cBhvr>
+                                      <p:tavLst>
+                                        <p:tav tm="0">
+                                          <p:val>
+                                            <p:strVal val="#ppt_y-.2"/>
+                                          </p:val>
+                                        </p:tav>
+                                        <p:tav tm="100000">
+                                          <p:val>
+                                            <p:strVal val="#ppt_y+.1"/>
+                                          </p:val>
+                                        </p:tav>
+                                      </p:tavLst>
+                                    </p:anim>
+                                    <p:anim calcmode="lin" valueType="num">
+                                      <p:cBhvr>
+                                        <p:cTn id="39" dur="500" accel="50000" fill="hold">
+                                          <p:stCondLst>
+                                            <p:cond delay="500"/>
+                                          </p:stCondLst>
+                                        </p:cTn>
+                                        <p:tgtEl>
+                                          <p:spTgt spid="3">
+                                            <p:txEl>
+                                              <p:pRg st="4" end="4"/>
+                                            </p:txEl>
+                                          </p:spTgt>
+                                        </p:tgtEl>
+                                        <p:attrNameLst>
+                                          <p:attrName>ppt_y</p:attrName>
+                                        </p:attrNameLst>
+                                      </p:cBhvr>
+                                      <p:tavLst>
+                                        <p:tav tm="0">
+                                          <p:val>
+                                            <p:strVal val="#ppt_y+.1"/>
+                                          </p:val>
+                                        </p:tav>
+                                        <p:tav tm="100000">
+                                          <p:val>
+                                            <p:strVal val="#ppt_y"/>
+                                          </p:val>
+                                        </p:tav>
+                                      </p:tavLst>
+                                    </p:anim>
+                                    <p:animEffect transition="in" filter="fade">
+                                      <p:cBhvr>
+                                        <p:cTn id="40" dur="1000" decel="50000">
+                                          <p:stCondLst>
+                                            <p:cond delay="0"/>
+                                          </p:stCondLst>
+                                        </p:cTn>
+                                        <p:tgtEl>
+                                          <p:spTgt spid="3">
+                                            <p:txEl>
+                                              <p:pRg st="4" end="4"/>
+                                            </p:txEl>
+                                          </p:spTgt>
+                                        </p:tgtEl>
+                                      </p:cBhvr>
+                                    </p:animEffect>
+                                  </p:childTnLst>
+                                </p:cTn>
+                              </p:par>
+                            </p:childTnLst>
+                          </p:cTn>
+                        </p:par>
+                      </p:childTnLst>
+                    </p:cTn>
+                  </p:par>
+                </p:childTnLst>
+              </p:cTn>
+              <p:prevCondLst>
+                <p:cond evt="onPrev" delay="0">
+                  <p:tgtEl>
+                    <p:sldTgt/>
+                  </p:tgtEl>
+                </p:cond>
+              </p:prevCondLst>
+              <p:nextCondLst>
+                <p:cond evt="onNext" delay="0">
+                  <p:tgtEl>
+                    <p:sldTgt/>
+                  </p:tgtEl>
+                </p:cond>
+              </p:nextCondLst>
+            </p:seq>
+          </p:childTnLst>
+        </p:cTn>
+      </p:par>
+    </p:tnLst>
+    <p:bldLst>
+      <p:bldP spid="5" grpId="1"/>
+      <p:bldP spid="5" grpId="2"/>
+      <p:bldP spid="5" grpId="3"/>
+    </p:bldLst>
+  </p:timing>
 </p:sld>
 </file>
 
@@ -13457,13 +13785,13 @@
         <p:spPr/>
         <p:txBody>
           <a:bodyPr>
-            <a:normAutofit/>
+            <a:normAutofit lnSpcReduction="10000"/>
           </a:bodyPr>
           <a:lstStyle/>
           <a:p>
             <a:r>
               <a:rPr lang="zh-CN" altLang="en-US" sz="2000" dirty="0"/>
-              <a:t>UNIQUE唯一索引 ：不可以出现相同的值，可以有NULL值。</a:t>
+              <a:t>MySQL 事务主要用于处理操作量大，复杂度高的数据。比如说，在人员管理系统中，你删除一个人员，你即需要删除人员的基本资料，也要删除和该人员相关的信息，如信箱，文章等等，这样，这些数据库操作语句就构成一个事务！</a:t>
             </a:r>
             <a:endParaRPr lang="zh-CN" altLang="en-US" sz="2000" dirty="0"/>
           </a:p>
@@ -13476,7 +13804,14 @@
           <a:p>
             <a:r>
               <a:rPr lang="zh-CN" altLang="en-US" sz="2000" dirty="0"/>
-              <a:t>INDEX普通索引：允许出现相同的索引内容。</a:t>
+              <a:t>事务处理可以用来维护数据库的完整性，保证成批的 SQL 语句要么全部执行，要么全部不执行。</a:t>
+            </a:r>
+            <a:endParaRPr lang="zh-CN" altLang="en-US" sz="2000" dirty="0"/>
+          </a:p>
+          <a:p>
+            <a:r>
+              <a:rPr lang="zh-CN" altLang="en-US" sz="2000" dirty="0"/>
+              <a:t>事务用来管理 insert,update,delete 语句</a:t>
             </a:r>
             <a:endParaRPr lang="zh-CN" altLang="en-US" sz="2000" dirty="0"/>
           </a:p>
@@ -13489,34 +13824,8 @@
           <a:p>
             <a:r>
               <a:rPr lang="zh-CN" altLang="en-US" sz="2000" dirty="0"/>
-              <a:t>PRIMARY KEY主键索引：不允许出现相同的值，且不能为NULL值，一个表只能有一个primary_key索引。</a:t>
+              <a:t>一般来说，事务是必须满足4个条件（ACID）：原子性（Atomicity，或称不可分割性）、一致性（Consistency）、隔离性（Isolation，又称独立性）、持久性（Durability）。</a:t>
             </a:r>
-            <a:endParaRPr lang="zh-CN" altLang="en-US" sz="2000" dirty="0"/>
-          </a:p>
-          <a:p>
-            <a:pPr marL="0" indent="0">
-              <a:buNone/>
-            </a:pPr>
-            <a:endParaRPr lang="zh-CN" altLang="en-US" sz="2000" dirty="0"/>
-          </a:p>
-          <a:p>
-            <a:r>
-              <a:rPr lang="en-US" altLang="zh-CN" sz="2000" dirty="0"/>
-              <a:t>FULLTEXT INDEX</a:t>
-            </a:r>
-            <a:r>
-              <a:rPr lang="zh-CN" altLang="en-US" sz="2000" dirty="0"/>
-              <a:t>全文索引：</a:t>
-            </a:r>
-            <a:endParaRPr lang="zh-CN" altLang="en-US" sz="2000" dirty="0"/>
-          </a:p>
-          <a:p>
-            <a:pPr marL="0" indent="0">
-              <a:buNone/>
-            </a:pPr>
-            <a:endParaRPr lang="zh-CN" altLang="en-US" sz="2000" dirty="0"/>
-          </a:p>
-          <a:p>
             <a:endParaRPr lang="zh-CN" altLang="en-US" sz="2000" dirty="0"/>
           </a:p>
         </p:txBody>
@@ -13540,8 +13849,12 @@
           <a:lstStyle/>
           <a:p>
             <a:r>
+              <a:rPr lang="en-US" altLang="zh-CN" dirty="0"/>
+              <a:t>MySQL </a:t>
+            </a:r>
+            <a:r>
               <a:rPr lang="zh-CN" altLang="en-US" dirty="0"/>
-              <a:t>索引的类型和创建</a:t>
+              <a:t>事务</a:t>
             </a:r>
             <a:endParaRPr lang="zh-CN" altLang="en-US" dirty="0"/>
           </a:p>
@@ -13555,6 +13868,1190 @@
   <p:clrMapOvr>
     <a:masterClrMapping/>
   </p:clrMapOvr>
+  <p:timing>
+    <p:tnLst>
+      <p:par>
+        <p:cTn id="1" dur="indefinite" restart="never" nodeType="tmRoot">
+          <p:childTnLst>
+            <p:seq concurrent="1" nextAc="seek">
+              <p:cTn id="2" dur="indefinite" nodeType="mainSeq">
+                <p:childTnLst>
+                  <p:par>
+                    <p:cTn id="3" fill="hold">
+                      <p:stCondLst>
+                        <p:cond delay="indefinite"/>
+                      </p:stCondLst>
+                      <p:childTnLst>
+                        <p:par>
+                          <p:cTn id="4" fill="hold">
+                            <p:stCondLst>
+                              <p:cond delay="0"/>
+                            </p:stCondLst>
+                            <p:childTnLst>
+                              <p:par>
+                                <p:cTn id="5" presetID="2" presetClass="entr" presetSubtype="4" fill="hold" grpId="2" nodeType="clickEffect">
+                                  <p:stCondLst>
+                                    <p:cond delay="0"/>
+                                  </p:stCondLst>
+                                  <p:childTnLst>
+                                    <p:set>
+                                      <p:cBhvr>
+                                        <p:cTn id="6" dur="1" fill="hold">
+                                          <p:stCondLst>
+                                            <p:cond delay="0"/>
+                                          </p:stCondLst>
+                                        </p:cTn>
+                                        <p:tgtEl>
+                                          <p:spTgt spid="5"/>
+                                        </p:tgtEl>
+                                        <p:attrNameLst>
+                                          <p:attrName>style.visibility</p:attrName>
+                                        </p:attrNameLst>
+                                      </p:cBhvr>
+                                      <p:to>
+                                        <p:strVal val="visible"/>
+                                      </p:to>
+                                    </p:set>
+                                    <p:anim calcmode="lin" valueType="num">
+                                      <p:cBhvr additive="base">
+                                        <p:cTn id="7" dur="500" fill="hold"/>
+                                        <p:tgtEl>
+                                          <p:spTgt spid="5"/>
+                                        </p:tgtEl>
+                                        <p:attrNameLst>
+                                          <p:attrName>ppt_x</p:attrName>
+                                        </p:attrNameLst>
+                                      </p:cBhvr>
+                                      <p:tavLst>
+                                        <p:tav tm="0">
+                                          <p:val>
+                                            <p:strVal val="#ppt_x"/>
+                                          </p:val>
+                                        </p:tav>
+                                        <p:tav tm="100000">
+                                          <p:val>
+                                            <p:strVal val="#ppt_x"/>
+                                          </p:val>
+                                        </p:tav>
+                                      </p:tavLst>
+                                    </p:anim>
+                                    <p:anim calcmode="lin" valueType="num">
+                                      <p:cBhvr additive="base">
+                                        <p:cTn id="8" dur="500" fill="hold"/>
+                                        <p:tgtEl>
+                                          <p:spTgt spid="5"/>
+                                        </p:tgtEl>
+                                        <p:attrNameLst>
+                                          <p:attrName>ppt_y</p:attrName>
+                                        </p:attrNameLst>
+                                      </p:cBhvr>
+                                      <p:tavLst>
+                                        <p:tav tm="0">
+                                          <p:val>
+                                            <p:strVal val="1+#ppt_h/2"/>
+                                          </p:val>
+                                        </p:tav>
+                                        <p:tav tm="100000">
+                                          <p:val>
+                                            <p:strVal val="#ppt_y"/>
+                                          </p:val>
+                                        </p:tav>
+                                      </p:tavLst>
+                                    </p:anim>
+                                  </p:childTnLst>
+                                </p:cTn>
+                              </p:par>
+                            </p:childTnLst>
+                          </p:cTn>
+                        </p:par>
+                      </p:childTnLst>
+                    </p:cTn>
+                  </p:par>
+                  <p:par>
+                    <p:cTn id="9" fill="hold">
+                      <p:stCondLst>
+                        <p:cond delay="indefinite"/>
+                      </p:stCondLst>
+                      <p:childTnLst>
+                        <p:par>
+                          <p:cTn id="10" fill="hold">
+                            <p:stCondLst>
+                              <p:cond delay="0"/>
+                            </p:stCondLst>
+                            <p:childTnLst>
+                              <p:par>
+                                <p:cTn id="11" presetID="25" presetClass="entr" presetSubtype="0" fill="hold" nodeType="clickEffect">
+                                  <p:stCondLst>
+                                    <p:cond delay="0"/>
+                                  </p:stCondLst>
+                                  <p:childTnLst>
+                                    <p:set>
+                                      <p:cBhvr>
+                                        <p:cTn id="12" dur="1" fill="hold">
+                                          <p:stCondLst>
+                                            <p:cond delay="0"/>
+                                          </p:stCondLst>
+                                        </p:cTn>
+                                        <p:tgtEl>
+                                          <p:spTgt spid="3">
+                                            <p:txEl>
+                                              <p:pRg st="0" end="0"/>
+                                            </p:txEl>
+                                          </p:spTgt>
+                                        </p:tgtEl>
+                                        <p:attrNameLst>
+                                          <p:attrName>style.visibility</p:attrName>
+                                        </p:attrNameLst>
+                                      </p:cBhvr>
+                                      <p:to>
+                                        <p:strVal val="visible"/>
+                                      </p:to>
+                                    </p:set>
+                                    <p:anim calcmode="lin" valueType="num">
+                                      <p:cBhvr>
+                                        <p:cTn id="13" dur="500" decel="50000" fill="hold">
+                                          <p:stCondLst>
+                                            <p:cond delay="0"/>
+                                          </p:stCondLst>
+                                        </p:cTn>
+                                        <p:tgtEl>
+                                          <p:spTgt spid="3">
+                                            <p:txEl>
+                                              <p:pRg st="0" end="0"/>
+                                            </p:txEl>
+                                          </p:spTgt>
+                                        </p:tgtEl>
+                                        <p:attrNameLst>
+                                          <p:attrName>style.rotation</p:attrName>
+                                        </p:attrNameLst>
+                                      </p:cBhvr>
+                                      <p:tavLst>
+                                        <p:tav tm="0">
+                                          <p:val>
+                                            <p:fltVal val="-90"/>
+                                          </p:val>
+                                        </p:tav>
+                                        <p:tav tm="100000">
+                                          <p:val>
+                                            <p:fltVal val="0"/>
+                                          </p:val>
+                                        </p:tav>
+                                      </p:tavLst>
+                                    </p:anim>
+                                    <p:anim calcmode="lin" valueType="num">
+                                      <p:cBhvr>
+                                        <p:cTn id="14" dur="500" decel="50000" fill="hold">
+                                          <p:stCondLst>
+                                            <p:cond delay="0"/>
+                                          </p:stCondLst>
+                                        </p:cTn>
+                                        <p:tgtEl>
+                                          <p:spTgt spid="3">
+                                            <p:txEl>
+                                              <p:pRg st="0" end="0"/>
+                                            </p:txEl>
+                                          </p:spTgt>
+                                        </p:tgtEl>
+                                        <p:attrNameLst>
+                                          <p:attrName>ppt_w</p:attrName>
+                                        </p:attrNameLst>
+                                      </p:cBhvr>
+                                      <p:tavLst>
+                                        <p:tav tm="0">
+                                          <p:val>
+                                            <p:strVal val="#ppt_w"/>
+                                          </p:val>
+                                        </p:tav>
+                                        <p:tav tm="100000">
+                                          <p:val>
+                                            <p:strVal val="#ppt_w*.05"/>
+                                          </p:val>
+                                        </p:tav>
+                                      </p:tavLst>
+                                    </p:anim>
+                                    <p:anim calcmode="lin" valueType="num">
+                                      <p:cBhvr>
+                                        <p:cTn id="15" dur="500" accel="50000" fill="hold">
+                                          <p:stCondLst>
+                                            <p:cond delay="500"/>
+                                          </p:stCondLst>
+                                        </p:cTn>
+                                        <p:tgtEl>
+                                          <p:spTgt spid="3">
+                                            <p:txEl>
+                                              <p:pRg st="0" end="0"/>
+                                            </p:txEl>
+                                          </p:spTgt>
+                                        </p:tgtEl>
+                                        <p:attrNameLst>
+                                          <p:attrName>ppt_w</p:attrName>
+                                        </p:attrNameLst>
+                                      </p:cBhvr>
+                                      <p:tavLst>
+                                        <p:tav tm="0">
+                                          <p:val>
+                                            <p:strVal val="#ppt_w*.05"/>
+                                          </p:val>
+                                        </p:tav>
+                                        <p:tav tm="100000">
+                                          <p:val>
+                                            <p:strVal val="#ppt_w"/>
+                                          </p:val>
+                                        </p:tav>
+                                      </p:tavLst>
+                                    </p:anim>
+                                    <p:anim calcmode="lin" valueType="num">
+                                      <p:cBhvr>
+                                        <p:cTn id="16" dur="1000" fill="hold"/>
+                                        <p:tgtEl>
+                                          <p:spTgt spid="3">
+                                            <p:txEl>
+                                              <p:pRg st="0" end="0"/>
+                                            </p:txEl>
+                                          </p:spTgt>
+                                        </p:tgtEl>
+                                        <p:attrNameLst>
+                                          <p:attrName>ppt_h</p:attrName>
+                                        </p:attrNameLst>
+                                      </p:cBhvr>
+                                      <p:tavLst>
+                                        <p:tav tm="0">
+                                          <p:val>
+                                            <p:strVal val="#ppt_h"/>
+                                          </p:val>
+                                        </p:tav>
+                                        <p:tav tm="100000">
+                                          <p:val>
+                                            <p:strVal val="#ppt_h"/>
+                                          </p:val>
+                                        </p:tav>
+                                      </p:tavLst>
+                                    </p:anim>
+                                    <p:anim calcmode="lin" valueType="num">
+                                      <p:cBhvr>
+                                        <p:cTn id="17" dur="500" decel="50000" fill="hold">
+                                          <p:stCondLst>
+                                            <p:cond delay="0"/>
+                                          </p:stCondLst>
+                                        </p:cTn>
+                                        <p:tgtEl>
+                                          <p:spTgt spid="3">
+                                            <p:txEl>
+                                              <p:pRg st="0" end="0"/>
+                                            </p:txEl>
+                                          </p:spTgt>
+                                        </p:tgtEl>
+                                        <p:attrNameLst>
+                                          <p:attrName>ppt_x</p:attrName>
+                                        </p:attrNameLst>
+                                      </p:cBhvr>
+                                      <p:tavLst>
+                                        <p:tav tm="0">
+                                          <p:val>
+                                            <p:strVal val="#ppt_x+.4"/>
+                                          </p:val>
+                                        </p:tav>
+                                        <p:tav tm="100000">
+                                          <p:val>
+                                            <p:strVal val="#ppt_x"/>
+                                          </p:val>
+                                        </p:tav>
+                                      </p:tavLst>
+                                    </p:anim>
+                                    <p:anim calcmode="lin" valueType="num">
+                                      <p:cBhvr>
+                                        <p:cTn id="18" dur="500" decel="50000" fill="hold">
+                                          <p:stCondLst>
+                                            <p:cond delay="0"/>
+                                          </p:stCondLst>
+                                        </p:cTn>
+                                        <p:tgtEl>
+                                          <p:spTgt spid="3">
+                                            <p:txEl>
+                                              <p:pRg st="0" end="0"/>
+                                            </p:txEl>
+                                          </p:spTgt>
+                                        </p:tgtEl>
+                                        <p:attrNameLst>
+                                          <p:attrName>ppt_y</p:attrName>
+                                        </p:attrNameLst>
+                                      </p:cBhvr>
+                                      <p:tavLst>
+                                        <p:tav tm="0">
+                                          <p:val>
+                                            <p:strVal val="#ppt_y-.2"/>
+                                          </p:val>
+                                        </p:tav>
+                                        <p:tav tm="100000">
+                                          <p:val>
+                                            <p:strVal val="#ppt_y+.1"/>
+                                          </p:val>
+                                        </p:tav>
+                                      </p:tavLst>
+                                    </p:anim>
+                                    <p:anim calcmode="lin" valueType="num">
+                                      <p:cBhvr>
+                                        <p:cTn id="19" dur="500" accel="50000" fill="hold">
+                                          <p:stCondLst>
+                                            <p:cond delay="500"/>
+                                          </p:stCondLst>
+                                        </p:cTn>
+                                        <p:tgtEl>
+                                          <p:spTgt spid="3">
+                                            <p:txEl>
+                                              <p:pRg st="0" end="0"/>
+                                            </p:txEl>
+                                          </p:spTgt>
+                                        </p:tgtEl>
+                                        <p:attrNameLst>
+                                          <p:attrName>ppt_y</p:attrName>
+                                        </p:attrNameLst>
+                                      </p:cBhvr>
+                                      <p:tavLst>
+                                        <p:tav tm="0">
+                                          <p:val>
+                                            <p:strVal val="#ppt_y+.1"/>
+                                          </p:val>
+                                        </p:tav>
+                                        <p:tav tm="100000">
+                                          <p:val>
+                                            <p:strVal val="#ppt_y"/>
+                                          </p:val>
+                                        </p:tav>
+                                      </p:tavLst>
+                                    </p:anim>
+                                    <p:animEffect transition="in" filter="fade">
+                                      <p:cBhvr>
+                                        <p:cTn id="20" dur="1000" decel="50000">
+                                          <p:stCondLst>
+                                            <p:cond delay="0"/>
+                                          </p:stCondLst>
+                                        </p:cTn>
+                                        <p:tgtEl>
+                                          <p:spTgt spid="3">
+                                            <p:txEl>
+                                              <p:pRg st="0" end="0"/>
+                                            </p:txEl>
+                                          </p:spTgt>
+                                        </p:tgtEl>
+                                      </p:cBhvr>
+                                    </p:animEffect>
+                                  </p:childTnLst>
+                                </p:cTn>
+                              </p:par>
+                              <p:par>
+                                <p:cTn id="21" presetID="25" presetClass="entr" presetSubtype="0" fill="hold" nodeType="withEffect">
+                                  <p:stCondLst>
+                                    <p:cond delay="0"/>
+                                  </p:stCondLst>
+                                  <p:childTnLst>
+                                    <p:set>
+                                      <p:cBhvr>
+                                        <p:cTn id="22" dur="1" fill="hold">
+                                          <p:stCondLst>
+                                            <p:cond delay="0"/>
+                                          </p:stCondLst>
+                                        </p:cTn>
+                                        <p:tgtEl>
+                                          <p:spTgt spid="3">
+                                            <p:txEl>
+                                              <p:pRg st="2" end="2"/>
+                                            </p:txEl>
+                                          </p:spTgt>
+                                        </p:tgtEl>
+                                        <p:attrNameLst>
+                                          <p:attrName>style.visibility</p:attrName>
+                                        </p:attrNameLst>
+                                      </p:cBhvr>
+                                      <p:to>
+                                        <p:strVal val="visible"/>
+                                      </p:to>
+                                    </p:set>
+                                    <p:anim calcmode="lin" valueType="num">
+                                      <p:cBhvr>
+                                        <p:cTn id="23" dur="500" decel="50000" fill="hold">
+                                          <p:stCondLst>
+                                            <p:cond delay="0"/>
+                                          </p:stCondLst>
+                                        </p:cTn>
+                                        <p:tgtEl>
+                                          <p:spTgt spid="3">
+                                            <p:txEl>
+                                              <p:pRg st="2" end="2"/>
+                                            </p:txEl>
+                                          </p:spTgt>
+                                        </p:tgtEl>
+                                        <p:attrNameLst>
+                                          <p:attrName>style.rotation</p:attrName>
+                                        </p:attrNameLst>
+                                      </p:cBhvr>
+                                      <p:tavLst>
+                                        <p:tav tm="0">
+                                          <p:val>
+                                            <p:fltVal val="-90"/>
+                                          </p:val>
+                                        </p:tav>
+                                        <p:tav tm="100000">
+                                          <p:val>
+                                            <p:fltVal val="0"/>
+                                          </p:val>
+                                        </p:tav>
+                                      </p:tavLst>
+                                    </p:anim>
+                                    <p:anim calcmode="lin" valueType="num">
+                                      <p:cBhvr>
+                                        <p:cTn id="24" dur="500" decel="50000" fill="hold">
+                                          <p:stCondLst>
+                                            <p:cond delay="0"/>
+                                          </p:stCondLst>
+                                        </p:cTn>
+                                        <p:tgtEl>
+                                          <p:spTgt spid="3">
+                                            <p:txEl>
+                                              <p:pRg st="2" end="2"/>
+                                            </p:txEl>
+                                          </p:spTgt>
+                                        </p:tgtEl>
+                                        <p:attrNameLst>
+                                          <p:attrName>ppt_w</p:attrName>
+                                        </p:attrNameLst>
+                                      </p:cBhvr>
+                                      <p:tavLst>
+                                        <p:tav tm="0">
+                                          <p:val>
+                                            <p:strVal val="#ppt_w"/>
+                                          </p:val>
+                                        </p:tav>
+                                        <p:tav tm="100000">
+                                          <p:val>
+                                            <p:strVal val="#ppt_w*.05"/>
+                                          </p:val>
+                                        </p:tav>
+                                      </p:tavLst>
+                                    </p:anim>
+                                    <p:anim calcmode="lin" valueType="num">
+                                      <p:cBhvr>
+                                        <p:cTn id="25" dur="500" accel="50000" fill="hold">
+                                          <p:stCondLst>
+                                            <p:cond delay="500"/>
+                                          </p:stCondLst>
+                                        </p:cTn>
+                                        <p:tgtEl>
+                                          <p:spTgt spid="3">
+                                            <p:txEl>
+                                              <p:pRg st="2" end="2"/>
+                                            </p:txEl>
+                                          </p:spTgt>
+                                        </p:tgtEl>
+                                        <p:attrNameLst>
+                                          <p:attrName>ppt_w</p:attrName>
+                                        </p:attrNameLst>
+                                      </p:cBhvr>
+                                      <p:tavLst>
+                                        <p:tav tm="0">
+                                          <p:val>
+                                            <p:strVal val="#ppt_w*.05"/>
+                                          </p:val>
+                                        </p:tav>
+                                        <p:tav tm="100000">
+                                          <p:val>
+                                            <p:strVal val="#ppt_w"/>
+                                          </p:val>
+                                        </p:tav>
+                                      </p:tavLst>
+                                    </p:anim>
+                                    <p:anim calcmode="lin" valueType="num">
+                                      <p:cBhvr>
+                                        <p:cTn id="26" dur="1000" fill="hold"/>
+                                        <p:tgtEl>
+                                          <p:spTgt spid="3">
+                                            <p:txEl>
+                                              <p:pRg st="2" end="2"/>
+                                            </p:txEl>
+                                          </p:spTgt>
+                                        </p:tgtEl>
+                                        <p:attrNameLst>
+                                          <p:attrName>ppt_h</p:attrName>
+                                        </p:attrNameLst>
+                                      </p:cBhvr>
+                                      <p:tavLst>
+                                        <p:tav tm="0">
+                                          <p:val>
+                                            <p:strVal val="#ppt_h"/>
+                                          </p:val>
+                                        </p:tav>
+                                        <p:tav tm="100000">
+                                          <p:val>
+                                            <p:strVal val="#ppt_h"/>
+                                          </p:val>
+                                        </p:tav>
+                                      </p:tavLst>
+                                    </p:anim>
+                                    <p:anim calcmode="lin" valueType="num">
+                                      <p:cBhvr>
+                                        <p:cTn id="27" dur="500" decel="50000" fill="hold">
+                                          <p:stCondLst>
+                                            <p:cond delay="0"/>
+                                          </p:stCondLst>
+                                        </p:cTn>
+                                        <p:tgtEl>
+                                          <p:spTgt spid="3">
+                                            <p:txEl>
+                                              <p:pRg st="2" end="2"/>
+                                            </p:txEl>
+                                          </p:spTgt>
+                                        </p:tgtEl>
+                                        <p:attrNameLst>
+                                          <p:attrName>ppt_x</p:attrName>
+                                        </p:attrNameLst>
+                                      </p:cBhvr>
+                                      <p:tavLst>
+                                        <p:tav tm="0">
+                                          <p:val>
+                                            <p:strVal val="#ppt_x+.4"/>
+                                          </p:val>
+                                        </p:tav>
+                                        <p:tav tm="100000">
+                                          <p:val>
+                                            <p:strVal val="#ppt_x"/>
+                                          </p:val>
+                                        </p:tav>
+                                      </p:tavLst>
+                                    </p:anim>
+                                    <p:anim calcmode="lin" valueType="num">
+                                      <p:cBhvr>
+                                        <p:cTn id="28" dur="500" decel="50000" fill="hold">
+                                          <p:stCondLst>
+                                            <p:cond delay="0"/>
+                                          </p:stCondLst>
+                                        </p:cTn>
+                                        <p:tgtEl>
+                                          <p:spTgt spid="3">
+                                            <p:txEl>
+                                              <p:pRg st="2" end="2"/>
+                                            </p:txEl>
+                                          </p:spTgt>
+                                        </p:tgtEl>
+                                        <p:attrNameLst>
+                                          <p:attrName>ppt_y</p:attrName>
+                                        </p:attrNameLst>
+                                      </p:cBhvr>
+                                      <p:tavLst>
+                                        <p:tav tm="0">
+                                          <p:val>
+                                            <p:strVal val="#ppt_y-.2"/>
+                                          </p:val>
+                                        </p:tav>
+                                        <p:tav tm="100000">
+                                          <p:val>
+                                            <p:strVal val="#ppt_y+.1"/>
+                                          </p:val>
+                                        </p:tav>
+                                      </p:tavLst>
+                                    </p:anim>
+                                    <p:anim calcmode="lin" valueType="num">
+                                      <p:cBhvr>
+                                        <p:cTn id="29" dur="500" accel="50000" fill="hold">
+                                          <p:stCondLst>
+                                            <p:cond delay="500"/>
+                                          </p:stCondLst>
+                                        </p:cTn>
+                                        <p:tgtEl>
+                                          <p:spTgt spid="3">
+                                            <p:txEl>
+                                              <p:pRg st="2" end="2"/>
+                                            </p:txEl>
+                                          </p:spTgt>
+                                        </p:tgtEl>
+                                        <p:attrNameLst>
+                                          <p:attrName>ppt_y</p:attrName>
+                                        </p:attrNameLst>
+                                      </p:cBhvr>
+                                      <p:tavLst>
+                                        <p:tav tm="0">
+                                          <p:val>
+                                            <p:strVal val="#ppt_y+.1"/>
+                                          </p:val>
+                                        </p:tav>
+                                        <p:tav tm="100000">
+                                          <p:val>
+                                            <p:strVal val="#ppt_y"/>
+                                          </p:val>
+                                        </p:tav>
+                                      </p:tavLst>
+                                    </p:anim>
+                                    <p:animEffect transition="in" filter="fade">
+                                      <p:cBhvr>
+                                        <p:cTn id="30" dur="1000" decel="50000">
+                                          <p:stCondLst>
+                                            <p:cond delay="0"/>
+                                          </p:stCondLst>
+                                        </p:cTn>
+                                        <p:tgtEl>
+                                          <p:spTgt spid="3">
+                                            <p:txEl>
+                                              <p:pRg st="2" end="2"/>
+                                            </p:txEl>
+                                          </p:spTgt>
+                                        </p:tgtEl>
+                                      </p:cBhvr>
+                                    </p:animEffect>
+                                  </p:childTnLst>
+                                </p:cTn>
+                              </p:par>
+                              <p:par>
+                                <p:cTn id="31" presetID="25" presetClass="entr" presetSubtype="0" fill="hold" nodeType="withEffect">
+                                  <p:stCondLst>
+                                    <p:cond delay="0"/>
+                                  </p:stCondLst>
+                                  <p:childTnLst>
+                                    <p:set>
+                                      <p:cBhvr>
+                                        <p:cTn id="32" dur="1" fill="hold">
+                                          <p:stCondLst>
+                                            <p:cond delay="0"/>
+                                          </p:stCondLst>
+                                        </p:cTn>
+                                        <p:tgtEl>
+                                          <p:spTgt spid="3">
+                                            <p:txEl>
+                                              <p:pRg st="3" end="3"/>
+                                            </p:txEl>
+                                          </p:spTgt>
+                                        </p:tgtEl>
+                                        <p:attrNameLst>
+                                          <p:attrName>style.visibility</p:attrName>
+                                        </p:attrNameLst>
+                                      </p:cBhvr>
+                                      <p:to>
+                                        <p:strVal val="visible"/>
+                                      </p:to>
+                                    </p:set>
+                                    <p:anim calcmode="lin" valueType="num">
+                                      <p:cBhvr>
+                                        <p:cTn id="33" dur="500" decel="50000" fill="hold">
+                                          <p:stCondLst>
+                                            <p:cond delay="0"/>
+                                          </p:stCondLst>
+                                        </p:cTn>
+                                        <p:tgtEl>
+                                          <p:spTgt spid="3">
+                                            <p:txEl>
+                                              <p:pRg st="3" end="3"/>
+                                            </p:txEl>
+                                          </p:spTgt>
+                                        </p:tgtEl>
+                                        <p:attrNameLst>
+                                          <p:attrName>style.rotation</p:attrName>
+                                        </p:attrNameLst>
+                                      </p:cBhvr>
+                                      <p:tavLst>
+                                        <p:tav tm="0">
+                                          <p:val>
+                                            <p:fltVal val="-90"/>
+                                          </p:val>
+                                        </p:tav>
+                                        <p:tav tm="100000">
+                                          <p:val>
+                                            <p:fltVal val="0"/>
+                                          </p:val>
+                                        </p:tav>
+                                      </p:tavLst>
+                                    </p:anim>
+                                    <p:anim calcmode="lin" valueType="num">
+                                      <p:cBhvr>
+                                        <p:cTn id="34" dur="500" decel="50000" fill="hold">
+                                          <p:stCondLst>
+                                            <p:cond delay="0"/>
+                                          </p:stCondLst>
+                                        </p:cTn>
+                                        <p:tgtEl>
+                                          <p:spTgt spid="3">
+                                            <p:txEl>
+                                              <p:pRg st="3" end="3"/>
+                                            </p:txEl>
+                                          </p:spTgt>
+                                        </p:tgtEl>
+                                        <p:attrNameLst>
+                                          <p:attrName>ppt_w</p:attrName>
+                                        </p:attrNameLst>
+                                      </p:cBhvr>
+                                      <p:tavLst>
+                                        <p:tav tm="0">
+                                          <p:val>
+                                            <p:strVal val="#ppt_w"/>
+                                          </p:val>
+                                        </p:tav>
+                                        <p:tav tm="100000">
+                                          <p:val>
+                                            <p:strVal val="#ppt_w*.05"/>
+                                          </p:val>
+                                        </p:tav>
+                                      </p:tavLst>
+                                    </p:anim>
+                                    <p:anim calcmode="lin" valueType="num">
+                                      <p:cBhvr>
+                                        <p:cTn id="35" dur="500" accel="50000" fill="hold">
+                                          <p:stCondLst>
+                                            <p:cond delay="500"/>
+                                          </p:stCondLst>
+                                        </p:cTn>
+                                        <p:tgtEl>
+                                          <p:spTgt spid="3">
+                                            <p:txEl>
+                                              <p:pRg st="3" end="3"/>
+                                            </p:txEl>
+                                          </p:spTgt>
+                                        </p:tgtEl>
+                                        <p:attrNameLst>
+                                          <p:attrName>ppt_w</p:attrName>
+                                        </p:attrNameLst>
+                                      </p:cBhvr>
+                                      <p:tavLst>
+                                        <p:tav tm="0">
+                                          <p:val>
+                                            <p:strVal val="#ppt_w*.05"/>
+                                          </p:val>
+                                        </p:tav>
+                                        <p:tav tm="100000">
+                                          <p:val>
+                                            <p:strVal val="#ppt_w"/>
+                                          </p:val>
+                                        </p:tav>
+                                      </p:tavLst>
+                                    </p:anim>
+                                    <p:anim calcmode="lin" valueType="num">
+                                      <p:cBhvr>
+                                        <p:cTn id="36" dur="1000" fill="hold"/>
+                                        <p:tgtEl>
+                                          <p:spTgt spid="3">
+                                            <p:txEl>
+                                              <p:pRg st="3" end="3"/>
+                                            </p:txEl>
+                                          </p:spTgt>
+                                        </p:tgtEl>
+                                        <p:attrNameLst>
+                                          <p:attrName>ppt_h</p:attrName>
+                                        </p:attrNameLst>
+                                      </p:cBhvr>
+                                      <p:tavLst>
+                                        <p:tav tm="0">
+                                          <p:val>
+                                            <p:strVal val="#ppt_h"/>
+                                          </p:val>
+                                        </p:tav>
+                                        <p:tav tm="100000">
+                                          <p:val>
+                                            <p:strVal val="#ppt_h"/>
+                                          </p:val>
+                                        </p:tav>
+                                      </p:tavLst>
+                                    </p:anim>
+                                    <p:anim calcmode="lin" valueType="num">
+                                      <p:cBhvr>
+                                        <p:cTn id="37" dur="500" decel="50000" fill="hold">
+                                          <p:stCondLst>
+                                            <p:cond delay="0"/>
+                                          </p:stCondLst>
+                                        </p:cTn>
+                                        <p:tgtEl>
+                                          <p:spTgt spid="3">
+                                            <p:txEl>
+                                              <p:pRg st="3" end="3"/>
+                                            </p:txEl>
+                                          </p:spTgt>
+                                        </p:tgtEl>
+                                        <p:attrNameLst>
+                                          <p:attrName>ppt_x</p:attrName>
+                                        </p:attrNameLst>
+                                      </p:cBhvr>
+                                      <p:tavLst>
+                                        <p:tav tm="0">
+                                          <p:val>
+                                            <p:strVal val="#ppt_x+.4"/>
+                                          </p:val>
+                                        </p:tav>
+                                        <p:tav tm="100000">
+                                          <p:val>
+                                            <p:strVal val="#ppt_x"/>
+                                          </p:val>
+                                        </p:tav>
+                                      </p:tavLst>
+                                    </p:anim>
+                                    <p:anim calcmode="lin" valueType="num">
+                                      <p:cBhvr>
+                                        <p:cTn id="38" dur="500" decel="50000" fill="hold">
+                                          <p:stCondLst>
+                                            <p:cond delay="0"/>
+                                          </p:stCondLst>
+                                        </p:cTn>
+                                        <p:tgtEl>
+                                          <p:spTgt spid="3">
+                                            <p:txEl>
+                                              <p:pRg st="3" end="3"/>
+                                            </p:txEl>
+                                          </p:spTgt>
+                                        </p:tgtEl>
+                                        <p:attrNameLst>
+                                          <p:attrName>ppt_y</p:attrName>
+                                        </p:attrNameLst>
+                                      </p:cBhvr>
+                                      <p:tavLst>
+                                        <p:tav tm="0">
+                                          <p:val>
+                                            <p:strVal val="#ppt_y-.2"/>
+                                          </p:val>
+                                        </p:tav>
+                                        <p:tav tm="100000">
+                                          <p:val>
+                                            <p:strVal val="#ppt_y+.1"/>
+                                          </p:val>
+                                        </p:tav>
+                                      </p:tavLst>
+                                    </p:anim>
+                                    <p:anim calcmode="lin" valueType="num">
+                                      <p:cBhvr>
+                                        <p:cTn id="39" dur="500" accel="50000" fill="hold">
+                                          <p:stCondLst>
+                                            <p:cond delay="500"/>
+                                          </p:stCondLst>
+                                        </p:cTn>
+                                        <p:tgtEl>
+                                          <p:spTgt spid="3">
+                                            <p:txEl>
+                                              <p:pRg st="3" end="3"/>
+                                            </p:txEl>
+                                          </p:spTgt>
+                                        </p:tgtEl>
+                                        <p:attrNameLst>
+                                          <p:attrName>ppt_y</p:attrName>
+                                        </p:attrNameLst>
+                                      </p:cBhvr>
+                                      <p:tavLst>
+                                        <p:tav tm="0">
+                                          <p:val>
+                                            <p:strVal val="#ppt_y+.1"/>
+                                          </p:val>
+                                        </p:tav>
+                                        <p:tav tm="100000">
+                                          <p:val>
+                                            <p:strVal val="#ppt_y"/>
+                                          </p:val>
+                                        </p:tav>
+                                      </p:tavLst>
+                                    </p:anim>
+                                    <p:animEffect transition="in" filter="fade">
+                                      <p:cBhvr>
+                                        <p:cTn id="40" dur="1000" decel="50000">
+                                          <p:stCondLst>
+                                            <p:cond delay="0"/>
+                                          </p:stCondLst>
+                                        </p:cTn>
+                                        <p:tgtEl>
+                                          <p:spTgt spid="3">
+                                            <p:txEl>
+                                              <p:pRg st="3" end="3"/>
+                                            </p:txEl>
+                                          </p:spTgt>
+                                        </p:tgtEl>
+                                      </p:cBhvr>
+                                    </p:animEffect>
+                                  </p:childTnLst>
+                                </p:cTn>
+                              </p:par>
+                              <p:par>
+                                <p:cTn id="41" presetID="25" presetClass="entr" presetSubtype="0" fill="hold" nodeType="withEffect">
+                                  <p:stCondLst>
+                                    <p:cond delay="0"/>
+                                  </p:stCondLst>
+                                  <p:childTnLst>
+                                    <p:set>
+                                      <p:cBhvr>
+                                        <p:cTn id="42" dur="1" fill="hold">
+                                          <p:stCondLst>
+                                            <p:cond delay="0"/>
+                                          </p:stCondLst>
+                                        </p:cTn>
+                                        <p:tgtEl>
+                                          <p:spTgt spid="3">
+                                            <p:txEl>
+                                              <p:pRg st="5" end="5"/>
+                                            </p:txEl>
+                                          </p:spTgt>
+                                        </p:tgtEl>
+                                        <p:attrNameLst>
+                                          <p:attrName>style.visibility</p:attrName>
+                                        </p:attrNameLst>
+                                      </p:cBhvr>
+                                      <p:to>
+                                        <p:strVal val="visible"/>
+                                      </p:to>
+                                    </p:set>
+                                    <p:anim calcmode="lin" valueType="num">
+                                      <p:cBhvr>
+                                        <p:cTn id="43" dur="500" decel="50000" fill="hold">
+                                          <p:stCondLst>
+                                            <p:cond delay="0"/>
+                                          </p:stCondLst>
+                                        </p:cTn>
+                                        <p:tgtEl>
+                                          <p:spTgt spid="3">
+                                            <p:txEl>
+                                              <p:pRg st="5" end="5"/>
+                                            </p:txEl>
+                                          </p:spTgt>
+                                        </p:tgtEl>
+                                        <p:attrNameLst>
+                                          <p:attrName>style.rotation</p:attrName>
+                                        </p:attrNameLst>
+                                      </p:cBhvr>
+                                      <p:tavLst>
+                                        <p:tav tm="0">
+                                          <p:val>
+                                            <p:fltVal val="-90"/>
+                                          </p:val>
+                                        </p:tav>
+                                        <p:tav tm="100000">
+                                          <p:val>
+                                            <p:fltVal val="0"/>
+                                          </p:val>
+                                        </p:tav>
+                                      </p:tavLst>
+                                    </p:anim>
+                                    <p:anim calcmode="lin" valueType="num">
+                                      <p:cBhvr>
+                                        <p:cTn id="44" dur="500" decel="50000" fill="hold">
+                                          <p:stCondLst>
+                                            <p:cond delay="0"/>
+                                          </p:stCondLst>
+                                        </p:cTn>
+                                        <p:tgtEl>
+                                          <p:spTgt spid="3">
+                                            <p:txEl>
+                                              <p:pRg st="5" end="5"/>
+                                            </p:txEl>
+                                          </p:spTgt>
+                                        </p:tgtEl>
+                                        <p:attrNameLst>
+                                          <p:attrName>ppt_w</p:attrName>
+                                        </p:attrNameLst>
+                                      </p:cBhvr>
+                                      <p:tavLst>
+                                        <p:tav tm="0">
+                                          <p:val>
+                                            <p:strVal val="#ppt_w"/>
+                                          </p:val>
+                                        </p:tav>
+                                        <p:tav tm="100000">
+                                          <p:val>
+                                            <p:strVal val="#ppt_w*.05"/>
+                                          </p:val>
+                                        </p:tav>
+                                      </p:tavLst>
+                                    </p:anim>
+                                    <p:anim calcmode="lin" valueType="num">
+                                      <p:cBhvr>
+                                        <p:cTn id="45" dur="500" accel="50000" fill="hold">
+                                          <p:stCondLst>
+                                            <p:cond delay="500"/>
+                                          </p:stCondLst>
+                                        </p:cTn>
+                                        <p:tgtEl>
+                                          <p:spTgt spid="3">
+                                            <p:txEl>
+                                              <p:pRg st="5" end="5"/>
+                                            </p:txEl>
+                                          </p:spTgt>
+                                        </p:tgtEl>
+                                        <p:attrNameLst>
+                                          <p:attrName>ppt_w</p:attrName>
+                                        </p:attrNameLst>
+                                      </p:cBhvr>
+                                      <p:tavLst>
+                                        <p:tav tm="0">
+                                          <p:val>
+                                            <p:strVal val="#ppt_w*.05"/>
+                                          </p:val>
+                                        </p:tav>
+                                        <p:tav tm="100000">
+                                          <p:val>
+                                            <p:strVal val="#ppt_w"/>
+                                          </p:val>
+                                        </p:tav>
+                                      </p:tavLst>
+                                    </p:anim>
+                                    <p:anim calcmode="lin" valueType="num">
+                                      <p:cBhvr>
+                                        <p:cTn id="46" dur="1000" fill="hold"/>
+                                        <p:tgtEl>
+                                          <p:spTgt spid="3">
+                                            <p:txEl>
+                                              <p:pRg st="5" end="5"/>
+                                            </p:txEl>
+                                          </p:spTgt>
+                                        </p:tgtEl>
+                                        <p:attrNameLst>
+                                          <p:attrName>ppt_h</p:attrName>
+                                        </p:attrNameLst>
+                                      </p:cBhvr>
+                                      <p:tavLst>
+                                        <p:tav tm="0">
+                                          <p:val>
+                                            <p:strVal val="#ppt_h"/>
+                                          </p:val>
+                                        </p:tav>
+                                        <p:tav tm="100000">
+                                          <p:val>
+                                            <p:strVal val="#ppt_h"/>
+                                          </p:val>
+                                        </p:tav>
+                                      </p:tavLst>
+                                    </p:anim>
+                                    <p:anim calcmode="lin" valueType="num">
+                                      <p:cBhvr>
+                                        <p:cTn id="47" dur="500" decel="50000" fill="hold">
+                                          <p:stCondLst>
+                                            <p:cond delay="0"/>
+                                          </p:stCondLst>
+                                        </p:cTn>
+                                        <p:tgtEl>
+                                          <p:spTgt spid="3">
+                                            <p:txEl>
+                                              <p:pRg st="5" end="5"/>
+                                            </p:txEl>
+                                          </p:spTgt>
+                                        </p:tgtEl>
+                                        <p:attrNameLst>
+                                          <p:attrName>ppt_x</p:attrName>
+                                        </p:attrNameLst>
+                                      </p:cBhvr>
+                                      <p:tavLst>
+                                        <p:tav tm="0">
+                                          <p:val>
+                                            <p:strVal val="#ppt_x+.4"/>
+                                          </p:val>
+                                        </p:tav>
+                                        <p:tav tm="100000">
+                                          <p:val>
+                                            <p:strVal val="#ppt_x"/>
+                                          </p:val>
+                                        </p:tav>
+                                      </p:tavLst>
+                                    </p:anim>
+                                    <p:anim calcmode="lin" valueType="num">
+                                      <p:cBhvr>
+                                        <p:cTn id="48" dur="500" decel="50000" fill="hold">
+                                          <p:stCondLst>
+                                            <p:cond delay="0"/>
+                                          </p:stCondLst>
+                                        </p:cTn>
+                                        <p:tgtEl>
+                                          <p:spTgt spid="3">
+                                            <p:txEl>
+                                              <p:pRg st="5" end="5"/>
+                                            </p:txEl>
+                                          </p:spTgt>
+                                        </p:tgtEl>
+                                        <p:attrNameLst>
+                                          <p:attrName>ppt_y</p:attrName>
+                                        </p:attrNameLst>
+                                      </p:cBhvr>
+                                      <p:tavLst>
+                                        <p:tav tm="0">
+                                          <p:val>
+                                            <p:strVal val="#ppt_y-.2"/>
+                                          </p:val>
+                                        </p:tav>
+                                        <p:tav tm="100000">
+                                          <p:val>
+                                            <p:strVal val="#ppt_y+.1"/>
+                                          </p:val>
+                                        </p:tav>
+                                      </p:tavLst>
+                                    </p:anim>
+                                    <p:anim calcmode="lin" valueType="num">
+                                      <p:cBhvr>
+                                        <p:cTn id="49" dur="500" accel="50000" fill="hold">
+                                          <p:stCondLst>
+                                            <p:cond delay="500"/>
+                                          </p:stCondLst>
+                                        </p:cTn>
+                                        <p:tgtEl>
+                                          <p:spTgt spid="3">
+                                            <p:txEl>
+                                              <p:pRg st="5" end="5"/>
+                                            </p:txEl>
+                                          </p:spTgt>
+                                        </p:tgtEl>
+                                        <p:attrNameLst>
+                                          <p:attrName>ppt_y</p:attrName>
+                                        </p:attrNameLst>
+                                      </p:cBhvr>
+                                      <p:tavLst>
+                                        <p:tav tm="0">
+                                          <p:val>
+                                            <p:strVal val="#ppt_y+.1"/>
+                                          </p:val>
+                                        </p:tav>
+                                        <p:tav tm="100000">
+                                          <p:val>
+                                            <p:strVal val="#ppt_y"/>
+                                          </p:val>
+                                        </p:tav>
+                                      </p:tavLst>
+                                    </p:anim>
+                                    <p:animEffect transition="in" filter="fade">
+                                      <p:cBhvr>
+                                        <p:cTn id="50" dur="1000" decel="50000">
+                                          <p:stCondLst>
+                                            <p:cond delay="0"/>
+                                          </p:stCondLst>
+                                        </p:cTn>
+                                        <p:tgtEl>
+                                          <p:spTgt spid="3">
+                                            <p:txEl>
+                                              <p:pRg st="5" end="5"/>
+                                            </p:txEl>
+                                          </p:spTgt>
+                                        </p:tgtEl>
+                                      </p:cBhvr>
+                                    </p:animEffect>
+                                  </p:childTnLst>
+                                </p:cTn>
+                              </p:par>
+                            </p:childTnLst>
+                          </p:cTn>
+                        </p:par>
+                      </p:childTnLst>
+                    </p:cTn>
+                  </p:par>
+                </p:childTnLst>
+              </p:cTn>
+              <p:prevCondLst>
+                <p:cond evt="onPrev" delay="0">
+                  <p:tgtEl>
+                    <p:sldTgt/>
+                  </p:tgtEl>
+                </p:cond>
+              </p:prevCondLst>
+              <p:nextCondLst>
+                <p:cond evt="onNext" delay="0">
+                  <p:tgtEl>
+                    <p:sldTgt/>
+                  </p:tgtEl>
+                </p:cond>
+              </p:nextCondLst>
+            </p:seq>
+          </p:childTnLst>
+        </p:cTn>
+      </p:par>
+    </p:tnLst>
+    <p:bldLst>
+      <p:bldP spid="5" grpId="1"/>
+      <p:bldP spid="5" grpId="2"/>
+      <p:bldP spid="5" grpId="3"/>
+    </p:bldLst>
+  </p:timing>
 </p:sld>
 </file>
 
@@ -13589,8 +15086,8 @@
         </p:nvSpPr>
         <p:spPr bwMode="auto">
           <a:xfrm>
-            <a:off x="890588" y="414338"/>
-            <a:ext cx="2719387" cy="368300"/>
+            <a:off x="942975" y="466090"/>
+            <a:ext cx="3594735" cy="706755"/>
           </a:xfrm>
           <a:prstGeom prst="rect">
             <a:avLst/>
@@ -13620,7 +15117,7 @@
           </a:extLst>
         </p:spPr>
         <p:txBody>
-          <a:bodyPr>
+          <a:bodyPr wrap="square">
             <a:spAutoFit/>
           </a:bodyPr>
           <a:lstStyle>
@@ -13733,21 +15230,30 @@
           <a:p>
             <a:pPr eaLnBrk="1" hangingPunct="1"/>
             <a:r>
-              <a:rPr lang="zh-CN" altLang="en-US" b="1">
-                <a:solidFill>
-                  <a:srgbClr val="FFFFFF"/>
-                </a:solidFill>
-                <a:latin typeface="微软雅黑" panose="020B0503020204020204" charset="-122"/>
-                <a:ea typeface="微软雅黑" panose="020B0503020204020204" charset="-122"/>
+              <a:rPr lang="en-US" altLang="zh-CN" sz="4000" dirty="0">
+                <a:solidFill>
+                  <a:schemeClr val="bg1"/>
+                </a:solidFill>
+                <a:sym typeface="+mn-ea"/>
               </a:rPr>
-              <a:t>请在此处添加你的标题</a:t>
+              <a:t>MySQL </a:t>
             </a:r>
-            <a:endParaRPr lang="zh-CN" altLang="en-US" b="1">
+            <a:r>
+              <a:rPr lang="zh-CN" altLang="en-US" sz="4000" dirty="0">
+                <a:solidFill>
+                  <a:schemeClr val="bg1"/>
+                </a:solidFill>
+                <a:sym typeface="+mn-ea"/>
+              </a:rPr>
+              <a:t>函数</a:t>
+            </a:r>
+            <a:endParaRPr lang="zh-CN" altLang="en-US" sz="4000" b="1" dirty="0">
               <a:solidFill>
-                <a:srgbClr val="FFFFFF"/>
+                <a:schemeClr val="bg1"/>
               </a:solidFill>
               <a:latin typeface="微软雅黑" panose="020B0503020204020204" charset="-122"/>
               <a:ea typeface="微软雅黑" panose="020B0503020204020204" charset="-122"/>
+              <a:sym typeface="+mn-ea"/>
             </a:endParaRPr>
           </a:p>
         </p:txBody>
@@ -14057,8 +15563,8 @@
         </p:nvSpPr>
         <p:spPr bwMode="auto">
           <a:xfrm>
-            <a:off x="2027238" y="2725738"/>
-            <a:ext cx="1404937" cy="368300"/>
+            <a:off x="2012950" y="2765425"/>
+            <a:ext cx="1698625" cy="645160"/>
           </a:xfrm>
           <a:prstGeom prst="rect">
             <a:avLst/>
@@ -14088,7 +15594,7 @@
           </a:extLst>
         </p:spPr>
         <p:txBody>
-          <a:bodyPr>
+          <a:bodyPr wrap="square">
             <a:spAutoFit/>
           </a:bodyPr>
           <a:lstStyle>
@@ -14278,7 +15784,7 @@
                 <a:ea typeface="微软雅黑" panose="020B0503020204020204" charset="-122"/>
                 <a:sym typeface="Calibri" panose="020F0502020204030204" charset="0"/>
               </a:rPr>
-              <a:t>标题文字</a:t>
+              <a:t>FIND_IN_SET(s1,s2)</a:t>
             </a:r>
             <a:endParaRPr lang="zh-CN" altLang="en-US" sz="1800">
               <a:solidFill>
@@ -14597,7 +16103,7 @@
         <p:spPr bwMode="auto">
           <a:xfrm>
             <a:off x="4368800" y="2765425"/>
-            <a:ext cx="1404938" cy="368300"/>
+            <a:ext cx="1404938" cy="645160"/>
           </a:xfrm>
           <a:prstGeom prst="rect">
             <a:avLst/>
@@ -14817,7 +16323,38 @@
                 <a:ea typeface="微软雅黑" panose="020B0503020204020204" charset="-122"/>
                 <a:sym typeface="Calibri" panose="020F0502020204030204" charset="0"/>
               </a:rPr>
-              <a:t>标题文字</a:t>
+              <a:t>STRCMP</a:t>
+            </a:r>
+            <a:endParaRPr lang="zh-CN" altLang="en-US" sz="1800">
+              <a:solidFill>
+                <a:srgbClr val="FFFFFF"/>
+              </a:solidFill>
+              <a:latin typeface="微软雅黑" panose="020B0503020204020204" charset="-122"/>
+              <a:ea typeface="微软雅黑" panose="020B0503020204020204" charset="-122"/>
+              <a:sym typeface="Calibri" panose="020F0502020204030204" charset="0"/>
+            </a:endParaRPr>
+          </a:p>
+          <a:p>
+            <a:pPr eaLnBrk="1" hangingPunct="1">
+              <a:lnSpc>
+                <a:spcPct val="100000"/>
+              </a:lnSpc>
+              <a:spcBef>
+                <a:spcPct val="0"/>
+              </a:spcBef>
+              <a:buFont typeface="Arial" panose="020B0604020202020204" pitchFamily="34" charset="0"/>
+              <a:buNone/>
+            </a:pPr>
+            <a:r>
+              <a:rPr lang="zh-CN" altLang="en-US" sz="1800">
+                <a:solidFill>
+                  <a:srgbClr val="FFFFFF"/>
+                </a:solidFill>
+                <a:latin typeface="微软雅黑" panose="020B0503020204020204" charset="-122"/>
+                <a:ea typeface="微软雅黑" panose="020B0503020204020204" charset="-122"/>
+                <a:sym typeface="Calibri" panose="020F0502020204030204" charset="0"/>
+              </a:rPr>
+              <a:t>(s1,s2)</a:t>
             </a:r>
             <a:endParaRPr lang="zh-CN" altLang="en-US" sz="1800">
               <a:solidFill>
@@ -15135,8 +16672,8 @@
         </p:nvSpPr>
         <p:spPr bwMode="auto">
           <a:xfrm>
-            <a:off x="6869113" y="2765425"/>
-            <a:ext cx="1406525" cy="368300"/>
+            <a:off x="6869430" y="2765425"/>
+            <a:ext cx="1606550" cy="645160"/>
           </a:xfrm>
           <a:prstGeom prst="rect">
             <a:avLst/>
@@ -15166,7 +16703,7 @@
           </a:extLst>
         </p:spPr>
         <p:txBody>
-          <a:bodyPr>
+          <a:bodyPr wrap="square">
             <a:spAutoFit/>
           </a:bodyPr>
           <a:lstStyle>
@@ -15356,7 +16893,60 @@
                 <a:ea typeface="微软雅黑" panose="020B0503020204020204" charset="-122"/>
                 <a:sym typeface="Calibri" panose="020F0502020204030204" charset="0"/>
               </a:rPr>
-              <a:t>标题文字</a:t>
+              <a:t>EXTRACT</a:t>
+            </a:r>
+            <a:endParaRPr lang="zh-CN" altLang="en-US" sz="1800">
+              <a:solidFill>
+                <a:srgbClr val="FFFFFF"/>
+              </a:solidFill>
+              <a:latin typeface="微软雅黑" panose="020B0503020204020204" charset="-122"/>
+              <a:ea typeface="微软雅黑" panose="020B0503020204020204" charset="-122"/>
+              <a:sym typeface="Calibri" panose="020F0502020204030204" charset="0"/>
+            </a:endParaRPr>
+          </a:p>
+          <a:p>
+            <a:pPr eaLnBrk="1" hangingPunct="1">
+              <a:lnSpc>
+                <a:spcPct val="100000"/>
+              </a:lnSpc>
+              <a:spcBef>
+                <a:spcPct val="0"/>
+              </a:spcBef>
+              <a:buFont typeface="Arial" panose="020B0604020202020204" pitchFamily="34" charset="0"/>
+              <a:buNone/>
+            </a:pPr>
+            <a:r>
+              <a:rPr lang="zh-CN" altLang="en-US" sz="1800">
+                <a:solidFill>
+                  <a:srgbClr val="FFFFFF"/>
+                </a:solidFill>
+                <a:latin typeface="微软雅黑" panose="020B0503020204020204" charset="-122"/>
+                <a:ea typeface="微软雅黑" panose="020B0503020204020204" charset="-122"/>
+                <a:sym typeface="Calibri" panose="020F0502020204030204" charset="0"/>
+              </a:rPr>
+              <a:t>(type </a:t>
+            </a:r>
+            <a:r>
+              <a:rPr lang="en-US" altLang="zh-CN" sz="1800">
+                <a:solidFill>
+                  <a:srgbClr val="FFFFFF"/>
+                </a:solidFill>
+                <a:latin typeface="微软雅黑" panose="020B0503020204020204" charset="-122"/>
+                <a:ea typeface="微软雅黑" panose="020B0503020204020204" charset="-122"/>
+                <a:sym typeface="Calibri" panose="020F0502020204030204" charset="0"/>
+              </a:rPr>
+              <a:t>from</a:t>
+            </a:r>
+            <a:r>
+              <a:rPr lang="zh-CN" altLang="en-US" sz="1800">
+                <a:solidFill>
+                  <a:srgbClr val="FFFFFF"/>
+                </a:solidFill>
+                <a:latin typeface="微软雅黑" panose="020B0503020204020204" charset="-122"/>
+                <a:ea typeface="微软雅黑" panose="020B0503020204020204" charset="-122"/>
+                <a:sym typeface="Calibri" panose="020F0502020204030204" charset="0"/>
+              </a:rPr>
+              <a:t> d)</a:t>
             </a:r>
             <a:endParaRPr lang="zh-CN" altLang="en-US" sz="1800">
               <a:solidFill>
@@ -15674,8 +17264,8 @@
         </p:nvSpPr>
         <p:spPr bwMode="auto">
           <a:xfrm>
-            <a:off x="9364663" y="2765425"/>
-            <a:ext cx="1404937" cy="368300"/>
+            <a:off x="9364980" y="2765425"/>
+            <a:ext cx="2386965" cy="645160"/>
           </a:xfrm>
           <a:prstGeom prst="rect">
             <a:avLst/>
@@ -15705,7 +17295,7 @@
           </a:extLst>
         </p:spPr>
         <p:txBody>
-          <a:bodyPr>
+          <a:bodyPr wrap="square">
             <a:spAutoFit/>
           </a:bodyPr>
           <a:lstStyle>
@@ -15895,7 +17485,7 @@
                 <a:ea typeface="微软雅黑" panose="020B0503020204020204" charset="-122"/>
                 <a:sym typeface="Calibri" panose="020F0502020204030204" charset="0"/>
               </a:rPr>
-              <a:t>标题文字</a:t>
+              <a:t>COALESCE(expr1, expr2, ...., expr_n)</a:t>
             </a:r>
             <a:endParaRPr lang="zh-CN" altLang="en-US" sz="1800">
               <a:solidFill>
@@ -15922,7 +17512,7 @@
         </p:nvSpPr>
         <p:spPr bwMode="auto">
           <a:xfrm>
-            <a:off x="1703388" y="3554413"/>
+            <a:off x="1959928" y="3554413"/>
             <a:ext cx="1560512" cy="1753235"/>
           </a:xfrm>
           <a:prstGeom prst="rect">
@@ -16070,56 +17660,16 @@
               </a:lnSpc>
             </a:pPr>
             <a:r>
-              <a:rPr lang="zh-CN" altLang="en-US" sz="1200">
+              <a:rPr>
                 <a:solidFill>
                   <a:srgbClr val="FFFFFF"/>
                 </a:solidFill>
                 <a:latin typeface="微软雅黑" panose="020B0503020204020204" charset="-122"/>
                 <a:ea typeface="微软雅黑" panose="020B0503020204020204" charset="-122"/>
               </a:rPr>
-              <a:t>梭拓</a:t>
+              <a:t>返回在字符串s2中与s1匹配的字符串的位置</a:t>
             </a:r>
-            <a:r>
-              <a:rPr lang="en-US" altLang="zh-CN" sz="1200">
-                <a:solidFill>
-                  <a:srgbClr val="FFFFFF"/>
-                </a:solidFill>
-                <a:latin typeface="微软雅黑" panose="020B0503020204020204" charset="-122"/>
-                <a:ea typeface="微软雅黑" panose="020B0503020204020204" charset="-122"/>
-              </a:rPr>
-              <a:t>PPT</a:t>
-            </a:r>
-            <a:r>
-              <a:rPr lang="zh-CN" altLang="en-US" sz="1200">
-                <a:solidFill>
-                  <a:srgbClr val="FFFFFF"/>
-                </a:solidFill>
-                <a:latin typeface="微软雅黑" panose="020B0503020204020204" charset="-122"/>
-                <a:ea typeface="微软雅黑" panose="020B0503020204020204" charset="-122"/>
-              </a:rPr>
-              <a:t>工作室更专业的模板。梭拓，不止创新。请在此处填入你需要的内容。梭拓</a:t>
-            </a:r>
-            <a:r>
-              <a:rPr lang="en-US" altLang="zh-CN" sz="1200">
-                <a:solidFill>
-                  <a:srgbClr val="FFFFFF"/>
-                </a:solidFill>
-                <a:latin typeface="微软雅黑" panose="020B0503020204020204" charset="-122"/>
-                <a:ea typeface="微软雅黑" panose="020B0503020204020204" charset="-122"/>
-              </a:rPr>
-              <a:t>PPT</a:t>
-            </a:r>
-            <a:r>
-              <a:rPr lang="zh-CN" altLang="en-US" sz="1200">
-                <a:solidFill>
-                  <a:srgbClr val="FFFFFF"/>
-                </a:solidFill>
-                <a:latin typeface="微软雅黑" panose="020B0503020204020204" charset="-122"/>
-                <a:ea typeface="微软雅黑" panose="020B0503020204020204" charset="-122"/>
-              </a:rPr>
-              <a:t>工作室更专业的模板。</a:t>
-            </a:r>
-            <a:endParaRPr lang="en-US" altLang="zh-CN" sz="1100">
+            <a:endParaRPr>
               <a:solidFill>
                 <a:srgbClr val="FFFFFF"/>
               </a:solidFill>
@@ -16143,8 +17693,8 @@
         </p:nvSpPr>
         <p:spPr bwMode="auto">
           <a:xfrm>
-            <a:off x="4044950" y="3554413"/>
-            <a:ext cx="1560513" cy="1753235"/>
+            <a:off x="4167505" y="3554730"/>
+            <a:ext cx="1807210" cy="2306955"/>
           </a:xfrm>
           <a:prstGeom prst="rect">
             <a:avLst/>
@@ -16174,7 +17724,7 @@
           </a:extLst>
         </p:spPr>
         <p:txBody>
-          <a:bodyPr>
+          <a:bodyPr wrap="square">
             <a:spAutoFit/>
           </a:bodyPr>
           <a:lstStyle>
@@ -16291,56 +17841,16 @@
               </a:lnSpc>
             </a:pPr>
             <a:r>
-              <a:rPr lang="zh-CN" altLang="en-US" sz="1200">
+              <a:rPr sz="1600">
                 <a:solidFill>
                   <a:srgbClr val="FFFFFF"/>
                 </a:solidFill>
                 <a:latin typeface="微软雅黑" panose="020B0503020204020204" charset="-122"/>
                 <a:ea typeface="微软雅黑" panose="020B0503020204020204" charset="-122"/>
               </a:rPr>
-              <a:t>梭拓</a:t>
+              <a:t>比较字符串 s1 和 s2，如果 s1 与 s2 相等返回 0，如果 s1&gt;s2 返回 1，如果 s1&lt;s2 返回 -1</a:t>
             </a:r>
-            <a:r>
-              <a:rPr lang="en-US" altLang="zh-CN" sz="1200">
-                <a:solidFill>
-                  <a:srgbClr val="FFFFFF"/>
-                </a:solidFill>
-                <a:latin typeface="微软雅黑" panose="020B0503020204020204" charset="-122"/>
-                <a:ea typeface="微软雅黑" panose="020B0503020204020204" charset="-122"/>
-              </a:rPr>
-              <a:t>PPT</a:t>
-            </a:r>
-            <a:r>
-              <a:rPr lang="zh-CN" altLang="en-US" sz="1200">
-                <a:solidFill>
-                  <a:srgbClr val="FFFFFF"/>
-                </a:solidFill>
-                <a:latin typeface="微软雅黑" panose="020B0503020204020204" charset="-122"/>
-                <a:ea typeface="微软雅黑" panose="020B0503020204020204" charset="-122"/>
-              </a:rPr>
-              <a:t>工作室更专业的模板。梭拓，不止创新。请在此处填入你需要的内容。梭拓</a:t>
-            </a:r>
-            <a:r>
-              <a:rPr lang="en-US" altLang="zh-CN" sz="1200">
-                <a:solidFill>
-                  <a:srgbClr val="FFFFFF"/>
-                </a:solidFill>
-                <a:latin typeface="微软雅黑" panose="020B0503020204020204" charset="-122"/>
-                <a:ea typeface="微软雅黑" panose="020B0503020204020204" charset="-122"/>
-              </a:rPr>
-              <a:t>PPT</a:t>
-            </a:r>
-            <a:r>
-              <a:rPr lang="zh-CN" altLang="en-US" sz="1200">
-                <a:solidFill>
-                  <a:srgbClr val="FFFFFF"/>
-                </a:solidFill>
-                <a:latin typeface="微软雅黑" panose="020B0503020204020204" charset="-122"/>
-                <a:ea typeface="微软雅黑" panose="020B0503020204020204" charset="-122"/>
-              </a:rPr>
-              <a:t>工作室更专业的模板。</a:t>
-            </a:r>
-            <a:endParaRPr lang="en-US" altLang="zh-CN" sz="1100">
+            <a:endParaRPr sz="1600">
               <a:solidFill>
                 <a:srgbClr val="FFFFFF"/>
               </a:solidFill>
@@ -16364,7 +17874,7 @@
         </p:nvSpPr>
         <p:spPr bwMode="auto">
           <a:xfrm>
-            <a:off x="6546850" y="3554413"/>
+            <a:off x="6915150" y="3554413"/>
             <a:ext cx="1560513" cy="1753235"/>
           </a:xfrm>
           <a:prstGeom prst="rect">
@@ -16512,56 +18022,16 @@
               </a:lnSpc>
             </a:pPr>
             <a:r>
-              <a:rPr lang="zh-CN" altLang="en-US" sz="1200">
+              <a:rPr>
                 <a:solidFill>
                   <a:srgbClr val="FFFFFF"/>
                 </a:solidFill>
                 <a:latin typeface="微软雅黑" panose="020B0503020204020204" charset="-122"/>
                 <a:ea typeface="微软雅黑" panose="020B0503020204020204" charset="-122"/>
               </a:rPr>
-              <a:t>梭拓</a:t>
+              <a:t>从日期 d 中获取指定的值，type 指定返回的值。</a:t>
             </a:r>
-            <a:r>
-              <a:rPr lang="en-US" altLang="zh-CN" sz="1200">
-                <a:solidFill>
-                  <a:srgbClr val="FFFFFF"/>
-                </a:solidFill>
-                <a:latin typeface="微软雅黑" panose="020B0503020204020204" charset="-122"/>
-                <a:ea typeface="微软雅黑" panose="020B0503020204020204" charset="-122"/>
-              </a:rPr>
-              <a:t>PPT</a:t>
-            </a:r>
-            <a:r>
-              <a:rPr lang="zh-CN" altLang="en-US" sz="1200">
-                <a:solidFill>
-                  <a:srgbClr val="FFFFFF"/>
-                </a:solidFill>
-                <a:latin typeface="微软雅黑" panose="020B0503020204020204" charset="-122"/>
-                <a:ea typeface="微软雅黑" panose="020B0503020204020204" charset="-122"/>
-              </a:rPr>
-              <a:t>工作室更专业的模板。梭拓，不止创新。请在此处填入你需要的内容。梭拓</a:t>
-            </a:r>
-            <a:r>
-              <a:rPr lang="en-US" altLang="zh-CN" sz="1200">
-                <a:solidFill>
-                  <a:srgbClr val="FFFFFF"/>
-                </a:solidFill>
-                <a:latin typeface="微软雅黑" panose="020B0503020204020204" charset="-122"/>
-                <a:ea typeface="微软雅黑" panose="020B0503020204020204" charset="-122"/>
-              </a:rPr>
-              <a:t>PPT</a:t>
-            </a:r>
-            <a:r>
-              <a:rPr lang="zh-CN" altLang="en-US" sz="1200">
-                <a:solidFill>
-                  <a:srgbClr val="FFFFFF"/>
-                </a:solidFill>
-                <a:latin typeface="微软雅黑" panose="020B0503020204020204" charset="-122"/>
-                <a:ea typeface="微软雅黑" panose="020B0503020204020204" charset="-122"/>
-              </a:rPr>
-              <a:t>工作室更专业的模板。</a:t>
-            </a:r>
-            <a:endParaRPr lang="en-US" altLang="zh-CN" sz="1100">
+            <a:endParaRPr>
               <a:solidFill>
                 <a:srgbClr val="FFFFFF"/>
               </a:solidFill>
@@ -16585,7 +18055,7 @@
         </p:nvSpPr>
         <p:spPr bwMode="auto">
           <a:xfrm>
-            <a:off x="9042400" y="3554413"/>
+            <a:off x="9611995" y="3554413"/>
             <a:ext cx="1560513" cy="1753235"/>
           </a:xfrm>
           <a:prstGeom prst="rect">
@@ -16733,56 +18203,16 @@
               </a:lnSpc>
             </a:pPr>
             <a:r>
-              <a:rPr lang="zh-CN" altLang="en-US" sz="1200">
+              <a:rPr>
                 <a:solidFill>
                   <a:srgbClr val="FFFFFF"/>
                 </a:solidFill>
                 <a:latin typeface="微软雅黑" panose="020B0503020204020204" charset="-122"/>
                 <a:ea typeface="微软雅黑" panose="020B0503020204020204" charset="-122"/>
               </a:rPr>
-              <a:t>梭拓</a:t>
+              <a:t>返回参数中的第一个非空表达式（从左向右）</a:t>
             </a:r>
-            <a:r>
-              <a:rPr lang="en-US" altLang="zh-CN" sz="1200">
-                <a:solidFill>
-                  <a:srgbClr val="FFFFFF"/>
-                </a:solidFill>
-                <a:latin typeface="微软雅黑" panose="020B0503020204020204" charset="-122"/>
-                <a:ea typeface="微软雅黑" panose="020B0503020204020204" charset="-122"/>
-              </a:rPr>
-              <a:t>PPT</a:t>
-            </a:r>
-            <a:r>
-              <a:rPr lang="zh-CN" altLang="en-US" sz="1200">
-                <a:solidFill>
-                  <a:srgbClr val="FFFFFF"/>
-                </a:solidFill>
-                <a:latin typeface="微软雅黑" panose="020B0503020204020204" charset="-122"/>
-                <a:ea typeface="微软雅黑" panose="020B0503020204020204" charset="-122"/>
-              </a:rPr>
-              <a:t>工作室更专业的模板。梭拓，不止创新。请在此处填入你需要的内容。梭拓</a:t>
-            </a:r>
-            <a:r>
-              <a:rPr lang="en-US" altLang="zh-CN" sz="1200">
-                <a:solidFill>
-                  <a:srgbClr val="FFFFFF"/>
-                </a:solidFill>
-                <a:latin typeface="微软雅黑" panose="020B0503020204020204" charset="-122"/>
-                <a:ea typeface="微软雅黑" panose="020B0503020204020204" charset="-122"/>
-              </a:rPr>
-              <a:t>PPT</a:t>
-            </a:r>
-            <a:r>
-              <a:rPr lang="zh-CN" altLang="en-US" sz="1200">
-                <a:solidFill>
-                  <a:srgbClr val="FFFFFF"/>
-                </a:solidFill>
-                <a:latin typeface="微软雅黑" panose="020B0503020204020204" charset="-122"/>
-                <a:ea typeface="微软雅黑" panose="020B0503020204020204" charset="-122"/>
-              </a:rPr>
-              <a:t>工作室更专业的模板。</a:t>
-            </a:r>
-            <a:endParaRPr lang="en-US" altLang="zh-CN" sz="1100">
+            <a:endParaRPr>
               <a:solidFill>
                 <a:srgbClr val="FFFFFF"/>
               </a:solidFill>
@@ -16812,9 +18242,6 @@
                     <p:cTn id="3" fill="hold">
                       <p:stCondLst>
                         <p:cond delay="indefinite"/>
-                        <p:cond evt="onBegin" delay="0">
-                          <p:tn val="2"/>
-                        </p:cond>
                       </p:stCondLst>
                       <p:childTnLst>
                         <p:par>
@@ -16824,7 +18251,7 @@
                             </p:stCondLst>
                             <p:childTnLst>
                               <p:par>
-                                <p:cTn id="5" presetID="22" presetClass="entr" presetSubtype="4" fill="hold" grpId="0" nodeType="afterEffect">
+                                <p:cTn id="5" presetID="2" presetClass="entr" presetSubtype="4" fill="hold" nodeType="clickEffect">
                                   <p:stCondLst>
                                     <p:cond delay="0"/>
                                   </p:stCondLst>
@@ -16837,6 +18264,100 @@
                                           </p:stCondLst>
                                         </p:cTn>
                                         <p:tgtEl>
+                                          <p:spTgt spid="4">
+                                            <p:txEl>
+                                              <p:pRg st="0" end="0"/>
+                                            </p:txEl>
+                                          </p:spTgt>
+                                        </p:tgtEl>
+                                        <p:attrNameLst>
+                                          <p:attrName>style.visibility</p:attrName>
+                                        </p:attrNameLst>
+                                      </p:cBhvr>
+                                      <p:to>
+                                        <p:strVal val="visible"/>
+                                      </p:to>
+                                    </p:set>
+                                    <p:anim calcmode="lin" valueType="num">
+                                      <p:cBhvr additive="base">
+                                        <p:cTn id="7" dur="500" fill="hold"/>
+                                        <p:tgtEl>
+                                          <p:spTgt spid="4">
+                                            <p:txEl>
+                                              <p:pRg st="0" end="0"/>
+                                            </p:txEl>
+                                          </p:spTgt>
+                                        </p:tgtEl>
+                                        <p:attrNameLst>
+                                          <p:attrName>ppt_x</p:attrName>
+                                        </p:attrNameLst>
+                                      </p:cBhvr>
+                                      <p:tavLst>
+                                        <p:tav tm="0">
+                                          <p:val>
+                                            <p:strVal val="#ppt_x"/>
+                                          </p:val>
+                                        </p:tav>
+                                        <p:tav tm="100000">
+                                          <p:val>
+                                            <p:strVal val="#ppt_x"/>
+                                          </p:val>
+                                        </p:tav>
+                                      </p:tavLst>
+                                    </p:anim>
+                                    <p:anim calcmode="lin" valueType="num">
+                                      <p:cBhvr additive="base">
+                                        <p:cTn id="8" dur="500" fill="hold"/>
+                                        <p:tgtEl>
+                                          <p:spTgt spid="4">
+                                            <p:txEl>
+                                              <p:pRg st="0" end="0"/>
+                                            </p:txEl>
+                                          </p:spTgt>
+                                        </p:tgtEl>
+                                        <p:attrNameLst>
+                                          <p:attrName>ppt_y</p:attrName>
+                                        </p:attrNameLst>
+                                      </p:cBhvr>
+                                      <p:tavLst>
+                                        <p:tav tm="0">
+                                          <p:val>
+                                            <p:strVal val="1+#ppt_h/2"/>
+                                          </p:val>
+                                        </p:tav>
+                                        <p:tav tm="100000">
+                                          <p:val>
+                                            <p:strVal val="#ppt_y"/>
+                                          </p:val>
+                                        </p:tav>
+                                      </p:tavLst>
+                                    </p:anim>
+                                  </p:childTnLst>
+                                </p:cTn>
+                              </p:par>
+                            </p:childTnLst>
+                          </p:cTn>
+                        </p:par>
+                        <p:par>
+                          <p:cTn id="9" fill="hold">
+                            <p:stCondLst>
+                              <p:cond delay="500"/>
+                            </p:stCondLst>
+                            <p:childTnLst>
+                              <p:par>
+                                <p:cTn id="10" presetID="22" presetClass="entr" presetSubtype="4" fill="hold" grpId="0" nodeType="afterEffect">
+                                  <p:stCondLst>
+                                    <p:cond delay="0"/>
+                                  </p:stCondLst>
+                                  <p:childTnLst>
+                                    <p:set>
+                                      <p:cBhvr>
+                                        <p:cTn id="11" dur="1" fill="hold">
+                                          <p:stCondLst>
+                                            <p:cond delay="0"/>
+                                          </p:stCondLst>
+                                        </p:cTn>
+                                        <p:tgtEl>
                                           <p:spTgt spid="4"/>
                                         </p:tgtEl>
                                         <p:attrNameLst>
@@ -16849,7 +18370,7 @@
                                     </p:set>
                                     <p:animEffect transition="in" filter="wipe(down)">
                                       <p:cBhvr>
-                                        <p:cTn id="7" dur="500"/>
+                                        <p:cTn id="12" dur="500"/>
                                         <p:tgtEl>
                                           <p:spTgt spid="4"/>
                                         </p:tgtEl>
@@ -16859,7 +18380,7 @@
                                 </p:cTn>
                               </p:par>
                               <p:par>
-                                <p:cTn id="8" presetID="22" presetClass="entr" presetSubtype="8" fill="hold" grpId="0" nodeType="withEffect">
+                                <p:cTn id="13" presetID="22" presetClass="entr" presetSubtype="8" fill="hold" grpId="0" nodeType="withEffect">
                                   <p:stCondLst>
                                     <p:cond delay="0"/>
                                   </p:stCondLst>
@@ -16869,7 +18390,7 @@
                                   <p:childTnLst>
                                     <p:set>
                                       <p:cBhvr>
-                                        <p:cTn id="9" dur="1" fill="hold">
+                                        <p:cTn id="14" dur="1" fill="hold">
                                           <p:stCondLst>
                                             <p:cond delay="0"/>
                                           </p:stCondLst>
@@ -16887,7 +18408,7 @@
                                     </p:set>
                                     <p:animEffect transition="in" filter="wipe(left)">
                                       <p:cBhvr>
-                                        <p:cTn id="10" dur="250"/>
+                                        <p:cTn id="15" dur="250"/>
                                         <p:tgtEl>
                                           <p:spTgt spid="18"/>
                                         </p:tgtEl>
@@ -16897,7 +18418,7 @@
                                 </p:cTn>
                               </p:par>
                               <p:par>
-                                <p:cTn id="11" presetID="22" presetClass="entr" presetSubtype="8" fill="hold" grpId="0" nodeType="withEffect">
+                                <p:cTn id="16" presetID="22" presetClass="entr" presetSubtype="8" fill="hold" grpId="0" nodeType="withEffect">
                                   <p:stCondLst>
                                     <p:cond delay="0"/>
                                   </p:stCondLst>
@@ -16907,7 +18428,7 @@
                                   <p:childTnLst>
                                     <p:set>
                                       <p:cBhvr>
-                                        <p:cTn id="12" dur="1" fill="hold">
+                                        <p:cTn id="17" dur="1" fill="hold">
                                           <p:stCondLst>
                                             <p:cond delay="0"/>
                                           </p:stCondLst>
@@ -16925,7 +18446,7 @@
                                     </p:set>
                                     <p:animEffect transition="in" filter="wipe(left)">
                                       <p:cBhvr>
-                                        <p:cTn id="13" dur="250"/>
+                                        <p:cTn id="18" dur="250"/>
                                         <p:tgtEl>
                                           <p:spTgt spid="19"/>
                                         </p:tgtEl>
@@ -16935,7 +18456,7 @@
                                 </p:cTn>
                               </p:par>
                               <p:par>
-                                <p:cTn id="14" presetID="22" presetClass="entr" presetSubtype="8" fill="hold" grpId="0" nodeType="withEffect">
+                                <p:cTn id="19" presetID="22" presetClass="entr" presetSubtype="8" fill="hold" grpId="0" nodeType="withEffect">
                                   <p:stCondLst>
                                     <p:cond delay="0"/>
                                   </p:stCondLst>
@@ -16945,7 +18466,7 @@
                                   <p:childTnLst>
                                     <p:set>
                                       <p:cBhvr>
-                                        <p:cTn id="15" dur="1" fill="hold">
+                                        <p:cTn id="20" dur="1" fill="hold">
                                           <p:stCondLst>
                                             <p:cond delay="0"/>
                                           </p:stCondLst>
@@ -16963,7 +18484,7 @@
                                     </p:set>
                                     <p:animEffect transition="in" filter="wipe(left)">
                                       <p:cBhvr>
-                                        <p:cTn id="16" dur="250"/>
+                                        <p:cTn id="21" dur="250"/>
                                         <p:tgtEl>
                                           <p:spTgt spid="20"/>
                                         </p:tgtEl>
@@ -16973,7 +18494,7 @@
                                 </p:cTn>
                               </p:par>
                               <p:par>
-                                <p:cTn id="17" presetID="22" presetClass="entr" presetSubtype="8" fill="hold" grpId="0" nodeType="withEffect">
+                                <p:cTn id="22" presetID="22" presetClass="entr" presetSubtype="8" fill="hold" grpId="0" nodeType="withEffect">
                                   <p:stCondLst>
                                     <p:cond delay="0"/>
                                   </p:stCondLst>
@@ -16983,7 +18504,7 @@
                                   <p:childTnLst>
                                     <p:set>
                                       <p:cBhvr>
-                                        <p:cTn id="18" dur="1" fill="hold">
+                                        <p:cTn id="23" dur="1" fill="hold">
                                           <p:stCondLst>
                                             <p:cond delay="0"/>
                                           </p:stCondLst>
@@ -17001,7 +18522,7 @@
                                     </p:set>
                                     <p:animEffect transition="in" filter="wipe(left)">
                                       <p:cBhvr>
-                                        <p:cTn id="19" dur="250"/>
+                                        <p:cTn id="24" dur="250"/>
                                         <p:tgtEl>
                                           <p:spTgt spid="21"/>
                                         </p:tgtEl>
@@ -17011,14 +18532,14 @@
                                 </p:cTn>
                               </p:par>
                               <p:par>
-                                <p:cTn id="20" presetID="22" presetClass="entr" presetSubtype="4" fill="hold" grpId="0" nodeType="withEffect">
+                                <p:cTn id="25" presetID="22" presetClass="entr" presetSubtype="4" fill="hold" grpId="0" nodeType="withEffect">
                                   <p:stCondLst>
                                     <p:cond delay="0"/>
                                   </p:stCondLst>
                                   <p:childTnLst>
                                     <p:set>
                                       <p:cBhvr>
-                                        <p:cTn id="21" dur="1" fill="hold">
+                                        <p:cTn id="26" dur="1" fill="hold">
                                           <p:stCondLst>
                                             <p:cond delay="0"/>
                                           </p:stCondLst>
@@ -17036,7 +18557,7 @@
                                     </p:set>
                                     <p:animEffect transition="in" filter="wipe(down)">
                                       <p:cBhvr>
-                                        <p:cTn id="22" dur="500"/>
+                                        <p:cTn id="27" dur="500"/>
                                         <p:tgtEl>
                                           <p:spTgt spid="6"/>
                                         </p:tgtEl>
@@ -17046,14 +18567,14 @@
                                 </p:cTn>
                               </p:par>
                               <p:par>
-                                <p:cTn id="23" presetID="22" presetClass="entr" presetSubtype="4" fill="hold" nodeType="withEffect">
+                                <p:cTn id="28" presetID="22" presetClass="entr" presetSubtype="4" fill="hold" nodeType="withEffect">
                                   <p:stCondLst>
                                     <p:cond delay="0"/>
                                   </p:stCondLst>
                                   <p:childTnLst>
                                     <p:set>
                                       <p:cBhvr>
-                                        <p:cTn id="24" dur="1" fill="hold">
+                                        <p:cTn id="29" dur="1" fill="hold">
                                           <p:stCondLst>
                                             <p:cond delay="0"/>
                                           </p:stCondLst>
@@ -17071,7 +18592,7 @@
                                     </p:set>
                                     <p:animEffect transition="in" filter="wipe(down)">
                                       <p:cBhvr>
-                                        <p:cTn id="25" dur="500"/>
+                                        <p:cTn id="30" dur="500"/>
                                         <p:tgtEl>
                                           <p:spTgt spid="7"/>
                                         </p:tgtEl>
@@ -17081,14 +18602,14 @@
                                 </p:cTn>
                               </p:par>
                               <p:par>
-                                <p:cTn id="26" presetID="22" presetClass="entr" presetSubtype="4" fill="hold" grpId="0" nodeType="withEffect">
+                                <p:cTn id="31" presetID="22" presetClass="entr" presetSubtype="4" fill="hold" grpId="0" nodeType="withEffect">
                                   <p:stCondLst>
                                     <p:cond delay="0"/>
                                   </p:stCondLst>
                                   <p:childTnLst>
                                     <p:set>
                                       <p:cBhvr>
-                                        <p:cTn id="27" dur="1" fill="hold">
+                                        <p:cTn id="32" dur="1" fill="hold">
                                           <p:stCondLst>
                                             <p:cond delay="0"/>
                                           </p:stCondLst>
@@ -17106,7 +18627,7 @@
                                     </p:set>
                                     <p:animEffect transition="in" filter="wipe(down)">
                                       <p:cBhvr>
-                                        <p:cTn id="28" dur="500"/>
+                                        <p:cTn id="33" dur="500"/>
                                         <p:tgtEl>
                                           <p:spTgt spid="8"/>
                                         </p:tgtEl>
@@ -17116,14 +18637,14 @@
                                 </p:cTn>
                               </p:par>
                               <p:par>
-                                <p:cTn id="29" presetID="22" presetClass="entr" presetSubtype="4" fill="hold" grpId="0" nodeType="withEffect">
+                                <p:cTn id="34" presetID="22" presetClass="entr" presetSubtype="4" fill="hold" grpId="0" nodeType="withEffect">
                                   <p:stCondLst>
                                     <p:cond delay="0"/>
                                   </p:stCondLst>
                                   <p:childTnLst>
                                     <p:set>
                                       <p:cBhvr>
-                                        <p:cTn id="30" dur="1" fill="hold">
+                                        <p:cTn id="35" dur="1" fill="hold">
                                           <p:stCondLst>
                                             <p:cond delay="0"/>
                                           </p:stCondLst>
@@ -17141,7 +18662,7 @@
                                     </p:set>
                                     <p:animEffect transition="in" filter="wipe(down)">
                                       <p:cBhvr>
-                                        <p:cTn id="31" dur="500"/>
+                                        <p:cTn id="36" dur="500"/>
                                         <p:tgtEl>
                                           <p:spTgt spid="9"/>
                                         </p:tgtEl>
@@ -17151,14 +18672,14 @@
                                 </p:cTn>
                               </p:par>
                               <p:par>
-                                <p:cTn id="32" presetID="22" presetClass="entr" presetSubtype="4" fill="hold" nodeType="withEffect">
+                                <p:cTn id="37" presetID="22" presetClass="entr" presetSubtype="4" fill="hold" nodeType="withEffect">
                                   <p:stCondLst>
                                     <p:cond delay="0"/>
                                   </p:stCondLst>
                                   <p:childTnLst>
                                     <p:set>
                                       <p:cBhvr>
-                                        <p:cTn id="33" dur="1" fill="hold">
+                                        <p:cTn id="38" dur="1" fill="hold">
                                           <p:stCondLst>
                                             <p:cond delay="0"/>
                                           </p:stCondLst>
@@ -17176,7 +18697,7 @@
                                     </p:set>
                                     <p:animEffect transition="in" filter="wipe(down)">
                                       <p:cBhvr>
-                                        <p:cTn id="34" dur="500"/>
+                                        <p:cTn id="39" dur="500"/>
                                         <p:tgtEl>
                                           <p:spTgt spid="10"/>
                                         </p:tgtEl>
@@ -17186,14 +18707,14 @@
                                 </p:cTn>
                               </p:par>
                               <p:par>
-                                <p:cTn id="35" presetID="22" presetClass="entr" presetSubtype="4" fill="hold" grpId="0" nodeType="withEffect">
+                                <p:cTn id="40" presetID="22" presetClass="entr" presetSubtype="4" fill="hold" grpId="0" nodeType="withEffect">
                                   <p:stCondLst>
                                     <p:cond delay="0"/>
                                   </p:stCondLst>
                                   <p:childTnLst>
                                     <p:set>
                                       <p:cBhvr>
-                                        <p:cTn id="36" dur="1" fill="hold">
+                                        <p:cTn id="41" dur="1" fill="hold">
                                           <p:stCondLst>
                                             <p:cond delay="0"/>
                                           </p:stCondLst>
@@ -17211,7 +18732,7 @@
                                     </p:set>
                                     <p:animEffect transition="in" filter="wipe(down)">
                                       <p:cBhvr>
-                                        <p:cTn id="37" dur="500"/>
+                                        <p:cTn id="42" dur="500"/>
                                         <p:tgtEl>
                                           <p:spTgt spid="11"/>
                                         </p:tgtEl>
@@ -17221,14 +18742,14 @@
                                 </p:cTn>
                               </p:par>
                               <p:par>
-                                <p:cTn id="38" presetID="22" presetClass="entr" presetSubtype="4" fill="hold" grpId="0" nodeType="withEffect">
+                                <p:cTn id="43" presetID="22" presetClass="entr" presetSubtype="4" fill="hold" grpId="0" nodeType="withEffect">
                                   <p:stCondLst>
                                     <p:cond delay="0"/>
                                   </p:stCondLst>
                                   <p:childTnLst>
                                     <p:set>
                                       <p:cBhvr>
-                                        <p:cTn id="39" dur="1" fill="hold">
+                                        <p:cTn id="44" dur="1" fill="hold">
                                           <p:stCondLst>
                                             <p:cond delay="0"/>
                                           </p:stCondLst>
@@ -17246,7 +18767,7 @@
                                     </p:set>
                                     <p:animEffect transition="in" filter="wipe(down)">
                                       <p:cBhvr>
-                                        <p:cTn id="40" dur="500"/>
+                                        <p:cTn id="45" dur="500"/>
                                         <p:tgtEl>
                                           <p:spTgt spid="12"/>
                                         </p:tgtEl>
@@ -17256,14 +18777,14 @@
                                 </p:cTn>
                               </p:par>
                               <p:par>
-                                <p:cTn id="41" presetID="22" presetClass="entr" presetSubtype="4" fill="hold" nodeType="withEffect">
+                                <p:cTn id="46" presetID="22" presetClass="entr" presetSubtype="4" fill="hold" nodeType="withEffect">
                                   <p:stCondLst>
                                     <p:cond delay="0"/>
                                   </p:stCondLst>
                                   <p:childTnLst>
                                     <p:set>
                                       <p:cBhvr>
-                                        <p:cTn id="42" dur="1" fill="hold">
+                                        <p:cTn id="47" dur="1" fill="hold">
                                           <p:stCondLst>
                                             <p:cond delay="0"/>
                                           </p:stCondLst>
@@ -17281,7 +18802,7 @@
                                     </p:set>
                                     <p:animEffect transition="in" filter="wipe(down)">
                                       <p:cBhvr>
-                                        <p:cTn id="43" dur="500"/>
+                                        <p:cTn id="48" dur="500"/>
                                         <p:tgtEl>
                                           <p:spTgt spid="13"/>
                                         </p:tgtEl>
@@ -17291,14 +18812,14 @@
                                 </p:cTn>
                               </p:par>
                               <p:par>
-                                <p:cTn id="44" presetID="22" presetClass="entr" presetSubtype="4" fill="hold" grpId="0" nodeType="withEffect">
+                                <p:cTn id="49" presetID="22" presetClass="entr" presetSubtype="4" fill="hold" grpId="0" nodeType="withEffect">
                                   <p:stCondLst>
                                     <p:cond delay="0"/>
                                   </p:stCondLst>
                                   <p:childTnLst>
                                     <p:set>
                                       <p:cBhvr>
-                                        <p:cTn id="45" dur="1" fill="hold">
+                                        <p:cTn id="50" dur="1" fill="hold">
                                           <p:stCondLst>
                                             <p:cond delay="0"/>
                                           </p:stCondLst>
@@ -17316,7 +18837,7 @@
                                     </p:set>
                                     <p:animEffect transition="in" filter="wipe(down)">
                                       <p:cBhvr>
-                                        <p:cTn id="46" dur="500"/>
+                                        <p:cTn id="51" dur="500"/>
                                         <p:tgtEl>
                                           <p:spTgt spid="14"/>
                                         </p:tgtEl>
@@ -17326,14 +18847,14 @@
                                 </p:cTn>
                               </p:par>
                               <p:par>
-                                <p:cTn id="47" presetID="22" presetClass="entr" presetSubtype="4" fill="hold" grpId="0" nodeType="withEffect">
+                                <p:cTn id="52" presetID="22" presetClass="entr" presetSubtype="4" fill="hold" grpId="0" nodeType="withEffect">
                                   <p:stCondLst>
                                     <p:cond delay="0"/>
                                   </p:stCondLst>
                                   <p:childTnLst>
                                     <p:set>
                                       <p:cBhvr>
-                                        <p:cTn id="48" dur="1" fill="hold">
+                                        <p:cTn id="53" dur="1" fill="hold">
                                           <p:stCondLst>
                                             <p:cond delay="0"/>
                                           </p:stCondLst>
@@ -17351,7 +18872,7 @@
                                     </p:set>
                                     <p:animEffect transition="in" filter="wipe(down)">
                                       <p:cBhvr>
-                                        <p:cTn id="49" dur="500"/>
+                                        <p:cTn id="54" dur="500"/>
                                         <p:tgtEl>
                                           <p:spTgt spid="15"/>
                                         </p:tgtEl>
@@ -17361,14 +18882,14 @@
                                 </p:cTn>
                               </p:par>
                               <p:par>
-                                <p:cTn id="50" presetID="22" presetClass="entr" presetSubtype="4" fill="hold" nodeType="withEffect">
+                                <p:cTn id="55" presetID="22" presetClass="entr" presetSubtype="4" fill="hold" nodeType="withEffect">
                                   <p:stCondLst>
                                     <p:cond delay="0"/>
                                   </p:stCondLst>
                                   <p:childTnLst>
                                     <p:set>
                                       <p:cBhvr>
-                                        <p:cTn id="51" dur="1" fill="hold">
+                                        <p:cTn id="56" dur="1" fill="hold">
                                           <p:stCondLst>
                                             <p:cond delay="0"/>
                                           </p:stCondLst>
@@ -17386,7 +18907,7 @@
                                     </p:set>
                                     <p:animEffect transition="in" filter="wipe(down)">
                                       <p:cBhvr>
-                                        <p:cTn id="52" dur="500"/>
+                                        <p:cTn id="57" dur="500"/>
                                         <p:tgtEl>
                                           <p:spTgt spid="16"/>
                                         </p:tgtEl>
@@ -17396,14 +18917,14 @@
                                 </p:cTn>
                               </p:par>
                               <p:par>
-                                <p:cTn id="53" presetID="22" presetClass="entr" presetSubtype="4" fill="hold" grpId="0" nodeType="withEffect">
+                                <p:cTn id="58" presetID="22" presetClass="entr" presetSubtype="4" fill="hold" grpId="0" nodeType="withEffect">
                                   <p:stCondLst>
                                     <p:cond delay="0"/>
                                   </p:stCondLst>
                                   <p:childTnLst>
                                     <p:set>
                                       <p:cBhvr>
-                                        <p:cTn id="54" dur="1" fill="hold">
+                                        <p:cTn id="59" dur="1" fill="hold">
                                           <p:stCondLst>
                                             <p:cond delay="0"/>
                                           </p:stCondLst>
@@ -17421,7 +18942,7 @@
                                     </p:set>
                                     <p:animEffect transition="in" filter="wipe(down)">
                                       <p:cBhvr>
-                                        <p:cTn id="55" dur="500"/>
+                                        <p:cTn id="60" dur="500"/>
                                         <p:tgtEl>
                                           <p:spTgt spid="17"/>
                                         </p:tgtEl>
@@ -17540,8 +19061,8 @@
           <a:lstStyle/>
           <a:p>
             <a:r>
-              <a:rPr lang="en-US" altLang="zh-CN"/>
-              <a:t>Add up anything what you like or what you need</a:t>
+              <a:rPr lang="en-US" altLang="zh-CN" dirty="0"/>
+              <a:t>Fighting</a:t>
             </a:r>
             <a:endParaRPr lang="en-US" altLang="zh-CN" dirty="0"/>
           </a:p>
@@ -17567,7 +19088,7 @@
           <a:p>
             <a:r>
               <a:rPr lang="zh-CN" altLang="en-US"/>
-              <a:t>与梦偕行寻找更好的自己</a:t>
+              <a:t>寻找更好的自己</a:t>
             </a:r>
             <a:endParaRPr lang="zh-CN" altLang="en-US" dirty="0"/>
           </a:p>
@@ -17616,149 +19137,6 @@
   <p:tag name="KSO_WM_UNIT_COMPATIBLE" val="0"/>
   <p:tag name="KSO_WM_UNIT_DIAGRAM_ISNUMVISUAL" val="0"/>
   <p:tag name="KSO_WM_UNIT_DIAGRAM_ISREFERUNIT" val="0"/>
-  <p:tag name="KSO_WM_UNIT_ID" val="basetag20161329_2*i*"/>
-  <p:tag name="KSO_WM_TEMPLATE_CATEGORY" val="basetag"/>
-  <p:tag name="KSO_WM_TEMPLATE_INDEX" val="20161329"/>
-  <p:tag name="KSO_WM_UNIT_LAYERLEVEL" val="1"/>
-  <p:tag name="KSO_WM_TAG_VERSION" val="1.0"/>
-  <p:tag name="KSO_WM_BEAUTIFY_FLAG" val="#wm#"/>
-  <p:tag name="KSO_WM_UNIT_PRESET_TEXT" val="单击此处添加您的编辑文字单击此处添加您的编辑文字单击此处添加您的编辑文字单击此处添加您的编辑文字单击此处添加您的编辑文字单击此处添加您的编辑文字单击此处添加&#10;&#10;单击此处添加您的编辑文字单击此处添加您的编辑文字单击此处添加您的编辑文字单击此处添加您的编辑文字单击此处添加&#10;&#10;单击此处添加您的编辑文字单击此处添加您的编辑文字单击此处添加您的编辑文字单击此处添加您的编辑文字单击此处添加"/>
-  <p:tag name="KSO_WM_UNIT_NOCLEAR" val="0"/>
-  <p:tag name="KSO_WM_UNIT_VALUE" val="440"/>
-  <p:tag name="KSO_WM_UNIT_TYPE" val="i"/>
-  <p:tag name="KSO_WM_UNIT_INDEX" val="0"/>
-</p:tagLst>
-</file>
-
-<file path=ppt/tags/tag101.xml><?xml version="1.0" encoding="utf-8"?>
-<p:tagLst xmlns:p="http://schemas.openxmlformats.org/presentationml/2006/main">
-  <p:tag name="KSO_WM_UNIT_HIGHLIGHT" val="0"/>
-  <p:tag name="KSO_WM_UNIT_COMPATIBLE" val="0"/>
-  <p:tag name="KSO_WM_UNIT_DIAGRAM_ISNUMVISUAL" val="0"/>
-  <p:tag name="KSO_WM_UNIT_DIAGRAM_ISREFERUNIT" val="0"/>
-  <p:tag name="KSO_WM_UNIT_ID" val="basetag20161329_2*i*_x0001_"/>
-  <p:tag name="KSO_WM_TEMPLATE_CATEGORY" val="basetag"/>
-  <p:tag name="KSO_WM_TEMPLATE_INDEX" val="20161329"/>
-  <p:tag name="KSO_WM_UNIT_LAYERLEVEL" val="1"/>
-  <p:tag name="KSO_WM_TAG_VERSION" val="1.0"/>
-  <p:tag name="KSO_WM_BEAUTIFY_FLAG" val="#wm#"/>
-  <p:tag name="KSO_WM_UNIT_ISCONTENTSTITLE" val="0"/>
-  <p:tag name="KSO_WM_UNIT_PRESET_TEXT" val="单击这里输入标题"/>
-  <p:tag name="KSO_WM_UNIT_NOCLEAR" val="0"/>
-  <p:tag name="KSO_WM_UNIT_VALUE" val="22"/>
-  <p:tag name="KSO_WM_UNIT_TYPE" val="i"/>
-  <p:tag name="KSO_WM_UNIT_INDEX" val="1"/>
-</p:tagLst>
-</file>
-
-<file path=ppt/tags/tag102.xml><?xml version="1.0" encoding="utf-8"?>
-<p:tagLst xmlns:p="http://schemas.openxmlformats.org/presentationml/2006/main">
-  <p:tag name="KSO_WM_TEMPLATE_CATEGORY" val="basetag"/>
-  <p:tag name="KSO_WM_TEMPLATE_INDEX" val="20161329"/>
-  <p:tag name="KSO_WM_TAG_VERSION" val="1.0"/>
-  <p:tag name="KSO_WM_SLIDE_ID" val="basetag20161329_2"/>
-  <p:tag name="KSO_WM_SLIDE_INDEX" val="2"/>
-  <p:tag name="KSO_WM_SLIDE_ITEM_CNT" val="0"/>
-  <p:tag name="KSO_WM_SLIDE_TYPE" val="text"/>
-  <p:tag name="KSO_WM_BEAUTIFY_FLAG" val="#wm#"/>
-  <p:tag name="KSO_WM_TEMPLATE_SUBCATEGORY" val="0"/>
-  <p:tag name="KSO_WM_SLIDE_SUBTYPE" val="pureTxt"/>
-  <p:tag name="KSO_WM_SLIDE_SIZE" val="828*457"/>
-  <p:tag name="KSO_WM_SLIDE_POSITION" val="66*28"/>
-  <p:tag name="KSO_WM_SLIDE_LAYOUT" val="a_f"/>
-  <p:tag name="KSO_WM_SLIDE_LAYOUT_CNT" val="1_1"/>
-</p:tagLst>
-</file>
-
-<file path=ppt/tags/tag103.xml><?xml version="1.0" encoding="utf-8"?>
-<p:tagLst xmlns:p="http://schemas.openxmlformats.org/presentationml/2006/main">
-  <p:tag name="KSO_WM_UNIT_HIGHLIGHT" val="0"/>
-  <p:tag name="KSO_WM_UNIT_COMPATIBLE" val="0"/>
-  <p:tag name="KSO_WM_UNIT_DIAGRAM_ISNUMVISUAL" val="0"/>
-  <p:tag name="KSO_WM_UNIT_DIAGRAM_ISREFERUNIT" val="0"/>
-  <p:tag name="KSO_WM_UNIT_ID" val="basetag20161329_8*i*"/>
-  <p:tag name="KSO_WM_TEMPLATE_CATEGORY" val="basetag"/>
-  <p:tag name="KSO_WM_TEMPLATE_INDEX" val="20161329"/>
-  <p:tag name="KSO_WM_UNIT_LAYERLEVEL" val="1"/>
-  <p:tag name="KSO_WM_TAG_VERSION" val="1.0"/>
-  <p:tag name="KSO_WM_BEAUTIFY_FLAG" val="#wm#"/>
-  <p:tag name="KSO_WM_UNIT_ISCONTENTSTITLE" val="0"/>
-  <p:tag name="KSO_WM_UNIT_PRESET_TEXT" val="请在此处添加你的标题"/>
-  <p:tag name="KSO_WM_UNIT_NOCLEAR" val="0"/>
-  <p:tag name="KSO_WM_UNIT_VALUE" val="11"/>
-  <p:tag name="KSO_WM_DIAGRAM_GROUP_CODE" val="l1-2"/>
-  <p:tag name="KSO_WM_UNIT_TYPE" val="i"/>
-  <p:tag name="KSO_WM_UNIT_INDEX" val="0"/>
-</p:tagLst>
-</file>
-
-<file path=ppt/tags/tag104.xml><?xml version="1.0" encoding="utf-8"?>
-<p:tagLst xmlns:p="http://schemas.openxmlformats.org/presentationml/2006/main">
-  <p:tag name="KSO_WM_UNIT_HIGHLIGHT" val="0"/>
-  <p:tag name="KSO_WM_UNIT_COMPATIBLE" val="0"/>
-  <p:tag name="KSO_WM_UNIT_DIAGRAM_ISNUMVISUAL" val="0"/>
-  <p:tag name="KSO_WM_UNIT_DIAGRAM_ISREFERUNIT" val="0"/>
-  <p:tag name="KSO_WM_UNIT_ID" val="basetag20161329_8*i*_x0001_"/>
-  <p:tag name="KSO_WM_TEMPLATE_CATEGORY" val="basetag"/>
-  <p:tag name="KSO_WM_TEMPLATE_INDEX" val="20161329"/>
-  <p:tag name="KSO_WM_UNIT_LAYERLEVEL" val="1_1_1"/>
-  <p:tag name="KSO_WM_TAG_VERSION" val="1.0"/>
-  <p:tag name="KSO_WM_BEAUTIFY_FLAG" val="#wm#"/>
-  <p:tag name="KSO_WM_UNIT_DIAGRAM_MODELTYPE" val="numdgm"/>
-  <p:tag name="KSO_WM_DIAGRAM_GROUP_CODE" val="l1-2"/>
-  <p:tag name="KSO_WM_UNIT_TYPE" val="i"/>
-  <p:tag name="KSO_WM_UNIT_INDEX" val="1"/>
-</p:tagLst>
-</file>
-
-<file path=ppt/tags/tag105.xml><?xml version="1.0" encoding="utf-8"?>
-<p:tagLst xmlns:p="http://schemas.openxmlformats.org/presentationml/2006/main">
-  <p:tag name="KSO_WM_UNIT_HIGHLIGHT" val="0"/>
-  <p:tag name="KSO_WM_UNIT_COMPATIBLE" val="0"/>
-  <p:tag name="KSO_WM_UNIT_DIAGRAM_ISNUMVISUAL" val="0"/>
-  <p:tag name="KSO_WM_UNIT_DIAGRAM_ISREFERUNIT" val="0"/>
-  <p:tag name="KSO_WM_UNIT_ID" val="basetag20161329_8*i*_x0002_"/>
-  <p:tag name="KSO_WM_TEMPLATE_CATEGORY" val="basetag"/>
-  <p:tag name="KSO_WM_TEMPLATE_INDEX" val="20161329"/>
-  <p:tag name="KSO_WM_UNIT_LAYERLEVEL" val="1_1_1"/>
-  <p:tag name="KSO_WM_TAG_VERSION" val="1.0"/>
-  <p:tag name="KSO_WM_BEAUTIFY_FLAG" val="#wm#"/>
-  <p:tag name="KSO_WM_UNIT_DIAGRAM_MODELTYPE" val="numdgm"/>
-  <p:tag name="KSO_WM_DIAGRAM_GROUP_CODE" val="l1-2"/>
-  <p:tag name="KSO_WM_UNIT_TYPE" val="i"/>
-  <p:tag name="KSO_WM_UNIT_INDEX" val="2"/>
-</p:tagLst>
-</file>
-
-<file path=ppt/tags/tag106.xml><?xml version="1.0" encoding="utf-8"?>
-<p:tagLst xmlns:p="http://schemas.openxmlformats.org/presentationml/2006/main">
-  <p:tag name="KSO_WM_UNIT_HIGHLIGHT" val="0"/>
-  <p:tag name="KSO_WM_UNIT_COMPATIBLE" val="0"/>
-  <p:tag name="KSO_WM_UNIT_DIAGRAM_ISNUMVISUAL" val="0"/>
-  <p:tag name="KSO_WM_UNIT_DIAGRAM_ISREFERUNIT" val="0"/>
-  <p:tag name="KSO_WM_UNIT_ID" val="basetag20161329_8*i*_x0003_"/>
-  <p:tag name="KSO_WM_TEMPLATE_CATEGORY" val="basetag"/>
-  <p:tag name="KSO_WM_TEMPLATE_INDEX" val="20161329"/>
-  <p:tag name="KSO_WM_UNIT_LAYERLEVEL" val="1_1_1"/>
-  <p:tag name="KSO_WM_TAG_VERSION" val="1.0"/>
-  <p:tag name="KSO_WM_BEAUTIFY_FLAG" val="#wm#"/>
-  <p:tag name="KSO_WM_UNIT_DIAGRAM_MODELTYPE" val="numdgm"/>
-  <p:tag name="KSO_WM_UNIT_ISCONTENTSTITLE" val="0"/>
-  <p:tag name="KSO_WM_UNIT_PRESET_TEXT" val="标题文字"/>
-  <p:tag name="KSO_WM_UNIT_NOCLEAR" val="0"/>
-  <p:tag name="KSO_WM_UNIT_VALUE" val="5"/>
-  <p:tag name="KSO_WM_DIAGRAM_GROUP_CODE" val="l1-2"/>
-  <p:tag name="KSO_WM_UNIT_TYPE" val="i"/>
-  <p:tag name="KSO_WM_UNIT_INDEX" val="3"/>
-</p:tagLst>
-</file>
-
-<file path=ppt/tags/tag107.xml><?xml version="1.0" encoding="utf-8"?>
-<p:tagLst xmlns:p="http://schemas.openxmlformats.org/presentationml/2006/main">
-  <p:tag name="KSO_WM_UNIT_HIGHLIGHT" val="0"/>
-  <p:tag name="KSO_WM_UNIT_COMPATIBLE" val="0"/>
-  <p:tag name="KSO_WM_UNIT_DIAGRAM_ISNUMVISUAL" val="0"/>
-  <p:tag name="KSO_WM_UNIT_DIAGRAM_ISREFERUNIT" val="0"/>
   <p:tag name="KSO_WM_UNIT_ID" val="basetag20161329_8*i*_x0004_"/>
   <p:tag name="KSO_WM_TEMPLATE_CATEGORY" val="basetag"/>
   <p:tag name="KSO_WM_TEMPLATE_INDEX" val="20161329"/>
@@ -17772,7 +19150,7 @@
 </p:tagLst>
 </file>
 
-<file path=ppt/tags/tag108.xml><?xml version="1.0" encoding="utf-8"?>
+<file path=ppt/tags/tag101.xml><?xml version="1.0" encoding="utf-8"?>
 <p:tagLst xmlns:p="http://schemas.openxmlformats.org/presentationml/2006/main">
   <p:tag name="KSO_WM_UNIT_HIGHLIGHT" val="0"/>
   <p:tag name="KSO_WM_UNIT_COMPATIBLE" val="0"/>
@@ -17791,7 +19169,7 @@
 </p:tagLst>
 </file>
 
-<file path=ppt/tags/tag109.xml><?xml version="1.0" encoding="utf-8"?>
+<file path=ppt/tags/tag102.xml><?xml version="1.0" encoding="utf-8"?>
 <p:tagLst xmlns:p="http://schemas.openxmlformats.org/presentationml/2006/main">
   <p:tag name="KSO_WM_UNIT_HIGHLIGHT" val="0"/>
   <p:tag name="KSO_WM_UNIT_COMPATIBLE" val="0"/>
@@ -17814,20 +19192,7 @@
 </p:tagLst>
 </file>
 
-<file path=ppt/tags/tag11.xml><?xml version="1.0" encoding="utf-8"?>
-<p:tagLst xmlns:p="http://schemas.openxmlformats.org/presentationml/2006/main">
-  <p:tag name="KSO_WM_UNIT_HIGHLIGHT" val="0"/>
-  <p:tag name="KSO_WM_UNIT_COMPATIBLE" val="0"/>
-  <p:tag name="KSO_WM_UNIT_DIAGRAM_ISNUMVISUAL" val="0"/>
-  <p:tag name="KSO_WM_UNIT_DIAGRAM_ISREFERUNIT" val="0"/>
-  <p:tag name="KSO_WM_UNIT_ID" val="_2**"/>
-  <p:tag name="KSO_WM_UNIT_LAYERLEVEL" val="1"/>
-  <p:tag name="KSO_WM_TAG_VERSION" val="1.0"/>
-  <p:tag name="KSO_WM_BEAUTIFY_FLAG" val="#wm#"/>
-</p:tagLst>
-</file>
-
-<file path=ppt/tags/tag110.xml><?xml version="1.0" encoding="utf-8"?>
+<file path=ppt/tags/tag103.xml><?xml version="1.0" encoding="utf-8"?>
 <p:tagLst xmlns:p="http://schemas.openxmlformats.org/presentationml/2006/main">
   <p:tag name="KSO_WM_UNIT_HIGHLIGHT" val="0"/>
   <p:tag name="KSO_WM_UNIT_COMPATIBLE" val="0"/>
@@ -17846,7 +19211,7 @@
 </p:tagLst>
 </file>
 
-<file path=ppt/tags/tag111.xml><?xml version="1.0" encoding="utf-8"?>
+<file path=ppt/tags/tag104.xml><?xml version="1.0" encoding="utf-8"?>
 <p:tagLst xmlns:p="http://schemas.openxmlformats.org/presentationml/2006/main">
   <p:tag name="KSO_WM_UNIT_HIGHLIGHT" val="0"/>
   <p:tag name="KSO_WM_UNIT_COMPATIBLE" val="0"/>
@@ -17865,7 +19230,7 @@
 </p:tagLst>
 </file>
 
-<file path=ppt/tags/tag112.xml><?xml version="1.0" encoding="utf-8"?>
+<file path=ppt/tags/tag105.xml><?xml version="1.0" encoding="utf-8"?>
 <p:tagLst xmlns:p="http://schemas.openxmlformats.org/presentationml/2006/main">
   <p:tag name="KSO_WM_UNIT_HIGHLIGHT" val="0"/>
   <p:tag name="KSO_WM_UNIT_COMPATIBLE" val="0"/>
@@ -17888,7 +19253,7 @@
 </p:tagLst>
 </file>
 
-<file path=ppt/tags/tag113.xml><?xml version="1.0" encoding="utf-8"?>
+<file path=ppt/tags/tag106.xml><?xml version="1.0" encoding="utf-8"?>
 <p:tagLst xmlns:p="http://schemas.openxmlformats.org/presentationml/2006/main">
   <p:tag name="KSO_WM_UNIT_HIGHLIGHT" val="0"/>
   <p:tag name="KSO_WM_UNIT_COMPATIBLE" val="0"/>
@@ -17907,7 +19272,7 @@
 </p:tagLst>
 </file>
 
-<file path=ppt/tags/tag114.xml><?xml version="1.0" encoding="utf-8"?>
+<file path=ppt/tags/tag107.xml><?xml version="1.0" encoding="utf-8"?>
 <p:tagLst xmlns:p="http://schemas.openxmlformats.org/presentationml/2006/main">
   <p:tag name="KSO_WM_UNIT_HIGHLIGHT" val="0"/>
   <p:tag name="KSO_WM_UNIT_COMPATIBLE" val="0"/>
@@ -17926,7 +19291,7 @@
 </p:tagLst>
 </file>
 
-<file path=ppt/tags/tag115.xml><?xml version="1.0" encoding="utf-8"?>
+<file path=ppt/tags/tag108.xml><?xml version="1.0" encoding="utf-8"?>
 <p:tagLst xmlns:p="http://schemas.openxmlformats.org/presentationml/2006/main">
   <p:tag name="KSO_WM_UNIT_HIGHLIGHT" val="0"/>
   <p:tag name="KSO_WM_UNIT_COMPATIBLE" val="0"/>
@@ -17949,7 +19314,7 @@
 </p:tagLst>
 </file>
 
-<file path=ppt/tags/tag116.xml><?xml version="1.0" encoding="utf-8"?>
+<file path=ppt/tags/tag109.xml><?xml version="1.0" encoding="utf-8"?>
 <p:tagLst xmlns:p="http://schemas.openxmlformats.org/presentationml/2006/main">
   <p:tag name="KSO_WM_UNIT_HIGHLIGHT" val="0"/>
   <p:tag name="KSO_WM_UNIT_COMPATIBLE" val="0"/>
@@ -17971,7 +19336,20 @@
 </p:tagLst>
 </file>
 
-<file path=ppt/tags/tag117.xml><?xml version="1.0" encoding="utf-8"?>
+<file path=ppt/tags/tag11.xml><?xml version="1.0" encoding="utf-8"?>
+<p:tagLst xmlns:p="http://schemas.openxmlformats.org/presentationml/2006/main">
+  <p:tag name="KSO_WM_UNIT_HIGHLIGHT" val="0"/>
+  <p:tag name="KSO_WM_UNIT_COMPATIBLE" val="0"/>
+  <p:tag name="KSO_WM_UNIT_DIAGRAM_ISNUMVISUAL" val="0"/>
+  <p:tag name="KSO_WM_UNIT_DIAGRAM_ISREFERUNIT" val="0"/>
+  <p:tag name="KSO_WM_UNIT_ID" val="_2**"/>
+  <p:tag name="KSO_WM_UNIT_LAYERLEVEL" val="1"/>
+  <p:tag name="KSO_WM_TAG_VERSION" val="1.0"/>
+  <p:tag name="KSO_WM_BEAUTIFY_FLAG" val="#wm#"/>
+</p:tagLst>
+</file>
+
+<file path=ppt/tags/tag110.xml><?xml version="1.0" encoding="utf-8"?>
 <p:tagLst xmlns:p="http://schemas.openxmlformats.org/presentationml/2006/main">
   <p:tag name="KSO_WM_UNIT_HIGHLIGHT" val="0"/>
   <p:tag name="KSO_WM_UNIT_COMPATIBLE" val="0"/>
@@ -17993,7 +19371,7 @@
 </p:tagLst>
 </file>
 
-<file path=ppt/tags/tag118.xml><?xml version="1.0" encoding="utf-8"?>
+<file path=ppt/tags/tag111.xml><?xml version="1.0" encoding="utf-8"?>
 <p:tagLst xmlns:p="http://schemas.openxmlformats.org/presentationml/2006/main">
   <p:tag name="KSO_WM_UNIT_HIGHLIGHT" val="0"/>
   <p:tag name="KSO_WM_UNIT_COMPATIBLE" val="0"/>
@@ -18015,7 +19393,7 @@
 </p:tagLst>
 </file>
 
-<file path=ppt/tags/tag119.xml><?xml version="1.0" encoding="utf-8"?>
+<file path=ppt/tags/tag112.xml><?xml version="1.0" encoding="utf-8"?>
 <p:tagLst xmlns:p="http://schemas.openxmlformats.org/presentationml/2006/main">
   <p:tag name="KSO_WM_UNIT_HIGHLIGHT" val="0"/>
   <p:tag name="KSO_WM_UNIT_COMPATIBLE" val="0"/>
@@ -18037,20 +19415,7 @@
 </p:tagLst>
 </file>
 
-<file path=ppt/tags/tag12.xml><?xml version="1.0" encoding="utf-8"?>
-<p:tagLst xmlns:p="http://schemas.openxmlformats.org/presentationml/2006/main">
-  <p:tag name="KSO_WM_UNIT_HIGHLIGHT" val="0"/>
-  <p:tag name="KSO_WM_UNIT_COMPATIBLE" val="0"/>
-  <p:tag name="KSO_WM_UNIT_DIAGRAM_ISNUMVISUAL" val="0"/>
-  <p:tag name="KSO_WM_UNIT_DIAGRAM_ISREFERUNIT" val="0"/>
-  <p:tag name="KSO_WM_UNIT_ID" val="_2**"/>
-  <p:tag name="KSO_WM_UNIT_LAYERLEVEL" val="1"/>
-  <p:tag name="KSO_WM_TAG_VERSION" val="1.0"/>
-  <p:tag name="KSO_WM_BEAUTIFY_FLAG" val="#wm#"/>
-</p:tagLst>
-</file>
-
-<file path=ppt/tags/tag120.xml><?xml version="1.0" encoding="utf-8"?>
+<file path=ppt/tags/tag113.xml><?xml version="1.0" encoding="utf-8"?>
 <p:tagLst xmlns:p="http://schemas.openxmlformats.org/presentationml/2006/main">
   <p:tag name="KSO_WM_TEMPLATE_CATEGORY" val="basetag"/>
   <p:tag name="KSO_WM_TEMPLATE_INDEX" val="20161329"/>
@@ -18070,7 +19435,7 @@
 </p:tagLst>
 </file>
 
-<file path=ppt/tags/tag121.xml><?xml version="1.0" encoding="utf-8"?>
+<file path=ppt/tags/tag114.xml><?xml version="1.0" encoding="utf-8"?>
 <p:tagLst xmlns:p="http://schemas.openxmlformats.org/presentationml/2006/main">
   <p:tag name="KSO_WM_UNIT_HIGHLIGHT" val="0"/>
   <p:tag name="KSO_WM_UNIT_COMPATIBLE" val="0"/>
@@ -18091,7 +19456,7 @@
 </p:tagLst>
 </file>
 
-<file path=ppt/tags/tag122.xml><?xml version="1.0" encoding="utf-8"?>
+<file path=ppt/tags/tag115.xml><?xml version="1.0" encoding="utf-8"?>
 <p:tagLst xmlns:p="http://schemas.openxmlformats.org/presentationml/2006/main">
   <p:tag name="KSO_WM_UNIT_HIGHLIGHT" val="0"/>
   <p:tag name="KSO_WM_UNIT_COMPATIBLE" val="0"/>
@@ -18112,7 +19477,7 @@
 </p:tagLst>
 </file>
 
-<file path=ppt/tags/tag123.xml><?xml version="1.0" encoding="utf-8"?>
+<file path=ppt/tags/tag116.xml><?xml version="1.0" encoding="utf-8"?>
 <p:tagLst xmlns:p="http://schemas.openxmlformats.org/presentationml/2006/main">
   <p:tag name="KSO_WM_UNIT_HIGHLIGHT" val="0"/>
   <p:tag name="KSO_WM_UNIT_COMPATIBLE" val="0"/>
@@ -18133,7 +19498,7 @@
 </p:tagLst>
 </file>
 
-<file path=ppt/tags/tag124.xml><?xml version="1.0" encoding="utf-8"?>
+<file path=ppt/tags/tag117.xml><?xml version="1.0" encoding="utf-8"?>
 <p:tagLst xmlns:p="http://schemas.openxmlformats.org/presentationml/2006/main">
   <p:tag name="KSO_WM_TEMPLATE_CATEGORY" val="basetag"/>
   <p:tag name="KSO_WM_TEMPLATE_INDEX" val="20161329"/>
@@ -18147,6 +19512,25 @@
   <p:tag name="KSO_WM_SLIDE_SUBTYPE" val="pureTxt"/>
   <p:tag name="KSO_WM_SLIDE_LAYOUT" val="a_b"/>
   <p:tag name="KSO_WM_SLIDE_LAYOUT_CNT" val="1_2"/>
+</p:tagLst>
+</file>
+
+<file path=ppt/tags/tag118.xml><?xml version="1.0" encoding="utf-8"?>
+<p:tagLst xmlns:p="http://schemas.openxmlformats.org/presentationml/2006/main">
+  <p:tag name="KSO_WM_DOC_GUID" val="{f582d098-0dfe-4f08-a218-447c26e84f8e}"/>
+</p:tagLst>
+</file>
+
+<file path=ppt/tags/tag12.xml><?xml version="1.0" encoding="utf-8"?>
+<p:tagLst xmlns:p="http://schemas.openxmlformats.org/presentationml/2006/main">
+  <p:tag name="KSO_WM_UNIT_HIGHLIGHT" val="0"/>
+  <p:tag name="KSO_WM_UNIT_COMPATIBLE" val="0"/>
+  <p:tag name="KSO_WM_UNIT_DIAGRAM_ISNUMVISUAL" val="0"/>
+  <p:tag name="KSO_WM_UNIT_DIAGRAM_ISREFERUNIT" val="0"/>
+  <p:tag name="KSO_WM_UNIT_ID" val="_2**"/>
+  <p:tag name="KSO_WM_UNIT_LAYERLEVEL" val="1"/>
+  <p:tag name="KSO_WM_TAG_VERSION" val="1.0"/>
+  <p:tag name="KSO_WM_BEAUTIFY_FLAG" val="#wm#"/>
 </p:tagLst>
 </file>
 
@@ -19256,46 +20640,6 @@
 
 <file path=ppt/tags/tag85.xml><?xml version="1.0" encoding="utf-8"?>
 <p:tagLst xmlns:p="http://schemas.openxmlformats.org/presentationml/2006/main">
-  <p:tag name="KSO_WM_TEMPLATE_CATEGORY" val="basetag"/>
-  <p:tag name="KSO_WM_TEMPLATE_INDEX" val="20161329"/>
-  <p:tag name="KSO_WM_TAG_VERSION" val="1.0"/>
-  <p:tag name="KSO_WM_SLIDE_ID" val="basetag20161329_7"/>
-  <p:tag name="KSO_WM_SLIDE_INDEX" val="7"/>
-  <p:tag name="KSO_WM_SLIDE_ITEM_CNT" val="3"/>
-  <p:tag name="KSO_WM_SLIDE_TYPE" val="sectionTitle"/>
-  <p:tag name="KSO_WM_BEAUTIFY_FLAG" val="#wm#"/>
-  <p:tag name="KSO_WM_TEMPLATE_SUBCATEGORY" val="0"/>
-  <p:tag name="KSO_WM_SLIDE_SUBTYPE" val="diag"/>
-  <p:tag name="KSO_WM_SLIDE_DIAGTYPE" val="l"/>
-  <p:tag name="KSO_WM_SLIDE_LAYOUT" val="a_l"/>
-  <p:tag name="KSO_WM_SLIDE_LAYOUT_CNT" val="1_1"/>
-</p:tagLst>
-</file>
-
-<file path=ppt/tags/tag86.xml><?xml version="1.0" encoding="utf-8"?>
-<p:tagLst xmlns:p="http://schemas.openxmlformats.org/presentationml/2006/main">
-  <p:tag name="KSO_WM_UNIT_HIGHLIGHT" val="0"/>
-  <p:tag name="KSO_WM_UNIT_COMPATIBLE" val="0"/>
-  <p:tag name="KSO_WM_UNIT_DIAGRAM_ISNUMVISUAL" val="0"/>
-  <p:tag name="KSO_WM_UNIT_DIAGRAM_ISREFERUNIT" val="0"/>
-  <p:tag name="KSO_WM_UNIT_ID" val="basetag20161329_13*i*"/>
-  <p:tag name="KSO_WM_TEMPLATE_CATEGORY" val="basetag"/>
-  <p:tag name="KSO_WM_TEMPLATE_INDEX" val="20161329"/>
-  <p:tag name="KSO_WM_UNIT_LAYERLEVEL" val="1"/>
-  <p:tag name="KSO_WM_TAG_VERSION" val="1.0"/>
-  <p:tag name="KSO_WM_BEAUTIFY_FLAG" val="#wm#"/>
-  <p:tag name="KSO_WM_UNIT_ISCONTENTSTITLE" val="0"/>
-  <p:tag name="KSO_WM_UNIT_PRESET_TEXT" val="请在此处添加你的标题"/>
-  <p:tag name="KSO_WM_UNIT_NOCLEAR" val="0"/>
-  <p:tag name="KSO_WM_UNIT_VALUE" val="11"/>
-  <p:tag name="KSO_WM_DIAGRAM_GROUP_CODE" val="m1-2"/>
-  <p:tag name="KSO_WM_UNIT_TYPE" val="i"/>
-  <p:tag name="KSO_WM_UNIT_INDEX" val="0"/>
-</p:tagLst>
-</file>
-
-<file path=ppt/tags/tag87.xml><?xml version="1.0" encoding="utf-8"?>
-<p:tagLst xmlns:p="http://schemas.openxmlformats.org/presentationml/2006/main">
   <p:tag name="KSO_WM_UNIT_HIGHLIGHT" val="0"/>
   <p:tag name="KSO_WM_UNIT_COMPATIBLE" val="0"/>
   <p:tag name="KSO_WM_UNIT_DIAGRAM_ISNUMVISUAL" val="0"/>
@@ -19313,39 +20657,81 @@
 </p:tagLst>
 </file>
 
+<file path=ppt/tags/tag86.xml><?xml version="1.0" encoding="utf-8"?>
+<p:tagLst xmlns:p="http://schemas.openxmlformats.org/presentationml/2006/main">
+  <p:tag name="KSO_WM_TEMPLATE_CATEGORY" val="basetag"/>
+  <p:tag name="KSO_WM_TEMPLATE_INDEX" val="20161329"/>
+  <p:tag name="KSO_WM_TAG_VERSION" val="1.0"/>
+  <p:tag name="KSO_WM_SLIDE_ID" val="basetag20161329_7"/>
+  <p:tag name="KSO_WM_SLIDE_INDEX" val="7"/>
+  <p:tag name="KSO_WM_SLIDE_ITEM_CNT" val="3"/>
+  <p:tag name="KSO_WM_SLIDE_TYPE" val="sectionTitle"/>
+  <p:tag name="KSO_WM_BEAUTIFY_FLAG" val="#wm#"/>
+  <p:tag name="KSO_WM_TEMPLATE_SUBCATEGORY" val="0"/>
+  <p:tag name="KSO_WM_SLIDE_SUBTYPE" val="diag"/>
+  <p:tag name="KSO_WM_SLIDE_DIAGTYPE" val="l"/>
+  <p:tag name="KSO_WM_SLIDE_LAYOUT" val="a_l"/>
+  <p:tag name="KSO_WM_SLIDE_LAYOUT_CNT" val="1_1"/>
+</p:tagLst>
+</file>
+
+<file path=ppt/tags/tag87.xml><?xml version="1.0" encoding="utf-8"?>
+<p:tagLst xmlns:p="http://schemas.openxmlformats.org/presentationml/2006/main">
+  <p:tag name="KSO_WM_UNIT_HIGHLIGHT" val="0"/>
+  <p:tag name="KSO_WM_UNIT_COMPATIBLE" val="0"/>
+  <p:tag name="KSO_WM_UNIT_DIAGRAM_ISNUMVISUAL" val="0"/>
+  <p:tag name="KSO_WM_UNIT_DIAGRAM_ISREFERUNIT" val="0"/>
+  <p:tag name="KSO_WM_UNIT_ID" val="basetag20161329_2*i*"/>
+  <p:tag name="KSO_WM_TEMPLATE_CATEGORY" val="basetag"/>
+  <p:tag name="KSO_WM_TEMPLATE_INDEX" val="20161329"/>
+  <p:tag name="KSO_WM_UNIT_LAYERLEVEL" val="1"/>
+  <p:tag name="KSO_WM_TAG_VERSION" val="1.0"/>
+  <p:tag name="KSO_WM_BEAUTIFY_FLAG" val="#wm#"/>
+  <p:tag name="KSO_WM_UNIT_PRESET_TEXT" val="单击此处添加您的编辑文字单击此处添加您的编辑文字单击此处添加您的编辑文字单击此处添加您的编辑文字单击此处添加您的编辑文字单击此处添加您的编辑文字单击此处添加&#10;&#10;单击此处添加您的编辑文字单击此处添加您的编辑文字单击此处添加您的编辑文字单击此处添加您的编辑文字单击此处添加&#10;&#10;单击此处添加您的编辑文字单击此处添加您的编辑文字单击此处添加您的编辑文字单击此处添加您的编辑文字单击此处添加"/>
+  <p:tag name="KSO_WM_UNIT_NOCLEAR" val="0"/>
+  <p:tag name="KSO_WM_UNIT_VALUE" val="440"/>
+  <p:tag name="KSO_WM_UNIT_TYPE" val="i"/>
+  <p:tag name="KSO_WM_UNIT_INDEX" val="0"/>
+</p:tagLst>
+</file>
+
 <file path=ppt/tags/tag88.xml><?xml version="1.0" encoding="utf-8"?>
 <p:tagLst xmlns:p="http://schemas.openxmlformats.org/presentationml/2006/main">
   <p:tag name="KSO_WM_UNIT_HIGHLIGHT" val="0"/>
   <p:tag name="KSO_WM_UNIT_COMPATIBLE" val="0"/>
   <p:tag name="KSO_WM_UNIT_DIAGRAM_ISNUMVISUAL" val="0"/>
   <p:tag name="KSO_WM_UNIT_DIAGRAM_ISREFERUNIT" val="0"/>
-  <p:tag name="KSO_WM_UNIT_ID" val="basetag20161329_13*i*_x0002_"/>
+  <p:tag name="KSO_WM_UNIT_ID" val="basetag20161329_2*i*_x0001_"/>
   <p:tag name="KSO_WM_TEMPLATE_CATEGORY" val="basetag"/>
   <p:tag name="KSO_WM_TEMPLATE_INDEX" val="20161329"/>
-  <p:tag name="KSO_WM_UNIT_LAYERLEVEL" val="1_1_1"/>
+  <p:tag name="KSO_WM_UNIT_LAYERLEVEL" val="1"/>
   <p:tag name="KSO_WM_TAG_VERSION" val="1.0"/>
   <p:tag name="KSO_WM_BEAUTIFY_FLAG" val="#wm#"/>
-  <p:tag name="KSO_WM_DIAGRAM_GROUP_CODE" val="m1-2"/>
+  <p:tag name="KSO_WM_UNIT_ISCONTENTSTITLE" val="0"/>
+  <p:tag name="KSO_WM_UNIT_PRESET_TEXT" val="单击这里输入标题"/>
+  <p:tag name="KSO_WM_UNIT_NOCLEAR" val="0"/>
+  <p:tag name="KSO_WM_UNIT_VALUE" val="22"/>
   <p:tag name="KSO_WM_UNIT_TYPE" val="i"/>
-  <p:tag name="KSO_WM_UNIT_INDEX" val="2"/>
+  <p:tag name="KSO_WM_UNIT_INDEX" val="1"/>
 </p:tagLst>
 </file>
 
 <file path=ppt/tags/tag89.xml><?xml version="1.0" encoding="utf-8"?>
 <p:tagLst xmlns:p="http://schemas.openxmlformats.org/presentationml/2006/main">
-  <p:tag name="KSO_WM_UNIT_HIGHLIGHT" val="0"/>
-  <p:tag name="KSO_WM_UNIT_COMPATIBLE" val="0"/>
-  <p:tag name="KSO_WM_UNIT_DIAGRAM_ISNUMVISUAL" val="0"/>
-  <p:tag name="KSO_WM_UNIT_DIAGRAM_ISREFERUNIT" val="0"/>
-  <p:tag name="KSO_WM_UNIT_ID" val="basetag20161329_13*i*_x0003_"/>
   <p:tag name="KSO_WM_TEMPLATE_CATEGORY" val="basetag"/>
   <p:tag name="KSO_WM_TEMPLATE_INDEX" val="20161329"/>
-  <p:tag name="KSO_WM_UNIT_LAYERLEVEL" val="1_1_1"/>
   <p:tag name="KSO_WM_TAG_VERSION" val="1.0"/>
+  <p:tag name="KSO_WM_SLIDE_ID" val="basetag20161329_2"/>
+  <p:tag name="KSO_WM_SLIDE_INDEX" val="2"/>
+  <p:tag name="KSO_WM_SLIDE_ITEM_CNT" val="0"/>
+  <p:tag name="KSO_WM_SLIDE_TYPE" val="text"/>
   <p:tag name="KSO_WM_BEAUTIFY_FLAG" val="#wm#"/>
-  <p:tag name="KSO_WM_DIAGRAM_GROUP_CODE" val="m1-2"/>
-  <p:tag name="KSO_WM_UNIT_TYPE" val="i"/>
-  <p:tag name="KSO_WM_UNIT_INDEX" val="3"/>
+  <p:tag name="KSO_WM_TEMPLATE_SUBCATEGORY" val="0"/>
+  <p:tag name="KSO_WM_SLIDE_SUBTYPE" val="pureTxt"/>
+  <p:tag name="KSO_WM_SLIDE_SIZE" val="828*457"/>
+  <p:tag name="KSO_WM_SLIDE_POSITION" val="66*28"/>
+  <p:tag name="KSO_WM_SLIDE_LAYOUT" val="a_f"/>
+  <p:tag name="KSO_WM_SLIDE_LAYOUT_CNT" val="1_1"/>
 </p:tagLst>
 </file>
 
@@ -19368,148 +20754,6 @@
   <p:tag name="KSO_WM_UNIT_COMPATIBLE" val="0"/>
   <p:tag name="KSO_WM_UNIT_DIAGRAM_ISNUMVISUAL" val="0"/>
   <p:tag name="KSO_WM_UNIT_DIAGRAM_ISREFERUNIT" val="0"/>
-  <p:tag name="KSO_WM_UNIT_ID" val="basetag20161329_13*i*_x0004_"/>
-  <p:tag name="KSO_WM_TEMPLATE_CATEGORY" val="basetag"/>
-  <p:tag name="KSO_WM_TEMPLATE_INDEX" val="20161329"/>
-  <p:tag name="KSO_WM_UNIT_LAYERLEVEL" val="1_1"/>
-  <p:tag name="KSO_WM_TAG_VERSION" val="1.0"/>
-  <p:tag name="KSO_WM_BEAUTIFY_FLAG" val="#wm#"/>
-  <p:tag name="KSO_WM_DIAGRAM_GROUP_CODE" val="m1-2"/>
-  <p:tag name="KSO_WM_UNIT_TYPE" val="i"/>
-  <p:tag name="KSO_WM_UNIT_INDEX" val="4"/>
-</p:tagLst>
-</file>
-
-<file path=ppt/tags/tag91.xml><?xml version="1.0" encoding="utf-8"?>
-<p:tagLst xmlns:p="http://schemas.openxmlformats.org/presentationml/2006/main">
-  <p:tag name="KSO_WM_UNIT_HIGHLIGHT" val="0"/>
-  <p:tag name="KSO_WM_UNIT_COMPATIBLE" val="0"/>
-  <p:tag name="KSO_WM_UNIT_DIAGRAM_ISNUMVISUAL" val="0"/>
-  <p:tag name="KSO_WM_UNIT_DIAGRAM_ISREFERUNIT" val="0"/>
-  <p:tag name="KSO_WM_UNIT_ID" val="basetag20161329_13*i*_x0005_"/>
-  <p:tag name="KSO_WM_TEMPLATE_CATEGORY" val="basetag"/>
-  <p:tag name="KSO_WM_TEMPLATE_INDEX" val="20161329"/>
-  <p:tag name="KSO_WM_UNIT_LAYERLEVEL" val="1_1"/>
-  <p:tag name="KSO_WM_TAG_VERSION" val="1.0"/>
-  <p:tag name="KSO_WM_BEAUTIFY_FLAG" val="#wm#"/>
-  <p:tag name="KSO_WM_DIAGRAM_GROUP_CODE" val="m1-2"/>
-  <p:tag name="KSO_WM_UNIT_TYPE" val="i"/>
-  <p:tag name="KSO_WM_UNIT_INDEX" val="5"/>
-</p:tagLst>
-</file>
-
-<file path=ppt/tags/tag92.xml><?xml version="1.0" encoding="utf-8"?>
-<p:tagLst xmlns:p="http://schemas.openxmlformats.org/presentationml/2006/main">
-  <p:tag name="KSO_WM_UNIT_HIGHLIGHT" val="0"/>
-  <p:tag name="KSO_WM_UNIT_COMPATIBLE" val="0"/>
-  <p:tag name="KSO_WM_UNIT_DIAGRAM_ISNUMVISUAL" val="0"/>
-  <p:tag name="KSO_WM_UNIT_DIAGRAM_ISREFERUNIT" val="0"/>
-  <p:tag name="KSO_WM_UNIT_ID" val="basetag20161329_13*i*_x0006_"/>
-  <p:tag name="KSO_WM_TEMPLATE_CATEGORY" val="basetag"/>
-  <p:tag name="KSO_WM_TEMPLATE_INDEX" val="20161329"/>
-  <p:tag name="KSO_WM_UNIT_LAYERLEVEL" val="1_1_1"/>
-  <p:tag name="KSO_WM_TAG_VERSION" val="1.0"/>
-  <p:tag name="KSO_WM_BEAUTIFY_FLAG" val="#wm#"/>
-  <p:tag name="KSO_WM_UNIT_ISCONTENTSTITLE" val="0"/>
-  <p:tag name="KSO_WM_UNIT_PRESET_TEXT" val="1.添加标题"/>
-  <p:tag name="KSO_WM_UNIT_NOCLEAR" val="0"/>
-  <p:tag name="KSO_WM_UNIT_VALUE" val="5"/>
-  <p:tag name="KSO_WM_DIAGRAM_GROUP_CODE" val="m1-2"/>
-  <p:tag name="KSO_WM_UNIT_TYPE" val="i"/>
-  <p:tag name="KSO_WM_UNIT_INDEX" val="6"/>
-</p:tagLst>
-</file>
-
-<file path=ppt/tags/tag93.xml><?xml version="1.0" encoding="utf-8"?>
-<p:tagLst xmlns:p="http://schemas.openxmlformats.org/presentationml/2006/main">
-  <p:tag name="KSO_WM_UNIT_HIGHLIGHT" val="0"/>
-  <p:tag name="KSO_WM_UNIT_COMPATIBLE" val="0"/>
-  <p:tag name="KSO_WM_UNIT_DIAGRAM_ISNUMVISUAL" val="0"/>
-  <p:tag name="KSO_WM_UNIT_DIAGRAM_ISREFERUNIT" val="0"/>
-  <p:tag name="KSO_WM_UNIT_ID" val="basetag20161329_13*i*_x0007_"/>
-  <p:tag name="KSO_WM_TEMPLATE_CATEGORY" val="basetag"/>
-  <p:tag name="KSO_WM_TEMPLATE_INDEX" val="20161329"/>
-  <p:tag name="KSO_WM_UNIT_LAYERLEVEL" val="1_1_1"/>
-  <p:tag name="KSO_WM_TAG_VERSION" val="1.0"/>
-  <p:tag name="KSO_WM_BEAUTIFY_FLAG" val="#wm#"/>
-  <p:tag name="KSO_WM_UNIT_ISCONTENTSTITLE" val="0"/>
-  <p:tag name="KSO_WM_UNIT_PRESET_TEXT" val="2.添加标题"/>
-  <p:tag name="KSO_WM_UNIT_NOCLEAR" val="0"/>
-  <p:tag name="KSO_WM_UNIT_VALUE" val="5"/>
-  <p:tag name="KSO_WM_DIAGRAM_GROUP_CODE" val="m1-2"/>
-  <p:tag name="KSO_WM_UNIT_TYPE" val="i"/>
-  <p:tag name="KSO_WM_UNIT_INDEX" val="7"/>
-</p:tagLst>
-</file>
-
-<file path=ppt/tags/tag94.xml><?xml version="1.0" encoding="utf-8"?>
-<p:tagLst xmlns:p="http://schemas.openxmlformats.org/presentationml/2006/main">
-  <p:tag name="KSO_WM_UNIT_HIGHLIGHT" val="0"/>
-  <p:tag name="KSO_WM_UNIT_COMPATIBLE" val="0"/>
-  <p:tag name="KSO_WM_UNIT_DIAGRAM_ISNUMVISUAL" val="0"/>
-  <p:tag name="KSO_WM_UNIT_DIAGRAM_ISREFERUNIT" val="0"/>
-  <p:tag name="KSO_WM_UNIT_ID" val="basetag20161329_13*i*_x0008_"/>
-  <p:tag name="KSO_WM_TEMPLATE_CATEGORY" val="basetag"/>
-  <p:tag name="KSO_WM_TEMPLATE_INDEX" val="20161329"/>
-  <p:tag name="KSO_WM_UNIT_LAYERLEVEL" val="1_1_1"/>
-  <p:tag name="KSO_WM_TAG_VERSION" val="1.0"/>
-  <p:tag name="KSO_WM_BEAUTIFY_FLAG" val="#wm#"/>
-  <p:tag name="KSO_WM_UNIT_PRESET_TEXT" val="梭拓PPT工作室更专业的模板。梭拓，不止创新。请在此处填入你需要的内容。"/>
-  <p:tag name="KSO_WM_UNIT_NOCLEAR" val="0"/>
-  <p:tag name="KSO_WM_UNIT_VALUE" val="40"/>
-  <p:tag name="KSO_WM_DIAGRAM_GROUP_CODE" val="m1-2"/>
-  <p:tag name="KSO_WM_UNIT_TYPE" val="i"/>
-  <p:tag name="KSO_WM_UNIT_INDEX" val="8"/>
-</p:tagLst>
-</file>
-
-<file path=ppt/tags/tag95.xml><?xml version="1.0" encoding="utf-8"?>
-<p:tagLst xmlns:p="http://schemas.openxmlformats.org/presentationml/2006/main">
-  <p:tag name="KSO_WM_UNIT_HIGHLIGHT" val="0"/>
-  <p:tag name="KSO_WM_UNIT_COMPATIBLE" val="0"/>
-  <p:tag name="KSO_WM_UNIT_DIAGRAM_ISNUMVISUAL" val="0"/>
-  <p:tag name="KSO_WM_UNIT_DIAGRAM_ISREFERUNIT" val="0"/>
-  <p:tag name="KSO_WM_UNIT_ID" val="basetag20161329_13*i* "/>
-  <p:tag name="KSO_WM_TEMPLATE_CATEGORY" val="basetag"/>
-  <p:tag name="KSO_WM_TEMPLATE_INDEX" val="20161329"/>
-  <p:tag name="KSO_WM_UNIT_LAYERLEVEL" val="1_1_1"/>
-  <p:tag name="KSO_WM_TAG_VERSION" val="1.0"/>
-  <p:tag name="KSO_WM_BEAUTIFY_FLAG" val="#wm#"/>
-  <p:tag name="KSO_WM_UNIT_PRESET_TEXT" val="梭拓PPT工作室更专业的模板。梭拓，不止创新。请在此处填入你需要的内容。"/>
-  <p:tag name="KSO_WM_UNIT_NOCLEAR" val="0"/>
-  <p:tag name="KSO_WM_UNIT_VALUE" val="40"/>
-  <p:tag name="KSO_WM_DIAGRAM_GROUP_CODE" val="m1-2"/>
-  <p:tag name="KSO_WM_UNIT_TYPE" val="i"/>
-  <p:tag name="KSO_WM_UNIT_INDEX" val="9"/>
-</p:tagLst>
-</file>
-
-<file path=ppt/tags/tag96.xml><?xml version="1.0" encoding="utf-8"?>
-<p:tagLst xmlns:p="http://schemas.openxmlformats.org/presentationml/2006/main">
-  <p:tag name="KSO_WM_TEMPLATE_CATEGORY" val="basetag"/>
-  <p:tag name="KSO_WM_TEMPLATE_INDEX" val="20161329"/>
-  <p:tag name="KSO_WM_TAG_VERSION" val="1.0"/>
-  <p:tag name="KSO_WM_SLIDE_ID" val="basetag20161329_13"/>
-  <p:tag name="KSO_WM_SLIDE_INDEX" val="13"/>
-  <p:tag name="KSO_WM_SLIDE_ITEM_CNT" val="2"/>
-  <p:tag name="KSO_WM_SLIDE_TYPE" val="text"/>
-  <p:tag name="KSO_WM_BEAUTIFY_FLAG" val="#wm#"/>
-  <p:tag name="KSO_WM_TEMPLATE_SUBCATEGORY" val="0"/>
-  <p:tag name="KSO_WM_SLIDE_SUBTYPE" val="diag"/>
-  <p:tag name="KSO_WM_SLIDE_SIZE" val="763*410"/>
-  <p:tag name="KSO_WM_SLIDE_POSITION" val="70*32"/>
-  <p:tag name="KSO_WM_SLIDE_DIAGTYPE" val="m"/>
-  <p:tag name="KSO_WM_SLIDE_LAYOUT" val="a_m"/>
-  <p:tag name="KSO_WM_SLIDE_LAYOUT_CNT" val="1_1"/>
-</p:tagLst>
-</file>
-
-<file path=ppt/tags/tag97.xml><?xml version="1.0" encoding="utf-8"?>
-<p:tagLst xmlns:p="http://schemas.openxmlformats.org/presentationml/2006/main">
-  <p:tag name="KSO_WM_UNIT_HIGHLIGHT" val="0"/>
-  <p:tag name="KSO_WM_UNIT_COMPATIBLE" val="0"/>
-  <p:tag name="KSO_WM_UNIT_DIAGRAM_ISNUMVISUAL" val="0"/>
-  <p:tag name="KSO_WM_UNIT_DIAGRAM_ISREFERUNIT" val="0"/>
   <p:tag name="KSO_WM_UNIT_ID" val="basetag20161329_2*i*"/>
   <p:tag name="KSO_WM_TEMPLATE_CATEGORY" val="basetag"/>
   <p:tag name="KSO_WM_TEMPLATE_INDEX" val="20161329"/>
@@ -19524,7 +20768,7 @@
 </p:tagLst>
 </file>
 
-<file path=ppt/tags/tag98.xml><?xml version="1.0" encoding="utf-8"?>
+<file path=ppt/tags/tag91.xml><?xml version="1.0" encoding="utf-8"?>
 <p:tagLst xmlns:p="http://schemas.openxmlformats.org/presentationml/2006/main">
   <p:tag name="KSO_WM_UNIT_HIGHLIGHT" val="0"/>
   <p:tag name="KSO_WM_UNIT_COMPATIBLE" val="0"/>
@@ -19545,7 +20789,7 @@
 </p:tagLst>
 </file>
 
-<file path=ppt/tags/tag99.xml><?xml version="1.0" encoding="utf-8"?>
+<file path=ppt/tags/tag92.xml><?xml version="1.0" encoding="utf-8"?>
 <p:tagLst xmlns:p="http://schemas.openxmlformats.org/presentationml/2006/main">
   <p:tag name="KSO_WM_TEMPLATE_CATEGORY" val="basetag"/>
   <p:tag name="KSO_WM_TEMPLATE_INDEX" val="20161329"/>
@@ -19561,6 +20805,149 @@
   <p:tag name="KSO_WM_SLIDE_POSITION" val="66*28"/>
   <p:tag name="KSO_WM_SLIDE_LAYOUT" val="a_f"/>
   <p:tag name="KSO_WM_SLIDE_LAYOUT_CNT" val="1_1"/>
+</p:tagLst>
+</file>
+
+<file path=ppt/tags/tag93.xml><?xml version="1.0" encoding="utf-8"?>
+<p:tagLst xmlns:p="http://schemas.openxmlformats.org/presentationml/2006/main">
+  <p:tag name="KSO_WM_UNIT_HIGHLIGHT" val="0"/>
+  <p:tag name="KSO_WM_UNIT_COMPATIBLE" val="0"/>
+  <p:tag name="KSO_WM_UNIT_DIAGRAM_ISNUMVISUAL" val="0"/>
+  <p:tag name="KSO_WM_UNIT_DIAGRAM_ISREFERUNIT" val="0"/>
+  <p:tag name="KSO_WM_UNIT_ID" val="basetag20161329_2*i*"/>
+  <p:tag name="KSO_WM_TEMPLATE_CATEGORY" val="basetag"/>
+  <p:tag name="KSO_WM_TEMPLATE_INDEX" val="20161329"/>
+  <p:tag name="KSO_WM_UNIT_LAYERLEVEL" val="1"/>
+  <p:tag name="KSO_WM_TAG_VERSION" val="1.0"/>
+  <p:tag name="KSO_WM_BEAUTIFY_FLAG" val="#wm#"/>
+  <p:tag name="KSO_WM_UNIT_PRESET_TEXT" val="单击此处添加您的编辑文字单击此处添加您的编辑文字单击此处添加您的编辑文字单击此处添加您的编辑文字单击此处添加您的编辑文字单击此处添加您的编辑文字单击此处添加&#10;&#10;单击此处添加您的编辑文字单击此处添加您的编辑文字单击此处添加您的编辑文字单击此处添加您的编辑文字单击此处添加&#10;&#10;单击此处添加您的编辑文字单击此处添加您的编辑文字单击此处添加您的编辑文字单击此处添加您的编辑文字单击此处添加"/>
+  <p:tag name="KSO_WM_UNIT_NOCLEAR" val="0"/>
+  <p:tag name="KSO_WM_UNIT_VALUE" val="440"/>
+  <p:tag name="KSO_WM_UNIT_TYPE" val="i"/>
+  <p:tag name="KSO_WM_UNIT_INDEX" val="0"/>
+</p:tagLst>
+</file>
+
+<file path=ppt/tags/tag94.xml><?xml version="1.0" encoding="utf-8"?>
+<p:tagLst xmlns:p="http://schemas.openxmlformats.org/presentationml/2006/main">
+  <p:tag name="KSO_WM_UNIT_HIGHLIGHT" val="0"/>
+  <p:tag name="KSO_WM_UNIT_COMPATIBLE" val="0"/>
+  <p:tag name="KSO_WM_UNIT_DIAGRAM_ISNUMVISUAL" val="0"/>
+  <p:tag name="KSO_WM_UNIT_DIAGRAM_ISREFERUNIT" val="0"/>
+  <p:tag name="KSO_WM_UNIT_ID" val="basetag20161329_2*i*_x0001_"/>
+  <p:tag name="KSO_WM_TEMPLATE_CATEGORY" val="basetag"/>
+  <p:tag name="KSO_WM_TEMPLATE_INDEX" val="20161329"/>
+  <p:tag name="KSO_WM_UNIT_LAYERLEVEL" val="1"/>
+  <p:tag name="KSO_WM_TAG_VERSION" val="1.0"/>
+  <p:tag name="KSO_WM_BEAUTIFY_FLAG" val="#wm#"/>
+  <p:tag name="KSO_WM_UNIT_ISCONTENTSTITLE" val="0"/>
+  <p:tag name="KSO_WM_UNIT_PRESET_TEXT" val="单击这里输入标题"/>
+  <p:tag name="KSO_WM_UNIT_NOCLEAR" val="0"/>
+  <p:tag name="KSO_WM_UNIT_VALUE" val="22"/>
+  <p:tag name="KSO_WM_UNIT_TYPE" val="i"/>
+  <p:tag name="KSO_WM_UNIT_INDEX" val="1"/>
+</p:tagLst>
+</file>
+
+<file path=ppt/tags/tag95.xml><?xml version="1.0" encoding="utf-8"?>
+<p:tagLst xmlns:p="http://schemas.openxmlformats.org/presentationml/2006/main">
+  <p:tag name="KSO_WM_TEMPLATE_CATEGORY" val="basetag"/>
+  <p:tag name="KSO_WM_TEMPLATE_INDEX" val="20161329"/>
+  <p:tag name="KSO_WM_TAG_VERSION" val="1.0"/>
+  <p:tag name="KSO_WM_SLIDE_ID" val="basetag20161329_2"/>
+  <p:tag name="KSO_WM_SLIDE_INDEX" val="2"/>
+  <p:tag name="KSO_WM_SLIDE_ITEM_CNT" val="0"/>
+  <p:tag name="KSO_WM_SLIDE_TYPE" val="text"/>
+  <p:tag name="KSO_WM_BEAUTIFY_FLAG" val="#wm#"/>
+  <p:tag name="KSO_WM_TEMPLATE_SUBCATEGORY" val="0"/>
+  <p:tag name="KSO_WM_SLIDE_SUBTYPE" val="pureTxt"/>
+  <p:tag name="KSO_WM_SLIDE_SIZE" val="828*457"/>
+  <p:tag name="KSO_WM_SLIDE_POSITION" val="66*28"/>
+  <p:tag name="KSO_WM_SLIDE_LAYOUT" val="a_f"/>
+  <p:tag name="KSO_WM_SLIDE_LAYOUT_CNT" val="1_1"/>
+</p:tagLst>
+</file>
+
+<file path=ppt/tags/tag96.xml><?xml version="1.0" encoding="utf-8"?>
+<p:tagLst xmlns:p="http://schemas.openxmlformats.org/presentationml/2006/main">
+  <p:tag name="KSO_WM_UNIT_HIGHLIGHT" val="0"/>
+  <p:tag name="KSO_WM_UNIT_COMPATIBLE" val="0"/>
+  <p:tag name="KSO_WM_UNIT_DIAGRAM_ISNUMVISUAL" val="0"/>
+  <p:tag name="KSO_WM_UNIT_DIAGRAM_ISREFERUNIT" val="0"/>
+  <p:tag name="KSO_WM_UNIT_ID" val="basetag20161329_8*i*"/>
+  <p:tag name="KSO_WM_TEMPLATE_CATEGORY" val="basetag"/>
+  <p:tag name="KSO_WM_TEMPLATE_INDEX" val="20161329"/>
+  <p:tag name="KSO_WM_UNIT_LAYERLEVEL" val="1"/>
+  <p:tag name="KSO_WM_TAG_VERSION" val="1.0"/>
+  <p:tag name="KSO_WM_BEAUTIFY_FLAG" val="#wm#"/>
+  <p:tag name="KSO_WM_UNIT_ISCONTENTSTITLE" val="0"/>
+  <p:tag name="KSO_WM_UNIT_PRESET_TEXT" val="请在此处添加你的标题"/>
+  <p:tag name="KSO_WM_UNIT_NOCLEAR" val="0"/>
+  <p:tag name="KSO_WM_UNIT_VALUE" val="11"/>
+  <p:tag name="KSO_WM_DIAGRAM_GROUP_CODE" val="l1-2"/>
+  <p:tag name="KSO_WM_UNIT_TYPE" val="i"/>
+  <p:tag name="KSO_WM_UNIT_INDEX" val="0"/>
+</p:tagLst>
+</file>
+
+<file path=ppt/tags/tag97.xml><?xml version="1.0" encoding="utf-8"?>
+<p:tagLst xmlns:p="http://schemas.openxmlformats.org/presentationml/2006/main">
+  <p:tag name="KSO_WM_UNIT_HIGHLIGHT" val="0"/>
+  <p:tag name="KSO_WM_UNIT_COMPATIBLE" val="0"/>
+  <p:tag name="KSO_WM_UNIT_DIAGRAM_ISNUMVISUAL" val="0"/>
+  <p:tag name="KSO_WM_UNIT_DIAGRAM_ISREFERUNIT" val="0"/>
+  <p:tag name="KSO_WM_UNIT_ID" val="basetag20161329_8*i*_x0001_"/>
+  <p:tag name="KSO_WM_TEMPLATE_CATEGORY" val="basetag"/>
+  <p:tag name="KSO_WM_TEMPLATE_INDEX" val="20161329"/>
+  <p:tag name="KSO_WM_UNIT_LAYERLEVEL" val="1_1_1"/>
+  <p:tag name="KSO_WM_TAG_VERSION" val="1.0"/>
+  <p:tag name="KSO_WM_BEAUTIFY_FLAG" val="#wm#"/>
+  <p:tag name="KSO_WM_UNIT_DIAGRAM_MODELTYPE" val="numdgm"/>
+  <p:tag name="KSO_WM_DIAGRAM_GROUP_CODE" val="l1-2"/>
+  <p:tag name="KSO_WM_UNIT_TYPE" val="i"/>
+  <p:tag name="KSO_WM_UNIT_INDEX" val="1"/>
+</p:tagLst>
+</file>
+
+<file path=ppt/tags/tag98.xml><?xml version="1.0" encoding="utf-8"?>
+<p:tagLst xmlns:p="http://schemas.openxmlformats.org/presentationml/2006/main">
+  <p:tag name="KSO_WM_UNIT_HIGHLIGHT" val="0"/>
+  <p:tag name="KSO_WM_UNIT_COMPATIBLE" val="0"/>
+  <p:tag name="KSO_WM_UNIT_DIAGRAM_ISNUMVISUAL" val="0"/>
+  <p:tag name="KSO_WM_UNIT_DIAGRAM_ISREFERUNIT" val="0"/>
+  <p:tag name="KSO_WM_UNIT_ID" val="basetag20161329_8*i*_x0002_"/>
+  <p:tag name="KSO_WM_TEMPLATE_CATEGORY" val="basetag"/>
+  <p:tag name="KSO_WM_TEMPLATE_INDEX" val="20161329"/>
+  <p:tag name="KSO_WM_UNIT_LAYERLEVEL" val="1_1_1"/>
+  <p:tag name="KSO_WM_TAG_VERSION" val="1.0"/>
+  <p:tag name="KSO_WM_BEAUTIFY_FLAG" val="#wm#"/>
+  <p:tag name="KSO_WM_UNIT_DIAGRAM_MODELTYPE" val="numdgm"/>
+  <p:tag name="KSO_WM_DIAGRAM_GROUP_CODE" val="l1-2"/>
+  <p:tag name="KSO_WM_UNIT_TYPE" val="i"/>
+  <p:tag name="KSO_WM_UNIT_INDEX" val="2"/>
+</p:tagLst>
+</file>
+
+<file path=ppt/tags/tag99.xml><?xml version="1.0" encoding="utf-8"?>
+<p:tagLst xmlns:p="http://schemas.openxmlformats.org/presentationml/2006/main">
+  <p:tag name="KSO_WM_UNIT_HIGHLIGHT" val="0"/>
+  <p:tag name="KSO_WM_UNIT_COMPATIBLE" val="0"/>
+  <p:tag name="KSO_WM_UNIT_DIAGRAM_ISNUMVISUAL" val="0"/>
+  <p:tag name="KSO_WM_UNIT_DIAGRAM_ISREFERUNIT" val="0"/>
+  <p:tag name="KSO_WM_UNIT_ID" val="basetag20161329_8*i*_x0003_"/>
+  <p:tag name="KSO_WM_TEMPLATE_CATEGORY" val="basetag"/>
+  <p:tag name="KSO_WM_TEMPLATE_INDEX" val="20161329"/>
+  <p:tag name="KSO_WM_UNIT_LAYERLEVEL" val="1_1_1"/>
+  <p:tag name="KSO_WM_TAG_VERSION" val="1.0"/>
+  <p:tag name="KSO_WM_BEAUTIFY_FLAG" val="#wm#"/>
+  <p:tag name="KSO_WM_UNIT_DIAGRAM_MODELTYPE" val="numdgm"/>
+  <p:tag name="KSO_WM_UNIT_ISCONTENTSTITLE" val="0"/>
+  <p:tag name="KSO_WM_UNIT_PRESET_TEXT" val="标题文字"/>
+  <p:tag name="KSO_WM_UNIT_NOCLEAR" val="0"/>
+  <p:tag name="KSO_WM_UNIT_VALUE" val="5"/>
+  <p:tag name="KSO_WM_DIAGRAM_GROUP_CODE" val="l1-2"/>
+  <p:tag name="KSO_WM_UNIT_TYPE" val="i"/>
+  <p:tag name="KSO_WM_UNIT_INDEX" val="3"/>
 </p:tagLst>
 </file>
 
